--- a/喜樂泉源(崇拜版).pptx
+++ b/喜樂泉源(崇拜版).pptx
@@ -11,7 +11,7 @@
     <p:sldId id="259" r:id="rId5"/>
     <p:sldId id="260" r:id="rId6"/>
   </p:sldIdLst>
-  <p:sldSz cx="9144000" cy="6858000" type="screen4x3"/>
+  <p:sldSz cx="12192000" cy="6858000"/>
   <p:notesSz cx="6858000" cy="9144000"/>
   <p:defaultTextStyle>
     <a:defPPr>
@@ -108,6 +108,22 @@
       </a:defRPr>
     </a:lvl9pPr>
   </p:defaultTextStyle>
+  <p:extLst>
+    <p:ext uri="{EFAFB233-063F-42B5-8137-9DF3F51BA10A}">
+      <p15:sldGuideLst xmlns:p15="http://schemas.microsoft.com/office/powerpoint/2012/main">
+        <p15:guide id="1" orient="horz" pos="2160" userDrawn="1">
+          <p15:clr>
+            <a:srgbClr val="A4A3A4"/>
+          </p15:clr>
+        </p15:guide>
+        <p15:guide id="2" pos="3840" userDrawn="1">
+          <p15:clr>
+            <a:srgbClr val="A4A3A4"/>
+          </p15:clr>
+        </p15:guide>
+      </p15:sldGuideLst>
+    </p:ext>
+  </p:extLst>
 </p:presentation>
 </file>
 
@@ -140,8 +156,8 @@
         </p:nvSpPr>
         <p:spPr>
           <a:xfrm>
-            <a:off x="685800" y="2130425"/>
-            <a:ext cx="7772400" cy="1470025"/>
+            <a:off x="914400" y="2130426"/>
+            <a:ext cx="10363200" cy="1470025"/>
           </a:xfrm>
         </p:spPr>
         <p:txBody>
@@ -168,8 +184,8 @@
         </p:nvSpPr>
         <p:spPr>
           <a:xfrm>
-            <a:off x="1371600" y="3886200"/>
-            <a:ext cx="6400800" cy="1752600"/>
+            <a:off x="1828800" y="3886200"/>
+            <a:ext cx="8534400" cy="1752600"/>
           </a:xfrm>
         </p:spPr>
         <p:txBody>
@@ -292,7 +308,7 @@
           <a:p>
             <a:fld id="{BA904DDF-39DD-4960-8B76-805686751F1E}" type="datetimeFigureOut">
               <a:rPr lang="zh-TW" altLang="en-US" smtClean="0"/>
-              <a:t>2017/12/3</a:t>
+              <a:t>2019/11/9</a:t>
             </a:fld>
             <a:endParaRPr lang="zh-TW" altLang="en-US"/>
           </a:p>
@@ -457,7 +473,7 @@
           <a:p>
             <a:fld id="{BA904DDF-39DD-4960-8B76-805686751F1E}" type="datetimeFigureOut">
               <a:rPr lang="zh-TW" altLang="en-US" smtClean="0"/>
-              <a:t>2017/12/3</a:t>
+              <a:t>2019/11/9</a:t>
             </a:fld>
             <a:endParaRPr lang="zh-TW" altLang="en-US"/>
           </a:p>
@@ -542,8 +558,8 @@
         </p:nvSpPr>
         <p:spPr>
           <a:xfrm>
-            <a:off x="6629400" y="274638"/>
-            <a:ext cx="2057400" cy="5851525"/>
+            <a:off x="8839200" y="274639"/>
+            <a:ext cx="2743200" cy="5851525"/>
           </a:xfrm>
         </p:spPr>
         <p:txBody>
@@ -570,8 +586,8 @@
         </p:nvSpPr>
         <p:spPr>
           <a:xfrm>
-            <a:off x="457200" y="274638"/>
-            <a:ext cx="6019800" cy="5851525"/>
+            <a:off x="609600" y="274639"/>
+            <a:ext cx="8026400" cy="5851525"/>
           </a:xfrm>
         </p:spPr>
         <p:txBody>
@@ -632,7 +648,7 @@
           <a:p>
             <a:fld id="{BA904DDF-39DD-4960-8B76-805686751F1E}" type="datetimeFigureOut">
               <a:rPr lang="zh-TW" altLang="en-US" smtClean="0"/>
-              <a:t>2017/12/3</a:t>
+              <a:t>2019/11/9</a:t>
             </a:fld>
             <a:endParaRPr lang="zh-TW" altLang="en-US"/>
           </a:p>
@@ -797,7 +813,7 @@
           <a:p>
             <a:fld id="{BA904DDF-39DD-4960-8B76-805686751F1E}" type="datetimeFigureOut">
               <a:rPr lang="zh-TW" altLang="en-US" smtClean="0"/>
-              <a:t>2017/12/3</a:t>
+              <a:t>2019/11/9</a:t>
             </a:fld>
             <a:endParaRPr lang="zh-TW" altLang="en-US"/>
           </a:p>
@@ -882,8 +898,8 @@
         </p:nvSpPr>
         <p:spPr>
           <a:xfrm>
-            <a:off x="722313" y="4406900"/>
-            <a:ext cx="7772400" cy="1362075"/>
+            <a:off x="963084" y="4406901"/>
+            <a:ext cx="10363200" cy="1362075"/>
           </a:xfrm>
         </p:spPr>
         <p:txBody>
@@ -914,8 +930,8 @@
         </p:nvSpPr>
         <p:spPr>
           <a:xfrm>
-            <a:off x="722313" y="2906713"/>
-            <a:ext cx="7772400" cy="1500187"/>
+            <a:off x="963084" y="2906713"/>
+            <a:ext cx="10363200" cy="1500187"/>
           </a:xfrm>
         </p:spPr>
         <p:txBody>
@@ -1038,7 +1054,7 @@
           <a:p>
             <a:fld id="{BA904DDF-39DD-4960-8B76-805686751F1E}" type="datetimeFigureOut">
               <a:rPr lang="zh-TW" altLang="en-US" smtClean="0"/>
-              <a:t>2017/12/3</a:t>
+              <a:t>2019/11/9</a:t>
             </a:fld>
             <a:endParaRPr lang="zh-TW" altLang="en-US"/>
           </a:p>
@@ -1146,8 +1162,8 @@
         </p:nvSpPr>
         <p:spPr>
           <a:xfrm>
-            <a:off x="457200" y="1600200"/>
-            <a:ext cx="4038600" cy="4525963"/>
+            <a:off x="609600" y="1600201"/>
+            <a:ext cx="5384800" cy="4525963"/>
           </a:xfrm>
         </p:spPr>
         <p:txBody>
@@ -1231,8 +1247,8 @@
         </p:nvSpPr>
         <p:spPr>
           <a:xfrm>
-            <a:off x="4648200" y="1600200"/>
-            <a:ext cx="4038600" cy="4525963"/>
+            <a:off x="6197600" y="1600201"/>
+            <a:ext cx="5384800" cy="4525963"/>
           </a:xfrm>
         </p:spPr>
         <p:txBody>
@@ -1321,7 +1337,7 @@
           <a:p>
             <a:fld id="{BA904DDF-39DD-4960-8B76-805686751F1E}" type="datetimeFigureOut">
               <a:rPr lang="zh-TW" altLang="en-US" smtClean="0"/>
-              <a:t>2017/12/3</a:t>
+              <a:t>2019/11/9</a:t>
             </a:fld>
             <a:endParaRPr lang="zh-TW" altLang="en-US"/>
           </a:p>
@@ -1433,8 +1449,8 @@
         </p:nvSpPr>
         <p:spPr>
           <a:xfrm>
-            <a:off x="457200" y="1535113"/>
-            <a:ext cx="4040188" cy="639762"/>
+            <a:off x="609600" y="1535113"/>
+            <a:ext cx="5386917" cy="639762"/>
           </a:xfrm>
         </p:spPr>
         <p:txBody>
@@ -1498,8 +1514,8 @@
         </p:nvSpPr>
         <p:spPr>
           <a:xfrm>
-            <a:off x="457200" y="2174875"/>
-            <a:ext cx="4040188" cy="3951288"/>
+            <a:off x="609600" y="2174875"/>
+            <a:ext cx="5386917" cy="3951288"/>
           </a:xfrm>
         </p:spPr>
         <p:txBody>
@@ -1583,8 +1599,8 @@
         </p:nvSpPr>
         <p:spPr>
           <a:xfrm>
-            <a:off x="4645025" y="1535113"/>
-            <a:ext cx="4041775" cy="639762"/>
+            <a:off x="6193368" y="1535113"/>
+            <a:ext cx="5389033" cy="639762"/>
           </a:xfrm>
         </p:spPr>
         <p:txBody>
@@ -1648,8 +1664,8 @@
         </p:nvSpPr>
         <p:spPr>
           <a:xfrm>
-            <a:off x="4645025" y="2174875"/>
-            <a:ext cx="4041775" cy="3951288"/>
+            <a:off x="6193368" y="2174875"/>
+            <a:ext cx="5389033" cy="3951288"/>
           </a:xfrm>
         </p:spPr>
         <p:txBody>
@@ -1738,7 +1754,7 @@
           <a:p>
             <a:fld id="{BA904DDF-39DD-4960-8B76-805686751F1E}" type="datetimeFigureOut">
               <a:rPr lang="zh-TW" altLang="en-US" smtClean="0"/>
-              <a:t>2017/12/3</a:t>
+              <a:t>2019/11/9</a:t>
             </a:fld>
             <a:endParaRPr lang="zh-TW" altLang="en-US"/>
           </a:p>
@@ -1851,7 +1867,7 @@
           <a:p>
             <a:fld id="{BA904DDF-39DD-4960-8B76-805686751F1E}" type="datetimeFigureOut">
               <a:rPr lang="zh-TW" altLang="en-US" smtClean="0"/>
-              <a:t>2017/12/3</a:t>
+              <a:t>2019/11/9</a:t>
             </a:fld>
             <a:endParaRPr lang="zh-TW" altLang="en-US"/>
           </a:p>
@@ -1941,7 +1957,7 @@
           <a:p>
             <a:fld id="{BA904DDF-39DD-4960-8B76-805686751F1E}" type="datetimeFigureOut">
               <a:rPr lang="zh-TW" altLang="en-US" smtClean="0"/>
-              <a:t>2017/12/3</a:t>
+              <a:t>2019/11/9</a:t>
             </a:fld>
             <a:endParaRPr lang="zh-TW" altLang="en-US"/>
           </a:p>
@@ -2026,8 +2042,8 @@
         </p:nvSpPr>
         <p:spPr>
           <a:xfrm>
-            <a:off x="457200" y="273050"/>
-            <a:ext cx="3008313" cy="1162050"/>
+            <a:off x="609601" y="273050"/>
+            <a:ext cx="4011084" cy="1162050"/>
           </a:xfrm>
         </p:spPr>
         <p:txBody>
@@ -2058,8 +2074,8 @@
         </p:nvSpPr>
         <p:spPr>
           <a:xfrm>
-            <a:off x="3575050" y="273050"/>
-            <a:ext cx="5111750" cy="5853113"/>
+            <a:off x="4766733" y="273051"/>
+            <a:ext cx="6815667" cy="5853113"/>
           </a:xfrm>
         </p:spPr>
         <p:txBody>
@@ -2143,8 +2159,8 @@
         </p:nvSpPr>
         <p:spPr>
           <a:xfrm>
-            <a:off x="457200" y="1435100"/>
-            <a:ext cx="3008313" cy="4691063"/>
+            <a:off x="609601" y="1435101"/>
+            <a:ext cx="4011084" cy="4691063"/>
           </a:xfrm>
         </p:spPr>
         <p:txBody>
@@ -2213,7 +2229,7 @@
           <a:p>
             <a:fld id="{BA904DDF-39DD-4960-8B76-805686751F1E}" type="datetimeFigureOut">
               <a:rPr lang="zh-TW" altLang="en-US" smtClean="0"/>
-              <a:t>2017/12/3</a:t>
+              <a:t>2019/11/9</a:t>
             </a:fld>
             <a:endParaRPr lang="zh-TW" altLang="en-US"/>
           </a:p>
@@ -2298,8 +2314,8 @@
         </p:nvSpPr>
         <p:spPr>
           <a:xfrm>
-            <a:off x="1792288" y="4800600"/>
-            <a:ext cx="5486400" cy="566738"/>
+            <a:off x="2389717" y="4800600"/>
+            <a:ext cx="7315200" cy="566738"/>
           </a:xfrm>
         </p:spPr>
         <p:txBody>
@@ -2330,8 +2346,8 @@
         </p:nvSpPr>
         <p:spPr>
           <a:xfrm>
-            <a:off x="1792288" y="612775"/>
-            <a:ext cx="5486400" cy="4114800"/>
+            <a:off x="2389717" y="612775"/>
+            <a:ext cx="7315200" cy="4114800"/>
           </a:xfrm>
         </p:spPr>
         <p:txBody>
@@ -2395,8 +2411,8 @@
         </p:nvSpPr>
         <p:spPr>
           <a:xfrm>
-            <a:off x="1792288" y="5367338"/>
-            <a:ext cx="5486400" cy="804862"/>
+            <a:off x="2389717" y="5367338"/>
+            <a:ext cx="7315200" cy="804862"/>
           </a:xfrm>
         </p:spPr>
         <p:txBody>
@@ -2465,7 +2481,7 @@
           <a:p>
             <a:fld id="{BA904DDF-39DD-4960-8B76-805686751F1E}" type="datetimeFigureOut">
               <a:rPr lang="zh-TW" altLang="en-US" smtClean="0"/>
-              <a:t>2017/12/3</a:t>
+              <a:t>2019/11/9</a:t>
             </a:fld>
             <a:endParaRPr lang="zh-TW" altLang="en-US"/>
           </a:p>
@@ -2560,8 +2576,8 @@
         </p:nvSpPr>
         <p:spPr>
           <a:xfrm>
-            <a:off x="457200" y="274638"/>
-            <a:ext cx="8229600" cy="1143000"/>
+            <a:off x="609600" y="274638"/>
+            <a:ext cx="10972800" cy="1143000"/>
           </a:xfrm>
           <a:prstGeom prst="rect">
             <a:avLst/>
@@ -2593,8 +2609,8 @@
         </p:nvSpPr>
         <p:spPr>
           <a:xfrm>
-            <a:off x="457200" y="1600200"/>
-            <a:ext cx="8229600" cy="4525963"/>
+            <a:off x="609600" y="1600201"/>
+            <a:ext cx="10972800" cy="4525963"/>
           </a:xfrm>
           <a:prstGeom prst="rect">
             <a:avLst/>
@@ -2655,8 +2671,8 @@
         </p:nvSpPr>
         <p:spPr>
           <a:xfrm>
-            <a:off x="457200" y="6356350"/>
-            <a:ext cx="2133600" cy="365125"/>
+            <a:off x="609600" y="6356351"/>
+            <a:ext cx="2844800" cy="365125"/>
           </a:xfrm>
           <a:prstGeom prst="rect">
             <a:avLst/>
@@ -2678,7 +2694,7 @@
           <a:p>
             <a:fld id="{BA904DDF-39DD-4960-8B76-805686751F1E}" type="datetimeFigureOut">
               <a:rPr lang="zh-TW" altLang="en-US" smtClean="0"/>
-              <a:t>2017/12/3</a:t>
+              <a:t>2019/11/9</a:t>
             </a:fld>
             <a:endParaRPr lang="zh-TW" altLang="en-US"/>
           </a:p>
@@ -2696,8 +2712,8 @@
         </p:nvSpPr>
         <p:spPr>
           <a:xfrm>
-            <a:off x="3124200" y="6356350"/>
-            <a:ext cx="2895600" cy="365125"/>
+            <a:off x="4165600" y="6356351"/>
+            <a:ext cx="3860800" cy="365125"/>
           </a:xfrm>
           <a:prstGeom prst="rect">
             <a:avLst/>
@@ -2733,8 +2749,8 @@
         </p:nvSpPr>
         <p:spPr>
           <a:xfrm>
-            <a:off x="6553200" y="6356350"/>
-            <a:ext cx="2133600" cy="365125"/>
+            <a:off x="8737600" y="6356351"/>
+            <a:ext cx="2844800" cy="365125"/>
           </a:xfrm>
           <a:prstGeom prst="rect">
             <a:avLst/>
@@ -3114,7 +3130,7 @@
               <a:t>你是我喜樂</a:t>
             </a:r>
             <a:r>
-              <a:rPr lang="zh-CN" altLang="en-US" sz="5400" b="1" dirty="0" smtClean="0">
+              <a:rPr lang="zh-CN" altLang="en-US" sz="5400" b="1" dirty="0">
                 <a:solidFill>
                   <a:srgbClr val="660033"/>
                 </a:solidFill>
@@ -3123,7 +3139,7 @@
               </a:rPr>
               <a:t>泉源</a:t>
             </a:r>
-            <a:endParaRPr lang="en-US" altLang="zh-CN" sz="5400" b="1" dirty="0" smtClean="0">
+            <a:endParaRPr lang="en-US" altLang="zh-CN" sz="5400" b="1" dirty="0">
               <a:solidFill>
                 <a:srgbClr val="660033"/>
               </a:solidFill>
@@ -3136,7 +3152,7 @@
               <a:buNone/>
             </a:pPr>
             <a:r>
-              <a:rPr lang="zh-CN" altLang="en-US" sz="5400" b="1" dirty="0" smtClean="0">
+              <a:rPr lang="zh-CN" altLang="en-US" sz="5400" b="1" dirty="0">
                 <a:solidFill>
                   <a:srgbClr val="660033"/>
                 </a:solidFill>
@@ -3156,7 +3172,7 @@
               <a:t>使我歡欣</a:t>
             </a:r>
             <a:r>
-              <a:rPr lang="zh-CN" altLang="en-US" sz="5400" b="1" dirty="0" smtClean="0">
+              <a:rPr lang="zh-CN" altLang="en-US" sz="5400" b="1" dirty="0">
                 <a:solidFill>
                   <a:srgbClr val="660033"/>
                 </a:solidFill>
@@ -3188,7 +3204,7 @@
               <a:t>你使我自由</a:t>
             </a:r>
             <a:r>
-              <a:rPr lang="zh-CN" altLang="en-US" sz="5400" b="1" dirty="0" smtClean="0">
+              <a:rPr lang="zh-CN" altLang="en-US" sz="5400" b="1" dirty="0">
                 <a:solidFill>
                   <a:srgbClr val="660033"/>
                 </a:solidFill>
@@ -3197,7 +3213,7 @@
               </a:rPr>
               <a:t>飛翔</a:t>
             </a:r>
-            <a:endParaRPr lang="en-US" altLang="zh-CN" sz="5400" b="1" dirty="0" smtClean="0">
+            <a:endParaRPr lang="en-US" altLang="zh-CN" sz="5400" b="1" dirty="0">
               <a:solidFill>
                 <a:srgbClr val="660033"/>
               </a:solidFill>
@@ -3210,7 +3226,7 @@
               <a:buNone/>
             </a:pPr>
             <a:r>
-              <a:rPr lang="zh-CN" altLang="en-US" sz="5400" b="1" dirty="0" smtClean="0">
+              <a:rPr lang="zh-CN" altLang="en-US" sz="5400" b="1" dirty="0">
                 <a:solidFill>
                   <a:srgbClr val="660033"/>
                 </a:solidFill>
@@ -3320,7 +3336,7 @@
               <a:buNone/>
             </a:pPr>
             <a:r>
-              <a:rPr lang="zh-CN" altLang="en-US" sz="5400" b="1" dirty="0" smtClean="0">
+              <a:rPr lang="zh-CN" altLang="en-US" sz="5400" b="1" dirty="0">
                 <a:solidFill>
                   <a:srgbClr val="660033"/>
                 </a:solidFill>
@@ -3329,7 +3345,7 @@
               </a:rPr>
               <a:t>你是我永生盼望</a:t>
             </a:r>
-            <a:endParaRPr lang="en-US" altLang="zh-CN" sz="5400" b="1" dirty="0" smtClean="0">
+            <a:endParaRPr lang="en-US" altLang="zh-CN" sz="5400" b="1" dirty="0">
               <a:solidFill>
                 <a:srgbClr val="660033"/>
               </a:solidFill>
@@ -3342,7 +3358,7 @@
               <a:buNone/>
             </a:pPr>
             <a:r>
-              <a:rPr lang="zh-CN" altLang="en-US" sz="5400" b="1" dirty="0" smtClean="0">
+              <a:rPr lang="zh-CN" altLang="en-US" sz="5400" b="1" dirty="0">
                 <a:solidFill>
                   <a:srgbClr val="660033"/>
                 </a:solidFill>
@@ -3351,7 +3367,7 @@
               </a:rPr>
               <a:t>你愛有無比力量</a:t>
             </a:r>
-            <a:endParaRPr lang="zh-TW" altLang="en-US" sz="5400" b="1" dirty="0" smtClean="0">
+            <a:endParaRPr lang="zh-TW" altLang="en-US" sz="5400" b="1" dirty="0">
               <a:solidFill>
                 <a:srgbClr val="660033"/>
               </a:solidFill>
@@ -3364,7 +3380,7 @@
               <a:buNone/>
             </a:pPr>
             <a:r>
-              <a:rPr lang="zh-CN" altLang="en-US" sz="5400" b="1" dirty="0" smtClean="0">
+              <a:rPr lang="zh-CN" altLang="en-US" sz="5400" b="1" dirty="0">
                 <a:solidFill>
                   <a:srgbClr val="660033"/>
                 </a:solidFill>
@@ -3373,7 +3389,7 @@
               </a:rPr>
               <a:t>從今時直到永遠</a:t>
             </a:r>
-            <a:endParaRPr lang="en-US" altLang="zh-CN" sz="5400" b="1" dirty="0" smtClean="0">
+            <a:endParaRPr lang="en-US" altLang="zh-CN" sz="5400" b="1" dirty="0">
               <a:solidFill>
                 <a:srgbClr val="660033"/>
               </a:solidFill>
@@ -3386,7 +3402,7 @@
               <a:buNone/>
             </a:pPr>
             <a:r>
-              <a:rPr lang="zh-CN" altLang="en-US" sz="5400" b="1" dirty="0" smtClean="0">
+              <a:rPr lang="zh-CN" altLang="en-US" sz="5400" b="1" dirty="0">
                 <a:solidFill>
                   <a:srgbClr val="660033"/>
                 </a:solidFill>
@@ -3477,7 +3493,7 @@
         </p:nvSpPr>
         <p:spPr>
           <a:xfrm>
-            <a:off x="0" y="1600200"/>
+            <a:off x="1524000" y="1600201"/>
             <a:ext cx="9144000" cy="4525963"/>
           </a:xfrm>
         </p:spPr>
@@ -3491,7 +3507,7 @@
               <a:buNone/>
             </a:pPr>
             <a:r>
-              <a:rPr lang="zh-CN" altLang="en-US" sz="5400" b="1" dirty="0" smtClean="0">
+              <a:rPr lang="zh-CN" altLang="en-US" sz="5400" b="1" dirty="0">
                 <a:solidFill>
                   <a:srgbClr val="660033"/>
                 </a:solidFill>
@@ -3500,7 +3516,7 @@
               </a:rPr>
               <a:t>你的寶血</a:t>
             </a:r>
-            <a:endParaRPr lang="en-US" altLang="zh-CN" sz="5400" b="1" dirty="0" smtClean="0">
+            <a:endParaRPr lang="en-US" altLang="zh-CN" sz="5400" b="1" dirty="0">
               <a:solidFill>
                 <a:srgbClr val="660033"/>
               </a:solidFill>
@@ -3513,26 +3529,16 @@
               <a:buNone/>
             </a:pPr>
             <a:r>
-              <a:rPr lang="zh-CN" altLang="en-US" sz="5400" b="1" dirty="0" smtClean="0">
+              <a:rPr lang="zh-CN" altLang="en-US" sz="5400" b="1" dirty="0">
                 <a:solidFill>
                   <a:srgbClr val="660033"/>
                 </a:solidFill>
                 <a:latin typeface="微軟正黑體" pitchFamily="34" charset="-120"/>
                 <a:ea typeface="微軟正黑體" pitchFamily="34" charset="-120"/>
               </a:rPr>
-              <a:t>有能力能醫治一切的</a:t>
-            </a:r>
-            <a:r>
-              <a:rPr lang="zh-CN" altLang="en-US" sz="5400" b="1" dirty="0" smtClean="0">
-                <a:solidFill>
-                  <a:srgbClr val="660033"/>
-                </a:solidFill>
-                <a:latin typeface="微軟正黑體" pitchFamily="34" charset="-120"/>
-                <a:ea typeface="微軟正黑體" pitchFamily="34" charset="-120"/>
-              </a:rPr>
-              <a:t>傷口</a:t>
-            </a:r>
-            <a:endParaRPr lang="en-US" altLang="zh-CN" sz="5400" b="1" dirty="0" smtClean="0">
+              <a:t>有能力能醫治一切的傷口</a:t>
+            </a:r>
+            <a:endParaRPr lang="en-US" altLang="zh-CN" sz="5400" b="1" dirty="0">
               <a:solidFill>
                 <a:srgbClr val="660033"/>
               </a:solidFill>
@@ -3545,26 +3551,16 @@
               <a:buNone/>
             </a:pPr>
             <a:r>
-              <a:rPr lang="zh-CN" altLang="en-US" sz="5400" b="1" dirty="0" smtClean="0">
+              <a:rPr lang="zh-CN" altLang="en-US" sz="5400" b="1" dirty="0">
                 <a:solidFill>
                   <a:srgbClr val="660033"/>
                 </a:solidFill>
                 <a:latin typeface="微軟正黑體" pitchFamily="34" charset="-120"/>
                 <a:ea typeface="微軟正黑體" pitchFamily="34" charset="-120"/>
               </a:rPr>
-              <a:t>你</a:t>
-            </a:r>
-            <a:r>
-              <a:rPr lang="zh-CN" altLang="en-US" sz="5400" b="1" dirty="0" smtClean="0">
-                <a:solidFill>
-                  <a:srgbClr val="660033"/>
-                </a:solidFill>
-                <a:latin typeface="微軟正黑體" pitchFamily="34" charset="-120"/>
-                <a:ea typeface="微軟正黑體" pitchFamily="34" charset="-120"/>
-              </a:rPr>
-              <a:t>的復活</a:t>
-            </a:r>
-            <a:endParaRPr lang="en-US" altLang="zh-CN" sz="5400" b="1" dirty="0" smtClean="0">
+              <a:t>你的復活</a:t>
+            </a:r>
+            <a:endParaRPr lang="en-US" altLang="zh-CN" sz="5400" b="1" dirty="0">
               <a:solidFill>
                 <a:srgbClr val="660033"/>
               </a:solidFill>
@@ -3577,7 +3573,7 @@
               <a:buNone/>
             </a:pPr>
             <a:r>
-              <a:rPr lang="zh-CN" altLang="en-US" sz="5400" b="1" dirty="0" smtClean="0">
+              <a:rPr lang="zh-CN" altLang="en-US" sz="5400" b="1" dirty="0">
                 <a:solidFill>
                   <a:srgbClr val="660033"/>
                 </a:solidFill>
@@ -3586,7 +3582,7 @@
               </a:rPr>
               <a:t>能改變一切的咒詛成為祝福</a:t>
             </a:r>
-            <a:endParaRPr lang="zh-TW" altLang="en-US" sz="5400" b="1" dirty="0" smtClean="0">
+            <a:endParaRPr lang="zh-TW" altLang="en-US" sz="5400" b="1" dirty="0">
               <a:solidFill>
                 <a:srgbClr val="660033"/>
               </a:solidFill>
@@ -3668,7 +3664,7 @@
         </p:nvSpPr>
         <p:spPr>
           <a:xfrm>
-            <a:off x="0" y="1600200"/>
+            <a:off x="1524000" y="1600201"/>
             <a:ext cx="9144000" cy="4525963"/>
           </a:xfrm>
         </p:spPr>
@@ -3682,26 +3678,16 @@
               <a:buNone/>
             </a:pPr>
             <a:r>
-              <a:rPr lang="zh-CN" altLang="en-US" sz="5400" b="1" dirty="0" smtClean="0">
+              <a:rPr lang="zh-CN" altLang="en-US" sz="5400" b="1" dirty="0">
                 <a:solidFill>
                   <a:srgbClr val="660033"/>
                 </a:solidFill>
                 <a:latin typeface="微軟正黑體" pitchFamily="34" charset="-120"/>
                 <a:ea typeface="微軟正黑體" pitchFamily="34" charset="-120"/>
               </a:rPr>
-              <a:t>我們要高舉你聖</a:t>
-            </a:r>
-            <a:r>
-              <a:rPr lang="zh-CN" altLang="en-US" sz="5400" b="1" dirty="0" smtClean="0">
-                <a:solidFill>
-                  <a:srgbClr val="660033"/>
-                </a:solidFill>
-                <a:latin typeface="微軟正黑體" pitchFamily="34" charset="-120"/>
-                <a:ea typeface="微軟正黑體" pitchFamily="34" charset="-120"/>
-              </a:rPr>
-              <a:t>名</a:t>
-            </a:r>
-            <a:endParaRPr lang="en-US" altLang="zh-CN" sz="5400" b="1" dirty="0" smtClean="0">
+              <a:t>我們要高舉你聖名</a:t>
+            </a:r>
+            <a:endParaRPr lang="en-US" altLang="zh-CN" sz="5400" b="1" dirty="0">
               <a:solidFill>
                 <a:srgbClr val="660033"/>
               </a:solidFill>
@@ -3714,36 +3700,16 @@
               <a:buNone/>
             </a:pPr>
             <a:r>
-              <a:rPr lang="zh-CN" altLang="en-US" sz="5400" b="1" dirty="0" smtClean="0">
+              <a:rPr lang="zh-CN" altLang="en-US" sz="5400" b="1" dirty="0">
                 <a:solidFill>
                   <a:srgbClr val="660033"/>
                 </a:solidFill>
                 <a:latin typeface="微軟正黑體" pitchFamily="34" charset="-120"/>
                 <a:ea typeface="微軟正黑體" pitchFamily="34" charset="-120"/>
               </a:rPr>
-              <a:t>你</a:t>
-            </a:r>
-            <a:r>
-              <a:rPr lang="zh-CN" altLang="en-US" sz="5400" b="1" dirty="0" smtClean="0">
-                <a:solidFill>
-                  <a:srgbClr val="660033"/>
-                </a:solidFill>
-                <a:latin typeface="微軟正黑體" pitchFamily="34" charset="-120"/>
-                <a:ea typeface="微軟正黑體" pitchFamily="34" charset="-120"/>
-              </a:rPr>
-              <a:t>配得所有最大的</a:t>
-            </a:r>
-            <a:r>
-              <a:rPr lang="zh-CN" altLang="en-US" sz="5400" b="1" dirty="0" smtClean="0">
-                <a:solidFill>
-                  <a:srgbClr val="660033"/>
-                </a:solidFill>
-                <a:latin typeface="微軟正黑體" pitchFamily="34" charset="-120"/>
-                <a:ea typeface="微軟正黑體" pitchFamily="34" charset="-120"/>
-              </a:rPr>
-              <a:t>讚美</a:t>
-            </a:r>
-            <a:endParaRPr lang="zh-TW" altLang="en-US" sz="5400" b="1" dirty="0" smtClean="0">
+              <a:t>你配得所有最大的讚美</a:t>
+            </a:r>
+            <a:endParaRPr lang="zh-TW" altLang="en-US" sz="5400" b="1" dirty="0">
               <a:solidFill>
                 <a:srgbClr val="660033"/>
               </a:solidFill>
@@ -3756,46 +3722,16 @@
               <a:buNone/>
             </a:pPr>
             <a:r>
-              <a:rPr lang="zh-CN" altLang="en-US" sz="5400" b="1" dirty="0" smtClean="0">
+              <a:rPr lang="zh-CN" altLang="en-US" sz="5400" b="1" dirty="0">
                 <a:solidFill>
                   <a:srgbClr val="660033"/>
                 </a:solidFill>
                 <a:latin typeface="微軟正黑體" pitchFamily="34" charset="-120"/>
                 <a:ea typeface="微軟正黑體" pitchFamily="34" charset="-120"/>
               </a:rPr>
-              <a:t>我們要用全</a:t>
-            </a:r>
-            <a:r>
-              <a:rPr lang="zh-CN" altLang="en-US" sz="5400" b="1" dirty="0" smtClean="0">
-                <a:solidFill>
-                  <a:srgbClr val="660033"/>
-                </a:solidFill>
-                <a:latin typeface="微軟正黑體" pitchFamily="34" charset="-120"/>
-                <a:ea typeface="微軟正黑體" pitchFamily="34" charset="-120"/>
-              </a:rPr>
-              <a:t>心和</a:t>
-            </a:r>
-            <a:r>
-              <a:rPr lang="zh-CN" altLang="en-US" sz="5400" b="1" dirty="0" smtClean="0">
-                <a:solidFill>
-                  <a:srgbClr val="660033"/>
-                </a:solidFill>
-                <a:latin typeface="微軟正黑體" pitchFamily="34" charset="-120"/>
-                <a:ea typeface="微軟正黑體" pitchFamily="34" charset="-120"/>
-              </a:rPr>
-              <a:t>全</a:t>
-            </a:r>
-            <a:r>
-              <a:rPr lang="zh-CN" altLang="en-US" sz="5400" b="1" dirty="0" smtClean="0">
-                <a:solidFill>
-                  <a:srgbClr val="660033"/>
-                </a:solidFill>
-                <a:latin typeface="微軟正黑體" pitchFamily="34" charset="-120"/>
-                <a:ea typeface="微軟正黑體" pitchFamily="34" charset="-120"/>
-              </a:rPr>
-              <a:t>意</a:t>
-            </a:r>
-            <a:endParaRPr lang="en-US" altLang="zh-CN" sz="5400" b="1" dirty="0" smtClean="0">
+              <a:t>我們要用全心和全意</a:t>
+            </a:r>
+            <a:endParaRPr lang="en-US" altLang="zh-CN" sz="5400" b="1" dirty="0">
               <a:solidFill>
                 <a:srgbClr val="660033"/>
               </a:solidFill>
@@ -3808,26 +3744,16 @@
               <a:buNone/>
             </a:pPr>
             <a:r>
-              <a:rPr lang="zh-CN" altLang="en-US" sz="5400" b="1" dirty="0" smtClean="0">
+              <a:rPr lang="zh-CN" altLang="en-US" sz="5400" b="1" dirty="0">
                 <a:solidFill>
                   <a:srgbClr val="660033"/>
                 </a:solidFill>
                 <a:latin typeface="微軟正黑體" pitchFamily="34" charset="-120"/>
                 <a:ea typeface="微軟正黑體" pitchFamily="34" charset="-120"/>
               </a:rPr>
-              <a:t>來</a:t>
-            </a:r>
-            <a:r>
-              <a:rPr lang="zh-CN" altLang="en-US" sz="5400" b="1" dirty="0" smtClean="0">
-                <a:solidFill>
-                  <a:srgbClr val="660033"/>
-                </a:solidFill>
-                <a:latin typeface="微軟正黑體" pitchFamily="34" charset="-120"/>
-                <a:ea typeface="微軟正黑體" pitchFamily="34" charset="-120"/>
-              </a:rPr>
-              <a:t>敬拜你</a:t>
-            </a:r>
-            <a:endParaRPr lang="zh-TW" altLang="en-US" sz="5400" b="1" dirty="0" smtClean="0">
+              <a:t>來敬拜你</a:t>
+            </a:r>
+            <a:endParaRPr lang="zh-TW" altLang="en-US" sz="5400" b="1" dirty="0">
               <a:solidFill>
                 <a:srgbClr val="660033"/>
               </a:solidFill>
@@ -3909,7 +3835,7 @@
         </p:nvSpPr>
         <p:spPr>
           <a:xfrm>
-            <a:off x="0" y="1600200"/>
+            <a:off x="1524000" y="1600201"/>
             <a:ext cx="9144000" cy="4525963"/>
           </a:xfrm>
         </p:spPr>
@@ -3923,7 +3849,7 @@
               <a:buNone/>
             </a:pPr>
             <a:r>
-              <a:rPr lang="zh-CN" altLang="en-US" sz="5400" b="1" dirty="0" smtClean="0">
+              <a:rPr lang="zh-CN" altLang="en-US" sz="5400" b="1" dirty="0">
                 <a:solidFill>
                   <a:srgbClr val="660033"/>
                 </a:solidFill>
@@ -3932,7 +3858,7 @@
               </a:rPr>
               <a:t>我們要歡迎你來臨</a:t>
             </a:r>
-            <a:endParaRPr lang="en-US" altLang="zh-CN" sz="5400" b="1" dirty="0" smtClean="0">
+            <a:endParaRPr lang="en-US" altLang="zh-CN" sz="5400" b="1" dirty="0">
               <a:solidFill>
                 <a:srgbClr val="660033"/>
               </a:solidFill>
@@ -3945,7 +3871,7 @@
               <a:buNone/>
             </a:pPr>
             <a:r>
-              <a:rPr lang="zh-CN" altLang="en-US" sz="5400" b="1" dirty="0" smtClean="0">
+              <a:rPr lang="zh-CN" altLang="en-US" sz="5400" b="1" dirty="0">
                 <a:solidFill>
                   <a:srgbClr val="660033"/>
                 </a:solidFill>
@@ -3954,7 +3880,7 @@
               </a:rPr>
               <a:t>願你來設立寶座在這裡</a:t>
             </a:r>
-            <a:endParaRPr lang="zh-TW" altLang="en-US" sz="5400" b="1" dirty="0" smtClean="0">
+            <a:endParaRPr lang="zh-TW" altLang="en-US" sz="5400" b="1" dirty="0">
               <a:solidFill>
                 <a:srgbClr val="660033"/>
               </a:solidFill>
@@ -3967,7 +3893,7 @@
               <a:buNone/>
             </a:pPr>
             <a:r>
-              <a:rPr lang="zh-CN" altLang="en-US" sz="5400" b="1" dirty="0" smtClean="0">
+              <a:rPr lang="zh-CN" altLang="en-US" sz="5400" b="1" dirty="0">
                 <a:solidFill>
                   <a:srgbClr val="660033"/>
                 </a:solidFill>
@@ -3976,7 +3902,7 @@
               </a:rPr>
               <a:t>我們要張開口</a:t>
             </a:r>
-            <a:endParaRPr lang="en-US" altLang="zh-CN" sz="5400" b="1" dirty="0" smtClean="0">
+            <a:endParaRPr lang="en-US" altLang="zh-CN" sz="5400" b="1" dirty="0">
               <a:solidFill>
                 <a:srgbClr val="660033"/>
               </a:solidFill>
@@ -3989,7 +3915,7 @@
               <a:buNone/>
             </a:pPr>
             <a:r>
-              <a:rPr lang="zh-CN" altLang="en-US" sz="5400" b="1" dirty="0" smtClean="0">
+              <a:rPr lang="zh-CN" altLang="en-US" sz="5400" b="1" dirty="0">
                 <a:solidFill>
                   <a:srgbClr val="660033"/>
                 </a:solidFill>
@@ -3998,7 +3924,7 @@
               </a:rPr>
               <a:t>不停讚美你</a:t>
             </a:r>
-            <a:endParaRPr lang="zh-TW" altLang="en-US" sz="5400" b="1" dirty="0" smtClean="0">
+            <a:endParaRPr lang="zh-TW" altLang="en-US" sz="5400" b="1" dirty="0">
               <a:solidFill>
                 <a:srgbClr val="660033"/>
               </a:solidFill>

--- a/喜樂泉源(崇拜版).pptx
+++ b/喜樂泉源(崇拜版).pptx
@@ -5,11 +5,17 @@
     <p:sldMasterId id="2147483660" r:id="rId1"/>
   </p:sldMasterIdLst>
   <p:sldIdLst>
-    <p:sldId id="256" r:id="rId2"/>
-    <p:sldId id="257" r:id="rId3"/>
-    <p:sldId id="258" r:id="rId4"/>
-    <p:sldId id="259" r:id="rId5"/>
-    <p:sldId id="260" r:id="rId6"/>
+    <p:sldId id="261" r:id="rId2"/>
+    <p:sldId id="262" r:id="rId3"/>
+    <p:sldId id="263" r:id="rId4"/>
+    <p:sldId id="264" r:id="rId5"/>
+    <p:sldId id="265" r:id="rId6"/>
+    <p:sldId id="266" r:id="rId7"/>
+    <p:sldId id="267" r:id="rId8"/>
+    <p:sldId id="268" r:id="rId9"/>
+    <p:sldId id="269" r:id="rId10"/>
+    <p:sldId id="270" r:id="rId11"/>
+    <p:sldId id="271" r:id="rId12"/>
   </p:sldIdLst>
   <p:sldSz cx="12192000" cy="6858000"/>
   <p:notesSz cx="6858000" cy="9144000"/>
@@ -308,7 +314,7 @@
           <a:p>
             <a:fld id="{BA904DDF-39DD-4960-8B76-805686751F1E}" type="datetimeFigureOut">
               <a:rPr lang="zh-TW" altLang="en-US" smtClean="0"/>
-              <a:t>2019/11/9</a:t>
+              <a:t>2021/5/8</a:t>
             </a:fld>
             <a:endParaRPr lang="zh-TW" altLang="en-US"/>
           </a:p>
@@ -473,7 +479,7 @@
           <a:p>
             <a:fld id="{BA904DDF-39DD-4960-8B76-805686751F1E}" type="datetimeFigureOut">
               <a:rPr lang="zh-TW" altLang="en-US" smtClean="0"/>
-              <a:t>2019/11/9</a:t>
+              <a:t>2021/5/8</a:t>
             </a:fld>
             <a:endParaRPr lang="zh-TW" altLang="en-US"/>
           </a:p>
@@ -648,7 +654,7 @@
           <a:p>
             <a:fld id="{BA904DDF-39DD-4960-8B76-805686751F1E}" type="datetimeFigureOut">
               <a:rPr lang="zh-TW" altLang="en-US" smtClean="0"/>
-              <a:t>2019/11/9</a:t>
+              <a:t>2021/5/8</a:t>
             </a:fld>
             <a:endParaRPr lang="zh-TW" altLang="en-US"/>
           </a:p>
@@ -813,7 +819,7 @@
           <a:p>
             <a:fld id="{BA904DDF-39DD-4960-8B76-805686751F1E}" type="datetimeFigureOut">
               <a:rPr lang="zh-TW" altLang="en-US" smtClean="0"/>
-              <a:t>2019/11/9</a:t>
+              <a:t>2021/5/8</a:t>
             </a:fld>
             <a:endParaRPr lang="zh-TW" altLang="en-US"/>
           </a:p>
@@ -1054,7 +1060,7 @@
           <a:p>
             <a:fld id="{BA904DDF-39DD-4960-8B76-805686751F1E}" type="datetimeFigureOut">
               <a:rPr lang="zh-TW" altLang="en-US" smtClean="0"/>
-              <a:t>2019/11/9</a:t>
+              <a:t>2021/5/8</a:t>
             </a:fld>
             <a:endParaRPr lang="zh-TW" altLang="en-US"/>
           </a:p>
@@ -1337,7 +1343,7 @@
           <a:p>
             <a:fld id="{BA904DDF-39DD-4960-8B76-805686751F1E}" type="datetimeFigureOut">
               <a:rPr lang="zh-TW" altLang="en-US" smtClean="0"/>
-              <a:t>2019/11/9</a:t>
+              <a:t>2021/5/8</a:t>
             </a:fld>
             <a:endParaRPr lang="zh-TW" altLang="en-US"/>
           </a:p>
@@ -1754,7 +1760,7 @@
           <a:p>
             <a:fld id="{BA904DDF-39DD-4960-8B76-805686751F1E}" type="datetimeFigureOut">
               <a:rPr lang="zh-TW" altLang="en-US" smtClean="0"/>
-              <a:t>2019/11/9</a:t>
+              <a:t>2021/5/8</a:t>
             </a:fld>
             <a:endParaRPr lang="zh-TW" altLang="en-US"/>
           </a:p>
@@ -1867,7 +1873,7 @@
           <a:p>
             <a:fld id="{BA904DDF-39DD-4960-8B76-805686751F1E}" type="datetimeFigureOut">
               <a:rPr lang="zh-TW" altLang="en-US" smtClean="0"/>
-              <a:t>2019/11/9</a:t>
+              <a:t>2021/5/8</a:t>
             </a:fld>
             <a:endParaRPr lang="zh-TW" altLang="en-US"/>
           </a:p>
@@ -1957,7 +1963,7 @@
           <a:p>
             <a:fld id="{BA904DDF-39DD-4960-8B76-805686751F1E}" type="datetimeFigureOut">
               <a:rPr lang="zh-TW" altLang="en-US" smtClean="0"/>
-              <a:t>2019/11/9</a:t>
+              <a:t>2021/5/8</a:t>
             </a:fld>
             <a:endParaRPr lang="zh-TW" altLang="en-US"/>
           </a:p>
@@ -2229,7 +2235,7 @@
           <a:p>
             <a:fld id="{BA904DDF-39DD-4960-8B76-805686751F1E}" type="datetimeFigureOut">
               <a:rPr lang="zh-TW" altLang="en-US" smtClean="0"/>
-              <a:t>2019/11/9</a:t>
+              <a:t>2021/5/8</a:t>
             </a:fld>
             <a:endParaRPr lang="zh-TW" altLang="en-US"/>
           </a:p>
@@ -2481,7 +2487,7 @@
           <a:p>
             <a:fld id="{BA904DDF-39DD-4960-8B76-805686751F1E}" type="datetimeFigureOut">
               <a:rPr lang="zh-TW" altLang="en-US" smtClean="0"/>
-              <a:t>2019/11/9</a:t>
+              <a:t>2021/5/8</a:t>
             </a:fld>
             <a:endParaRPr lang="zh-TW" altLang="en-US"/>
           </a:p>
@@ -2694,7 +2700,7 @@
           <a:p>
             <a:fld id="{BA904DDF-39DD-4960-8B76-805686751F1E}" type="datetimeFigureOut">
               <a:rPr lang="zh-TW" altLang="en-US" smtClean="0"/>
-              <a:t>2019/11/9</a:t>
+              <a:t>2021/5/8</a:t>
             </a:fld>
             <a:endParaRPr lang="zh-TW" altLang="en-US"/>
           </a:p>
@@ -3074,74 +3080,234 @@
             <p:ph type="title"/>
           </p:nvPr>
         </p:nvSpPr>
-        <p:spPr/>
-        <p:txBody>
-          <a:bodyPr/>
-          <a:lstStyle/>
-          <a:p>
-            <a:r>
-              <a:rPr lang="zh-CN" altLang="en-US" b="1" dirty="0">
+        <p:spPr>
+          <a:xfrm>
+            <a:off x="0" y="2660915"/>
+            <a:ext cx="12192000" cy="1143000"/>
+          </a:xfrm>
+        </p:spPr>
+        <p:txBody>
+          <a:bodyPr>
+            <a:noAutofit/>
+          </a:bodyPr>
+          <a:lstStyle/>
+          <a:p>
+            <a:r>
+              <a:rPr lang="zh-CN" altLang="en-US" sz="7200" b="1" i="1" dirty="0">
                 <a:solidFill>
-                  <a:srgbClr val="660033"/>
+                  <a:srgbClr val="000066"/>
+                </a:solidFill>
+                <a:effectLst>
+                  <a:outerShdw blurRad="38100" dist="38100" dir="2700000" algn="tl">
+                    <a:srgbClr val="000000">
+                      <a:alpha val="43137"/>
+                    </a:srgbClr>
+                  </a:outerShdw>
+                </a:effectLst>
+                <a:latin typeface="微軟正黑體" pitchFamily="34" charset="-120"/>
+                <a:ea typeface="微軟正黑體" pitchFamily="34" charset="-120"/>
+              </a:rPr>
+              <a:t>喜</a:t>
+            </a:r>
+            <a:r>
+              <a:rPr lang="zh-CN" altLang="en-US" sz="7200" b="1" i="1" dirty="0">
+                <a:solidFill>
+                  <a:srgbClr val="000066"/>
+                </a:solidFill>
+                <a:effectLst>
+                  <a:outerShdw blurRad="38100" dist="38100" dir="2700000" algn="tl">
+                    <a:srgbClr val="000000">
+                      <a:alpha val="43137"/>
+                    </a:srgbClr>
+                  </a:outerShdw>
+                </a:effectLst>
+                <a:latin typeface="微軟正黑體" pitchFamily="34" charset="-120"/>
+                <a:ea typeface="微軟正黑體" pitchFamily="34" charset="-120"/>
+              </a:rPr>
+              <a:t>樂泉源</a:t>
+            </a:r>
+            <a:endParaRPr lang="zh-TW" altLang="en-US" sz="7200" b="1" i="1" dirty="0">
+              <a:solidFill>
+                <a:srgbClr val="000066"/>
+              </a:solidFill>
+              <a:effectLst>
+                <a:outerShdw blurRad="38100" dist="38100" dir="2700000" algn="tl">
+                  <a:srgbClr val="000000">
+                    <a:alpha val="43137"/>
+                  </a:srgbClr>
+                </a:outerShdw>
+              </a:effectLst>
+              <a:latin typeface="微軟正黑體" pitchFamily="34" charset="-120"/>
+              <a:ea typeface="微軟正黑體" pitchFamily="34" charset="-120"/>
+            </a:endParaRPr>
+          </a:p>
+        </p:txBody>
+      </p:sp>
+    </p:spTree>
+    <p:extLst>
+      <p:ext uri="{BB962C8B-B14F-4D97-AF65-F5344CB8AC3E}">
+        <p14:creationId xmlns:p14="http://schemas.microsoft.com/office/powerpoint/2010/main" val="1521522700"/>
+      </p:ext>
+    </p:extLst>
+  </p:cSld>
+  <p:clrMapOvr>
+    <a:masterClrMapping/>
+  </p:clrMapOvr>
+</p:sld>
+</file>
+
+<file path=ppt/slides/slide10.xml><?xml version="1.0" encoding="utf-8"?>
+<p:sld xmlns:a="http://schemas.openxmlformats.org/drawingml/2006/main" xmlns:r="http://schemas.openxmlformats.org/officeDocument/2006/relationships" xmlns:p="http://schemas.openxmlformats.org/presentationml/2006/main">
+  <p:cSld>
+    <p:spTree>
+      <p:nvGrpSpPr>
+        <p:cNvPr id="1" name=""/>
+        <p:cNvGrpSpPr/>
+        <p:nvPr/>
+      </p:nvGrpSpPr>
+      <p:grpSpPr>
+        <a:xfrm>
+          <a:off x="0" y="0"/>
+          <a:ext cx="0" cy="0"/>
+          <a:chOff x="0" y="0"/>
+          <a:chExt cx="0" cy="0"/>
+        </a:xfrm>
+      </p:grpSpPr>
+      <p:sp>
+        <p:nvSpPr>
+          <p:cNvPr id="5" name="內容版面配置區 4"/>
+          <p:cNvSpPr>
+            <a:spLocks noGrp="1"/>
+          </p:cNvSpPr>
+          <p:nvPr>
+            <p:ph idx="1"/>
+          </p:nvPr>
+        </p:nvSpPr>
+        <p:spPr>
+          <a:xfrm>
+            <a:off x="0" y="2084851"/>
+            <a:ext cx="12192000" cy="2404863"/>
+          </a:xfrm>
+        </p:spPr>
+        <p:txBody>
+          <a:bodyPr anchor="ctr">
+            <a:normAutofit/>
+          </a:bodyPr>
+          <a:lstStyle/>
+          <a:p>
+            <a:pPr algn="ctr">
+              <a:buNone/>
+            </a:pPr>
+            <a:r>
+              <a:rPr lang="zh-CN" altLang="en-US" sz="6400" b="1" dirty="0">
+                <a:solidFill>
+                  <a:srgbClr val="000066"/>
                 </a:solidFill>
                 <a:latin typeface="微軟正黑體" pitchFamily="34" charset="-120"/>
                 <a:ea typeface="微軟正黑體" pitchFamily="34" charset="-120"/>
               </a:rPr>
-              <a:t>喜樂泉源</a:t>
-            </a:r>
-            <a:endParaRPr lang="zh-TW" altLang="en-US" b="1" dirty="0">
+              <a:t>我們要歡迎袮來臨</a:t>
+            </a:r>
+            <a:endParaRPr lang="en-US" altLang="zh-CN" sz="6400" b="1" dirty="0">
               <a:solidFill>
-                <a:srgbClr val="660033"/>
+                <a:srgbClr val="000066"/>
               </a:solidFill>
               <a:latin typeface="微軟正黑體" pitchFamily="34" charset="-120"/>
               <a:ea typeface="微軟正黑體" pitchFamily="34" charset="-120"/>
             </a:endParaRPr>
           </a:p>
-        </p:txBody>
-      </p:sp>
-      <p:sp>
-        <p:nvSpPr>
-          <p:cNvPr id="5" name="內容版面配置區 4"/>
-          <p:cNvSpPr>
-            <a:spLocks noGrp="1"/>
-          </p:cNvSpPr>
-          <p:nvPr>
-            <p:ph idx="1"/>
-          </p:nvPr>
-        </p:nvSpPr>
-        <p:spPr/>
-        <p:txBody>
-          <a:bodyPr>
-            <a:normAutofit/>
-          </a:bodyPr>
-          <a:lstStyle/>
           <a:p>
             <a:pPr algn="ctr">
               <a:buNone/>
             </a:pPr>
             <a:r>
-              <a:rPr lang="zh-CN" altLang="en-US" sz="5400" b="1" dirty="0">
+              <a:rPr lang="zh-CN" altLang="en-US" sz="6400" b="1" dirty="0">
                 <a:solidFill>
-                  <a:srgbClr val="660033"/>
+                  <a:srgbClr val="000066"/>
                 </a:solidFill>
                 <a:latin typeface="微軟正黑體" pitchFamily="34" charset="-120"/>
                 <a:ea typeface="微軟正黑體" pitchFamily="34" charset="-120"/>
               </a:rPr>
-              <a:t>你是我喜樂</a:t>
-            </a:r>
-            <a:r>
-              <a:rPr lang="zh-CN" altLang="en-US" sz="5400" b="1" dirty="0">
+              <a:t>願袮來設立寶座在這裡</a:t>
+            </a:r>
+            <a:endParaRPr lang="zh-TW" altLang="en-US" sz="6400" b="1" dirty="0">
+              <a:solidFill>
+                <a:srgbClr val="000066"/>
+              </a:solidFill>
+              <a:latin typeface="微軟正黑體" pitchFamily="34" charset="-120"/>
+              <a:ea typeface="微軟正黑體" pitchFamily="34" charset="-120"/>
+            </a:endParaRPr>
+          </a:p>
+        </p:txBody>
+      </p:sp>
+    </p:spTree>
+    <p:extLst>
+      <p:ext uri="{BB962C8B-B14F-4D97-AF65-F5344CB8AC3E}">
+        <p14:creationId xmlns:p14="http://schemas.microsoft.com/office/powerpoint/2010/main" val="4275896410"/>
+      </p:ext>
+    </p:extLst>
+  </p:cSld>
+  <p:clrMapOvr>
+    <a:masterClrMapping/>
+  </p:clrMapOvr>
+</p:sld>
+</file>
+
+<file path=ppt/slides/slide11.xml><?xml version="1.0" encoding="utf-8"?>
+<p:sld xmlns:a="http://schemas.openxmlformats.org/drawingml/2006/main" xmlns:r="http://schemas.openxmlformats.org/officeDocument/2006/relationships" xmlns:p="http://schemas.openxmlformats.org/presentationml/2006/main">
+  <p:cSld>
+    <p:spTree>
+      <p:nvGrpSpPr>
+        <p:cNvPr id="1" name=""/>
+        <p:cNvGrpSpPr/>
+        <p:nvPr/>
+      </p:nvGrpSpPr>
+      <p:grpSpPr>
+        <a:xfrm>
+          <a:off x="0" y="0"/>
+          <a:ext cx="0" cy="0"/>
+          <a:chOff x="0" y="0"/>
+          <a:chExt cx="0" cy="0"/>
+        </a:xfrm>
+      </p:grpSpPr>
+      <p:sp>
+        <p:nvSpPr>
+          <p:cNvPr id="5" name="內容版面配置區 4"/>
+          <p:cNvSpPr>
+            <a:spLocks noGrp="1"/>
+          </p:cNvSpPr>
+          <p:nvPr>
+            <p:ph idx="1"/>
+          </p:nvPr>
+        </p:nvSpPr>
+        <p:spPr>
+          <a:xfrm>
+            <a:off x="0" y="2084851"/>
+            <a:ext cx="12192000" cy="2404863"/>
+          </a:xfrm>
+        </p:spPr>
+        <p:txBody>
+          <a:bodyPr anchor="ctr">
+            <a:normAutofit/>
+          </a:bodyPr>
+          <a:lstStyle/>
+          <a:p>
+            <a:pPr algn="ctr">
+              <a:buNone/>
+            </a:pPr>
+            <a:r>
+              <a:rPr lang="zh-CN" altLang="en-US" sz="6400" b="1" dirty="0">
                 <a:solidFill>
-                  <a:srgbClr val="660033"/>
+                  <a:srgbClr val="000066"/>
                 </a:solidFill>
                 <a:latin typeface="微軟正黑體" pitchFamily="34" charset="-120"/>
                 <a:ea typeface="微軟正黑體" pitchFamily="34" charset="-120"/>
               </a:rPr>
-              <a:t>泉源</a:t>
-            </a:r>
-            <a:endParaRPr lang="en-US" altLang="zh-CN" sz="5400" b="1" dirty="0">
+              <a:t>我們要張開口</a:t>
+            </a:r>
+            <a:endParaRPr lang="en-US" altLang="zh-CN" sz="6400" b="1" dirty="0">
               <a:solidFill>
-                <a:srgbClr val="660033"/>
+                <a:srgbClr val="000066"/>
               </a:solidFill>
               <a:latin typeface="微軟正黑體" pitchFamily="34" charset="-120"/>
               <a:ea typeface="微軟正黑體" pitchFamily="34" charset="-120"/>
@@ -3152,110 +3318,31 @@
               <a:buNone/>
             </a:pPr>
             <a:r>
-              <a:rPr lang="zh-CN" altLang="en-US" sz="5400" b="1" dirty="0">
+              <a:rPr lang="zh-CN" altLang="en-US" sz="6400" b="1" dirty="0">
                 <a:solidFill>
-                  <a:srgbClr val="660033"/>
+                  <a:srgbClr val="000066"/>
                 </a:solidFill>
                 <a:latin typeface="微軟正黑體" pitchFamily="34" charset="-120"/>
                 <a:ea typeface="微軟正黑體" pitchFamily="34" charset="-120"/>
               </a:rPr>
-              <a:t>你</a:t>
-            </a:r>
-            <a:r>
-              <a:rPr lang="zh-CN" altLang="en-US" sz="5400" b="1" dirty="0">
-                <a:solidFill>
-                  <a:srgbClr val="660033"/>
-                </a:solidFill>
-                <a:latin typeface="微軟正黑體" pitchFamily="34" charset="-120"/>
-                <a:ea typeface="微軟正黑體" pitchFamily="34" charset="-120"/>
-              </a:rPr>
-              <a:t>使我歡欣</a:t>
-            </a:r>
-            <a:r>
-              <a:rPr lang="zh-CN" altLang="en-US" sz="5400" b="1" dirty="0">
-                <a:solidFill>
-                  <a:srgbClr val="660033"/>
-                </a:solidFill>
-                <a:latin typeface="微軟正黑體" pitchFamily="34" charset="-120"/>
-                <a:ea typeface="微軟正黑體" pitchFamily="34" charset="-120"/>
-              </a:rPr>
-              <a:t>跳躍</a:t>
-            </a:r>
-            <a:endParaRPr lang="zh-TW" altLang="en-US" sz="5400" b="1" dirty="0">
+              <a:t>不停讚美袮</a:t>
+            </a:r>
+            <a:endParaRPr lang="zh-TW" altLang="en-US" sz="6400" b="1" dirty="0">
               <a:solidFill>
-                <a:srgbClr val="660033"/>
+                <a:srgbClr val="000066"/>
               </a:solidFill>
               <a:latin typeface="微軟正黑體" pitchFamily="34" charset="-120"/>
               <a:ea typeface="微軟正黑體" pitchFamily="34" charset="-120"/>
             </a:endParaRPr>
           </a:p>
-          <a:p>
-            <a:pPr algn="ctr">
-              <a:buNone/>
-            </a:pPr>
-            <a:r>
-              <a:rPr lang="zh-CN" altLang="en-US" sz="5400" b="1" dirty="0">
-                <a:solidFill>
-                  <a:srgbClr val="660033"/>
-                </a:solidFill>
-                <a:latin typeface="微軟正黑體" pitchFamily="34" charset="-120"/>
-                <a:ea typeface="微軟正黑體" pitchFamily="34" charset="-120"/>
-              </a:rPr>
-              <a:t>你使我自由</a:t>
-            </a:r>
-            <a:r>
-              <a:rPr lang="zh-CN" altLang="en-US" sz="5400" b="1" dirty="0">
-                <a:solidFill>
-                  <a:srgbClr val="660033"/>
-                </a:solidFill>
-                <a:latin typeface="微軟正黑體" pitchFamily="34" charset="-120"/>
-                <a:ea typeface="微軟正黑體" pitchFamily="34" charset="-120"/>
-              </a:rPr>
-              <a:t>飛翔</a:t>
-            </a:r>
-            <a:endParaRPr lang="en-US" altLang="zh-CN" sz="5400" b="1" dirty="0">
-              <a:solidFill>
-                <a:srgbClr val="660033"/>
-              </a:solidFill>
-              <a:latin typeface="微軟正黑體" pitchFamily="34" charset="-120"/>
-              <a:ea typeface="微軟正黑體" pitchFamily="34" charset="-120"/>
-            </a:endParaRPr>
-          </a:p>
-          <a:p>
-            <a:pPr algn="ctr">
-              <a:buNone/>
-            </a:pPr>
-            <a:r>
-              <a:rPr lang="zh-CN" altLang="en-US" sz="5400" b="1" dirty="0">
-                <a:solidFill>
-                  <a:srgbClr val="660033"/>
-                </a:solidFill>
-                <a:latin typeface="微軟正黑體" pitchFamily="34" charset="-120"/>
-                <a:ea typeface="微軟正黑體" pitchFamily="34" charset="-120"/>
-              </a:rPr>
-              <a:t>不再</a:t>
-            </a:r>
-            <a:r>
-              <a:rPr lang="zh-CN" altLang="en-US" sz="5400" b="1" dirty="0">
-                <a:solidFill>
-                  <a:srgbClr val="660033"/>
-                </a:solidFill>
-                <a:latin typeface="微軟正黑體" pitchFamily="34" charset="-120"/>
-                <a:ea typeface="微軟正黑體" pitchFamily="34" charset="-120"/>
-              </a:rPr>
-              <a:t>被罪惡捆綁</a:t>
-            </a:r>
-            <a:endParaRPr lang="zh-TW" altLang="en-US" sz="5400" b="1" dirty="0">
-              <a:solidFill>
-                <a:srgbClr val="660033"/>
-              </a:solidFill>
-              <a:latin typeface="微軟正黑體" pitchFamily="34" charset="-120"/>
-              <a:ea typeface="微軟正黑體" pitchFamily="34" charset="-120"/>
-            </a:endParaRPr>
-          </a:p>
         </p:txBody>
       </p:sp>
     </p:spTree>
+    <p:extLst>
+      <p:ext uri="{BB962C8B-B14F-4D97-AF65-F5344CB8AC3E}">
+        <p14:creationId xmlns:p14="http://schemas.microsoft.com/office/powerpoint/2010/main" val="1087264577"/>
+      </p:ext>
+    </p:extLst>
   </p:cSld>
   <p:clrMapOvr>
     <a:masterClrMapping/>
@@ -3282,146 +3369,77 @@
       </p:grpSpPr>
       <p:sp>
         <p:nvSpPr>
-          <p:cNvPr id="4" name="標題 3"/>
-          <p:cNvSpPr>
-            <a:spLocks noGrp="1"/>
-          </p:cNvSpPr>
-          <p:nvPr>
-            <p:ph type="title"/>
-          </p:nvPr>
-        </p:nvSpPr>
-        <p:spPr/>
-        <p:txBody>
-          <a:bodyPr/>
-          <a:lstStyle/>
-          <a:p>
-            <a:r>
-              <a:rPr lang="zh-CN" altLang="en-US" b="1" dirty="0">
+          <p:cNvPr id="5" name="內容版面配置區 4"/>
+          <p:cNvSpPr>
+            <a:spLocks noGrp="1"/>
+          </p:cNvSpPr>
+          <p:nvPr>
+            <p:ph idx="1"/>
+          </p:nvPr>
+        </p:nvSpPr>
+        <p:spPr>
+          <a:xfrm>
+            <a:off x="0" y="2084851"/>
+            <a:ext cx="12192000" cy="2404863"/>
+          </a:xfrm>
+        </p:spPr>
+        <p:txBody>
+          <a:bodyPr anchor="ctr">
+            <a:normAutofit/>
+          </a:bodyPr>
+          <a:lstStyle/>
+          <a:p>
+            <a:pPr algn="ctr">
+              <a:buNone/>
+            </a:pPr>
+            <a:r>
+              <a:rPr lang="zh-CN" altLang="en-US" sz="6400" b="1" dirty="0">
                 <a:solidFill>
-                  <a:srgbClr val="660033"/>
+                  <a:srgbClr val="000066"/>
                 </a:solidFill>
                 <a:latin typeface="微軟正黑體" pitchFamily="34" charset="-120"/>
                 <a:ea typeface="微軟正黑體" pitchFamily="34" charset="-120"/>
               </a:rPr>
-              <a:t>喜樂泉源</a:t>
-            </a:r>
-            <a:endParaRPr lang="zh-TW" altLang="en-US" b="1" dirty="0">
+              <a:t>袮是我喜樂泉源</a:t>
+            </a:r>
+            <a:endParaRPr lang="en-US" altLang="zh-CN" sz="6400" b="1" dirty="0">
               <a:solidFill>
-                <a:srgbClr val="660033"/>
+                <a:srgbClr val="000066"/>
               </a:solidFill>
               <a:latin typeface="微軟正黑體" pitchFamily="34" charset="-120"/>
               <a:ea typeface="微軟正黑體" pitchFamily="34" charset="-120"/>
             </a:endParaRPr>
           </a:p>
-        </p:txBody>
-      </p:sp>
-      <p:sp>
-        <p:nvSpPr>
-          <p:cNvPr id="5" name="內容版面配置區 4"/>
-          <p:cNvSpPr>
-            <a:spLocks noGrp="1"/>
-          </p:cNvSpPr>
-          <p:nvPr>
-            <p:ph idx="1"/>
-          </p:nvPr>
-        </p:nvSpPr>
-        <p:spPr/>
-        <p:txBody>
-          <a:bodyPr>
-            <a:normAutofit/>
-          </a:bodyPr>
-          <a:lstStyle/>
           <a:p>
             <a:pPr algn="ctr">
               <a:buNone/>
             </a:pPr>
             <a:r>
-              <a:rPr lang="zh-CN" altLang="en-US" sz="5400" b="1" dirty="0">
+              <a:rPr lang="zh-CN" altLang="en-US" sz="6400" b="1" dirty="0">
                 <a:solidFill>
-                  <a:srgbClr val="660033"/>
+                  <a:srgbClr val="000066"/>
                 </a:solidFill>
                 <a:latin typeface="微軟正黑體" pitchFamily="34" charset="-120"/>
                 <a:ea typeface="微軟正黑體" pitchFamily="34" charset="-120"/>
               </a:rPr>
-              <a:t>你是我永生盼望</a:t>
-            </a:r>
-            <a:endParaRPr lang="en-US" altLang="zh-CN" sz="5400" b="1" dirty="0">
+              <a:t>袮使我歡欣跳躍</a:t>
+            </a:r>
+            <a:endParaRPr lang="zh-TW" altLang="en-US" sz="6400" b="1" dirty="0">
               <a:solidFill>
-                <a:srgbClr val="660033"/>
+                <a:srgbClr val="000066"/>
               </a:solidFill>
               <a:latin typeface="微軟正黑體" pitchFamily="34" charset="-120"/>
               <a:ea typeface="微軟正黑體" pitchFamily="34" charset="-120"/>
             </a:endParaRPr>
           </a:p>
-          <a:p>
-            <a:pPr algn="ctr">
-              <a:buNone/>
-            </a:pPr>
-            <a:r>
-              <a:rPr lang="zh-CN" altLang="en-US" sz="5400" b="1" dirty="0">
-                <a:solidFill>
-                  <a:srgbClr val="660033"/>
-                </a:solidFill>
-                <a:latin typeface="微軟正黑體" pitchFamily="34" charset="-120"/>
-                <a:ea typeface="微軟正黑體" pitchFamily="34" charset="-120"/>
-              </a:rPr>
-              <a:t>你愛有無比力量</a:t>
-            </a:r>
-            <a:endParaRPr lang="zh-TW" altLang="en-US" sz="5400" b="1" dirty="0">
-              <a:solidFill>
-                <a:srgbClr val="660033"/>
-              </a:solidFill>
-              <a:latin typeface="微軟正黑體" pitchFamily="34" charset="-120"/>
-              <a:ea typeface="微軟正黑體" pitchFamily="34" charset="-120"/>
-            </a:endParaRPr>
-          </a:p>
-          <a:p>
-            <a:pPr algn="ctr">
-              <a:buNone/>
-            </a:pPr>
-            <a:r>
-              <a:rPr lang="zh-CN" altLang="en-US" sz="5400" b="1" dirty="0">
-                <a:solidFill>
-                  <a:srgbClr val="660033"/>
-                </a:solidFill>
-                <a:latin typeface="微軟正黑體" pitchFamily="34" charset="-120"/>
-                <a:ea typeface="微軟正黑體" pitchFamily="34" charset="-120"/>
-              </a:rPr>
-              <a:t>從今時直到永遠</a:t>
-            </a:r>
-            <a:endParaRPr lang="en-US" altLang="zh-CN" sz="5400" b="1" dirty="0">
-              <a:solidFill>
-                <a:srgbClr val="660033"/>
-              </a:solidFill>
-              <a:latin typeface="微軟正黑體" pitchFamily="34" charset="-120"/>
-              <a:ea typeface="微軟正黑體" pitchFamily="34" charset="-120"/>
-            </a:endParaRPr>
-          </a:p>
-          <a:p>
-            <a:pPr algn="ctr">
-              <a:buNone/>
-            </a:pPr>
-            <a:r>
-              <a:rPr lang="zh-CN" altLang="en-US" sz="5400" b="1" dirty="0">
-                <a:solidFill>
-                  <a:srgbClr val="660033"/>
-                </a:solidFill>
-                <a:latin typeface="微軟正黑體" pitchFamily="34" charset="-120"/>
-                <a:ea typeface="微軟正黑體" pitchFamily="34" charset="-120"/>
-              </a:rPr>
-              <a:t>你應許不會改變</a:t>
-            </a:r>
-            <a:endParaRPr lang="zh-TW" altLang="en-US" sz="5400" b="1" dirty="0">
-              <a:solidFill>
-                <a:srgbClr val="660033"/>
-              </a:solidFill>
-              <a:latin typeface="微軟正黑體" pitchFamily="34" charset="-120"/>
-              <a:ea typeface="微軟正黑體" pitchFamily="34" charset="-120"/>
-            </a:endParaRPr>
-          </a:p>
         </p:txBody>
       </p:sp>
     </p:spTree>
+    <p:extLst>
+      <p:ext uri="{BB962C8B-B14F-4D97-AF65-F5344CB8AC3E}">
+        <p14:creationId xmlns:p14="http://schemas.microsoft.com/office/powerpoint/2010/main" val="3561554107"/>
+      </p:ext>
+    </p:extLst>
   </p:cSld>
   <p:clrMapOvr>
     <a:masterClrMapping/>
@@ -3448,151 +3466,77 @@
       </p:grpSpPr>
       <p:sp>
         <p:nvSpPr>
-          <p:cNvPr id="4" name="標題 3"/>
-          <p:cNvSpPr>
-            <a:spLocks noGrp="1"/>
-          </p:cNvSpPr>
-          <p:nvPr>
-            <p:ph type="title"/>
-          </p:nvPr>
-        </p:nvSpPr>
-        <p:spPr/>
-        <p:txBody>
-          <a:bodyPr/>
-          <a:lstStyle/>
-          <a:p>
-            <a:r>
-              <a:rPr lang="zh-CN" altLang="en-US" b="1" dirty="0">
+          <p:cNvPr id="5" name="內容版面配置區 4"/>
+          <p:cNvSpPr>
+            <a:spLocks noGrp="1"/>
+          </p:cNvSpPr>
+          <p:nvPr>
+            <p:ph idx="1"/>
+          </p:nvPr>
+        </p:nvSpPr>
+        <p:spPr>
+          <a:xfrm>
+            <a:off x="0" y="2084851"/>
+            <a:ext cx="12192000" cy="2404863"/>
+          </a:xfrm>
+        </p:spPr>
+        <p:txBody>
+          <a:bodyPr anchor="ctr">
+            <a:normAutofit/>
+          </a:bodyPr>
+          <a:lstStyle/>
+          <a:p>
+            <a:pPr algn="ctr">
+              <a:buNone/>
+            </a:pPr>
+            <a:r>
+              <a:rPr lang="zh-CN" altLang="en-US" sz="6400" b="1" dirty="0">
                 <a:solidFill>
-                  <a:srgbClr val="660033"/>
+                  <a:srgbClr val="000066"/>
                 </a:solidFill>
                 <a:latin typeface="微軟正黑體" pitchFamily="34" charset="-120"/>
                 <a:ea typeface="微軟正黑體" pitchFamily="34" charset="-120"/>
               </a:rPr>
-              <a:t>喜樂泉源</a:t>
-            </a:r>
-            <a:endParaRPr lang="zh-TW" altLang="en-US" b="1" dirty="0">
+              <a:t>袮使我自由飛翔</a:t>
+            </a:r>
+            <a:endParaRPr lang="en-US" altLang="zh-CN" sz="6400" b="1" dirty="0">
               <a:solidFill>
-                <a:srgbClr val="660033"/>
+                <a:srgbClr val="000066"/>
               </a:solidFill>
               <a:latin typeface="微軟正黑體" pitchFamily="34" charset="-120"/>
               <a:ea typeface="微軟正黑體" pitchFamily="34" charset="-120"/>
             </a:endParaRPr>
           </a:p>
-        </p:txBody>
-      </p:sp>
-      <p:sp>
-        <p:nvSpPr>
-          <p:cNvPr id="5" name="內容版面配置區 4"/>
-          <p:cNvSpPr>
-            <a:spLocks noGrp="1"/>
-          </p:cNvSpPr>
-          <p:nvPr>
-            <p:ph idx="1"/>
-          </p:nvPr>
-        </p:nvSpPr>
-        <p:spPr>
-          <a:xfrm>
-            <a:off x="1524000" y="1600201"/>
-            <a:ext cx="9144000" cy="4525963"/>
-          </a:xfrm>
-        </p:spPr>
-        <p:txBody>
-          <a:bodyPr>
-            <a:noAutofit/>
-          </a:bodyPr>
-          <a:lstStyle/>
           <a:p>
             <a:pPr algn="ctr">
               <a:buNone/>
             </a:pPr>
             <a:r>
-              <a:rPr lang="zh-CN" altLang="en-US" sz="5400" b="1" dirty="0">
+              <a:rPr lang="zh-CN" altLang="en-US" sz="6400" b="1" dirty="0">
                 <a:solidFill>
-                  <a:srgbClr val="660033"/>
+                  <a:srgbClr val="000066"/>
                 </a:solidFill>
                 <a:latin typeface="微軟正黑體" pitchFamily="34" charset="-120"/>
                 <a:ea typeface="微軟正黑體" pitchFamily="34" charset="-120"/>
               </a:rPr>
-              <a:t>你的寶血</a:t>
-            </a:r>
-            <a:endParaRPr lang="en-US" altLang="zh-CN" sz="5400" b="1" dirty="0">
+              <a:t>不再被罪惡捆綁</a:t>
+            </a:r>
+            <a:endParaRPr lang="zh-TW" altLang="en-US" sz="6400" b="1" dirty="0">
               <a:solidFill>
-                <a:srgbClr val="660033"/>
+                <a:srgbClr val="000066"/>
               </a:solidFill>
               <a:latin typeface="微軟正黑體" pitchFamily="34" charset="-120"/>
               <a:ea typeface="微軟正黑體" pitchFamily="34" charset="-120"/>
             </a:endParaRPr>
           </a:p>
-          <a:p>
-            <a:pPr algn="ctr">
-              <a:buNone/>
-            </a:pPr>
-            <a:r>
-              <a:rPr lang="zh-CN" altLang="en-US" sz="5400" b="1" dirty="0">
-                <a:solidFill>
-                  <a:srgbClr val="660033"/>
-                </a:solidFill>
-                <a:latin typeface="微軟正黑體" pitchFamily="34" charset="-120"/>
-                <a:ea typeface="微軟正黑體" pitchFamily="34" charset="-120"/>
-              </a:rPr>
-              <a:t>有能力能醫治一切的傷口</a:t>
-            </a:r>
-            <a:endParaRPr lang="en-US" altLang="zh-CN" sz="5400" b="1" dirty="0">
-              <a:solidFill>
-                <a:srgbClr val="660033"/>
-              </a:solidFill>
-              <a:latin typeface="微軟正黑體" pitchFamily="34" charset="-120"/>
-              <a:ea typeface="微軟正黑體" pitchFamily="34" charset="-120"/>
-            </a:endParaRPr>
-          </a:p>
-          <a:p>
-            <a:pPr algn="ctr">
-              <a:buNone/>
-            </a:pPr>
-            <a:r>
-              <a:rPr lang="zh-CN" altLang="en-US" sz="5400" b="1" dirty="0">
-                <a:solidFill>
-                  <a:srgbClr val="660033"/>
-                </a:solidFill>
-                <a:latin typeface="微軟正黑體" pitchFamily="34" charset="-120"/>
-                <a:ea typeface="微軟正黑體" pitchFamily="34" charset="-120"/>
-              </a:rPr>
-              <a:t>你的復活</a:t>
-            </a:r>
-            <a:endParaRPr lang="en-US" altLang="zh-CN" sz="5400" b="1" dirty="0">
-              <a:solidFill>
-                <a:srgbClr val="660033"/>
-              </a:solidFill>
-              <a:latin typeface="微軟正黑體" pitchFamily="34" charset="-120"/>
-              <a:ea typeface="微軟正黑體" pitchFamily="34" charset="-120"/>
-            </a:endParaRPr>
-          </a:p>
-          <a:p>
-            <a:pPr algn="ctr">
-              <a:buNone/>
-            </a:pPr>
-            <a:r>
-              <a:rPr lang="zh-CN" altLang="en-US" sz="5400" b="1" dirty="0">
-                <a:solidFill>
-                  <a:srgbClr val="660033"/>
-                </a:solidFill>
-                <a:latin typeface="微軟正黑體" pitchFamily="34" charset="-120"/>
-                <a:ea typeface="微軟正黑體" pitchFamily="34" charset="-120"/>
-              </a:rPr>
-              <a:t>能改變一切的咒詛成為祝福</a:t>
-            </a:r>
-            <a:endParaRPr lang="zh-TW" altLang="en-US" sz="5400" b="1" dirty="0">
-              <a:solidFill>
-                <a:srgbClr val="660033"/>
-              </a:solidFill>
-              <a:latin typeface="微軟正黑體" pitchFamily="34" charset="-120"/>
-              <a:ea typeface="微軟正黑體" pitchFamily="34" charset="-120"/>
-            </a:endParaRPr>
-          </a:p>
         </p:txBody>
       </p:sp>
     </p:spTree>
+    <p:extLst>
+      <p:ext uri="{BB962C8B-B14F-4D97-AF65-F5344CB8AC3E}">
+        <p14:creationId xmlns:p14="http://schemas.microsoft.com/office/powerpoint/2010/main" val="2839144158"/>
+      </p:ext>
+    </p:extLst>
   </p:cSld>
   <p:clrMapOvr>
     <a:masterClrMapping/>
@@ -3619,151 +3563,77 @@
       </p:grpSpPr>
       <p:sp>
         <p:nvSpPr>
-          <p:cNvPr id="4" name="標題 3"/>
-          <p:cNvSpPr>
-            <a:spLocks noGrp="1"/>
-          </p:cNvSpPr>
-          <p:nvPr>
-            <p:ph type="title"/>
-          </p:nvPr>
-        </p:nvSpPr>
-        <p:spPr/>
-        <p:txBody>
-          <a:bodyPr/>
-          <a:lstStyle/>
-          <a:p>
-            <a:r>
-              <a:rPr lang="zh-CN" altLang="en-US" b="1" dirty="0">
+          <p:cNvPr id="5" name="內容版面配置區 4"/>
+          <p:cNvSpPr>
+            <a:spLocks noGrp="1"/>
+          </p:cNvSpPr>
+          <p:nvPr>
+            <p:ph idx="1"/>
+          </p:nvPr>
+        </p:nvSpPr>
+        <p:spPr>
+          <a:xfrm>
+            <a:off x="0" y="2084851"/>
+            <a:ext cx="12192000" cy="2404863"/>
+          </a:xfrm>
+        </p:spPr>
+        <p:txBody>
+          <a:bodyPr anchor="ctr">
+            <a:normAutofit/>
+          </a:bodyPr>
+          <a:lstStyle/>
+          <a:p>
+            <a:pPr algn="ctr">
+              <a:buNone/>
+            </a:pPr>
+            <a:r>
+              <a:rPr lang="zh-CN" altLang="en-US" sz="6400" b="1" dirty="0">
                 <a:solidFill>
-                  <a:srgbClr val="660033"/>
+                  <a:srgbClr val="000066"/>
                 </a:solidFill>
                 <a:latin typeface="微軟正黑體" pitchFamily="34" charset="-120"/>
                 <a:ea typeface="微軟正黑體" pitchFamily="34" charset="-120"/>
               </a:rPr>
-              <a:t>喜樂泉源</a:t>
-            </a:r>
-            <a:endParaRPr lang="zh-TW" altLang="en-US" b="1" dirty="0">
+              <a:t>袮是我永生盼望</a:t>
+            </a:r>
+            <a:endParaRPr lang="en-US" altLang="zh-CN" sz="6400" b="1" dirty="0">
               <a:solidFill>
-                <a:srgbClr val="660033"/>
+                <a:srgbClr val="000066"/>
               </a:solidFill>
               <a:latin typeface="微軟正黑體" pitchFamily="34" charset="-120"/>
               <a:ea typeface="微軟正黑體" pitchFamily="34" charset="-120"/>
             </a:endParaRPr>
           </a:p>
-        </p:txBody>
-      </p:sp>
-      <p:sp>
-        <p:nvSpPr>
-          <p:cNvPr id="5" name="內容版面配置區 4"/>
-          <p:cNvSpPr>
-            <a:spLocks noGrp="1"/>
-          </p:cNvSpPr>
-          <p:nvPr>
-            <p:ph idx="1"/>
-          </p:nvPr>
-        </p:nvSpPr>
-        <p:spPr>
-          <a:xfrm>
-            <a:off x="1524000" y="1600201"/>
-            <a:ext cx="9144000" cy="4525963"/>
-          </a:xfrm>
-        </p:spPr>
-        <p:txBody>
-          <a:bodyPr>
-            <a:noAutofit/>
-          </a:bodyPr>
-          <a:lstStyle/>
           <a:p>
             <a:pPr algn="ctr">
               <a:buNone/>
             </a:pPr>
             <a:r>
-              <a:rPr lang="zh-CN" altLang="en-US" sz="5400" b="1" dirty="0">
+              <a:rPr lang="zh-CN" altLang="en-US" sz="6400" b="1" dirty="0">
                 <a:solidFill>
-                  <a:srgbClr val="660033"/>
+                  <a:srgbClr val="000066"/>
                 </a:solidFill>
                 <a:latin typeface="微軟正黑體" pitchFamily="34" charset="-120"/>
                 <a:ea typeface="微軟正黑體" pitchFamily="34" charset="-120"/>
               </a:rPr>
-              <a:t>我們要高舉你聖名</a:t>
-            </a:r>
-            <a:endParaRPr lang="en-US" altLang="zh-CN" sz="5400" b="1" dirty="0">
+              <a:t>袮愛有無比力量</a:t>
+            </a:r>
+            <a:endParaRPr lang="zh-TW" altLang="en-US" sz="6400" b="1" dirty="0">
               <a:solidFill>
-                <a:srgbClr val="660033"/>
+                <a:srgbClr val="000066"/>
               </a:solidFill>
               <a:latin typeface="微軟正黑體" pitchFamily="34" charset="-120"/>
               <a:ea typeface="微軟正黑體" pitchFamily="34" charset="-120"/>
             </a:endParaRPr>
           </a:p>
-          <a:p>
-            <a:pPr algn="ctr">
-              <a:buNone/>
-            </a:pPr>
-            <a:r>
-              <a:rPr lang="zh-CN" altLang="en-US" sz="5400" b="1" dirty="0">
-                <a:solidFill>
-                  <a:srgbClr val="660033"/>
-                </a:solidFill>
-                <a:latin typeface="微軟正黑體" pitchFamily="34" charset="-120"/>
-                <a:ea typeface="微軟正黑體" pitchFamily="34" charset="-120"/>
-              </a:rPr>
-              <a:t>你配得所有最大的讚美</a:t>
-            </a:r>
-            <a:endParaRPr lang="zh-TW" altLang="en-US" sz="5400" b="1" dirty="0">
-              <a:solidFill>
-                <a:srgbClr val="660033"/>
-              </a:solidFill>
-              <a:latin typeface="微軟正黑體" pitchFamily="34" charset="-120"/>
-              <a:ea typeface="微軟正黑體" pitchFamily="34" charset="-120"/>
-            </a:endParaRPr>
-          </a:p>
-          <a:p>
-            <a:pPr algn="ctr">
-              <a:buNone/>
-            </a:pPr>
-            <a:r>
-              <a:rPr lang="zh-CN" altLang="en-US" sz="5400" b="1" dirty="0">
-                <a:solidFill>
-                  <a:srgbClr val="660033"/>
-                </a:solidFill>
-                <a:latin typeface="微軟正黑體" pitchFamily="34" charset="-120"/>
-                <a:ea typeface="微軟正黑體" pitchFamily="34" charset="-120"/>
-              </a:rPr>
-              <a:t>我們要用全心和全意</a:t>
-            </a:r>
-            <a:endParaRPr lang="en-US" altLang="zh-CN" sz="5400" b="1" dirty="0">
-              <a:solidFill>
-                <a:srgbClr val="660033"/>
-              </a:solidFill>
-              <a:latin typeface="微軟正黑體" pitchFamily="34" charset="-120"/>
-              <a:ea typeface="微軟正黑體" pitchFamily="34" charset="-120"/>
-            </a:endParaRPr>
-          </a:p>
-          <a:p>
-            <a:pPr algn="ctr">
-              <a:buNone/>
-            </a:pPr>
-            <a:r>
-              <a:rPr lang="zh-CN" altLang="en-US" sz="5400" b="1" dirty="0">
-                <a:solidFill>
-                  <a:srgbClr val="660033"/>
-                </a:solidFill>
-                <a:latin typeface="微軟正黑體" pitchFamily="34" charset="-120"/>
-                <a:ea typeface="微軟正黑體" pitchFamily="34" charset="-120"/>
-              </a:rPr>
-              <a:t>來敬拜你</a:t>
-            </a:r>
-            <a:endParaRPr lang="zh-TW" altLang="en-US" sz="5400" b="1" dirty="0">
-              <a:solidFill>
-                <a:srgbClr val="660033"/>
-              </a:solidFill>
-              <a:latin typeface="微軟正黑體" pitchFamily="34" charset="-120"/>
-              <a:ea typeface="微軟正黑體" pitchFamily="34" charset="-120"/>
-            </a:endParaRPr>
-          </a:p>
         </p:txBody>
       </p:sp>
     </p:spTree>
+    <p:extLst>
+      <p:ext uri="{BB962C8B-B14F-4D97-AF65-F5344CB8AC3E}">
+        <p14:creationId xmlns:p14="http://schemas.microsoft.com/office/powerpoint/2010/main" val="3018554731"/>
+      </p:ext>
+    </p:extLst>
   </p:cSld>
   <p:clrMapOvr>
     <a:masterClrMapping/>
@@ -3790,99 +3660,139 @@
       </p:grpSpPr>
       <p:sp>
         <p:nvSpPr>
-          <p:cNvPr id="4" name="標題 3"/>
-          <p:cNvSpPr>
-            <a:spLocks noGrp="1"/>
-          </p:cNvSpPr>
-          <p:nvPr>
-            <p:ph type="title"/>
-          </p:nvPr>
-        </p:nvSpPr>
-        <p:spPr/>
-        <p:txBody>
-          <a:bodyPr/>
-          <a:lstStyle/>
-          <a:p>
-            <a:r>
-              <a:rPr lang="zh-CN" altLang="en-US" b="1" dirty="0">
+          <p:cNvPr id="5" name="內容版面配置區 4"/>
+          <p:cNvSpPr>
+            <a:spLocks noGrp="1"/>
+          </p:cNvSpPr>
+          <p:nvPr>
+            <p:ph idx="1"/>
+          </p:nvPr>
+        </p:nvSpPr>
+        <p:spPr>
+          <a:xfrm>
+            <a:off x="0" y="2084851"/>
+            <a:ext cx="12192000" cy="2404863"/>
+          </a:xfrm>
+        </p:spPr>
+        <p:txBody>
+          <a:bodyPr anchor="ctr">
+            <a:normAutofit/>
+          </a:bodyPr>
+          <a:lstStyle/>
+          <a:p>
+            <a:pPr algn="ctr">
+              <a:buNone/>
+            </a:pPr>
+            <a:r>
+              <a:rPr lang="zh-CN" altLang="en-US" sz="6400" b="1" dirty="0">
                 <a:solidFill>
-                  <a:srgbClr val="660033"/>
+                  <a:srgbClr val="000066"/>
                 </a:solidFill>
                 <a:latin typeface="微軟正黑體" pitchFamily="34" charset="-120"/>
                 <a:ea typeface="微軟正黑體" pitchFamily="34" charset="-120"/>
               </a:rPr>
-              <a:t>喜樂泉源</a:t>
-            </a:r>
-            <a:endParaRPr lang="zh-TW" altLang="en-US" b="1" dirty="0">
+              <a:t>從今時直到永遠</a:t>
+            </a:r>
+            <a:endParaRPr lang="en-US" altLang="zh-CN" sz="6400" b="1" dirty="0">
               <a:solidFill>
-                <a:srgbClr val="660033"/>
+                <a:srgbClr val="000066"/>
               </a:solidFill>
               <a:latin typeface="微軟正黑體" pitchFamily="34" charset="-120"/>
               <a:ea typeface="微軟正黑體" pitchFamily="34" charset="-120"/>
             </a:endParaRPr>
           </a:p>
-        </p:txBody>
-      </p:sp>
-      <p:sp>
-        <p:nvSpPr>
-          <p:cNvPr id="5" name="內容版面配置區 4"/>
-          <p:cNvSpPr>
-            <a:spLocks noGrp="1"/>
-          </p:cNvSpPr>
-          <p:nvPr>
-            <p:ph idx="1"/>
-          </p:nvPr>
-        </p:nvSpPr>
-        <p:spPr>
-          <a:xfrm>
-            <a:off x="1524000" y="1600201"/>
-            <a:ext cx="9144000" cy="4525963"/>
-          </a:xfrm>
-        </p:spPr>
-        <p:txBody>
-          <a:bodyPr>
-            <a:noAutofit/>
-          </a:bodyPr>
-          <a:lstStyle/>
           <a:p>
             <a:pPr algn="ctr">
               <a:buNone/>
             </a:pPr>
             <a:r>
-              <a:rPr lang="zh-CN" altLang="en-US" sz="5400" b="1" dirty="0">
+              <a:rPr lang="zh-CN" altLang="en-US" sz="6400" b="1" dirty="0">
                 <a:solidFill>
-                  <a:srgbClr val="660033"/>
+                  <a:srgbClr val="000066"/>
                 </a:solidFill>
                 <a:latin typeface="微軟正黑體" pitchFamily="34" charset="-120"/>
                 <a:ea typeface="微軟正黑體" pitchFamily="34" charset="-120"/>
               </a:rPr>
-              <a:t>我們要歡迎你來臨</a:t>
-            </a:r>
-            <a:endParaRPr lang="en-US" altLang="zh-CN" sz="5400" b="1" dirty="0">
+              <a:t>袮應許不會改變</a:t>
+            </a:r>
+            <a:endParaRPr lang="zh-TW" altLang="en-US" sz="6400" b="1" dirty="0">
               <a:solidFill>
-                <a:srgbClr val="660033"/>
+                <a:srgbClr val="000066"/>
               </a:solidFill>
               <a:latin typeface="微軟正黑體" pitchFamily="34" charset="-120"/>
               <a:ea typeface="微軟正黑體" pitchFamily="34" charset="-120"/>
             </a:endParaRPr>
           </a:p>
+        </p:txBody>
+      </p:sp>
+    </p:spTree>
+    <p:extLst>
+      <p:ext uri="{BB962C8B-B14F-4D97-AF65-F5344CB8AC3E}">
+        <p14:creationId xmlns:p14="http://schemas.microsoft.com/office/powerpoint/2010/main" val="2592273671"/>
+      </p:ext>
+    </p:extLst>
+  </p:cSld>
+  <p:clrMapOvr>
+    <a:masterClrMapping/>
+  </p:clrMapOvr>
+</p:sld>
+</file>
+
+<file path=ppt/slides/slide6.xml><?xml version="1.0" encoding="utf-8"?>
+<p:sld xmlns:a="http://schemas.openxmlformats.org/drawingml/2006/main" xmlns:r="http://schemas.openxmlformats.org/officeDocument/2006/relationships" xmlns:p="http://schemas.openxmlformats.org/presentationml/2006/main">
+  <p:cSld>
+    <p:spTree>
+      <p:nvGrpSpPr>
+        <p:cNvPr id="1" name=""/>
+        <p:cNvGrpSpPr/>
+        <p:nvPr/>
+      </p:nvGrpSpPr>
+      <p:grpSpPr>
+        <a:xfrm>
+          <a:off x="0" y="0"/>
+          <a:ext cx="0" cy="0"/>
+          <a:chOff x="0" y="0"/>
+          <a:chExt cx="0" cy="0"/>
+        </a:xfrm>
+      </p:grpSpPr>
+      <p:sp>
+        <p:nvSpPr>
+          <p:cNvPr id="5" name="內容版面配置區 4"/>
+          <p:cNvSpPr>
+            <a:spLocks noGrp="1"/>
+          </p:cNvSpPr>
+          <p:nvPr>
+            <p:ph idx="1"/>
+          </p:nvPr>
+        </p:nvSpPr>
+        <p:spPr>
+          <a:xfrm>
+            <a:off x="0" y="2084851"/>
+            <a:ext cx="12192000" cy="2404863"/>
+          </a:xfrm>
+        </p:spPr>
+        <p:txBody>
+          <a:bodyPr anchor="ctr">
+            <a:normAutofit/>
+          </a:bodyPr>
+          <a:lstStyle/>
           <a:p>
             <a:pPr algn="ctr">
               <a:buNone/>
             </a:pPr>
             <a:r>
-              <a:rPr lang="zh-CN" altLang="en-US" sz="5400" b="1" dirty="0">
+              <a:rPr lang="zh-CN" altLang="en-US" sz="6400" b="1" dirty="0">
                 <a:solidFill>
-                  <a:srgbClr val="660033"/>
+                  <a:srgbClr val="000066"/>
                 </a:solidFill>
                 <a:latin typeface="微軟正黑體" pitchFamily="34" charset="-120"/>
                 <a:ea typeface="微軟正黑體" pitchFamily="34" charset="-120"/>
               </a:rPr>
-              <a:t>願你來設立寶座在這裡</a:t>
-            </a:r>
-            <a:endParaRPr lang="zh-TW" altLang="en-US" sz="5400" b="1" dirty="0">
+              <a:t>袮的寶血</a:t>
+            </a:r>
+            <a:endParaRPr lang="en-US" altLang="zh-CN" sz="6400" b="1" dirty="0">
               <a:solidFill>
-                <a:srgbClr val="660033"/>
+                <a:srgbClr val="000066"/>
               </a:solidFill>
               <a:latin typeface="微軟正黑體" pitchFamily="34" charset="-120"/>
               <a:ea typeface="微軟正黑體" pitchFamily="34" charset="-120"/>
@@ -3893,48 +3803,322 @@
               <a:buNone/>
             </a:pPr>
             <a:r>
-              <a:rPr lang="zh-CN" altLang="en-US" sz="5400" b="1" dirty="0">
+              <a:rPr lang="zh-CN" altLang="en-US" sz="6400" b="1" dirty="0">
                 <a:solidFill>
-                  <a:srgbClr val="660033"/>
+                  <a:srgbClr val="000066"/>
                 </a:solidFill>
                 <a:latin typeface="微軟正黑體" pitchFamily="34" charset="-120"/>
                 <a:ea typeface="微軟正黑體" pitchFamily="34" charset="-120"/>
               </a:rPr>
-              <a:t>我們要張開口</a:t>
-            </a:r>
-            <a:endParaRPr lang="en-US" altLang="zh-CN" sz="5400" b="1" dirty="0">
+              <a:t>有能力能醫治一切的傷口</a:t>
+            </a:r>
+            <a:endParaRPr lang="en-US" altLang="zh-CN" sz="6400" b="1" dirty="0">
               <a:solidFill>
-                <a:srgbClr val="660033"/>
+                <a:srgbClr val="000066"/>
               </a:solidFill>
               <a:latin typeface="微軟正黑體" pitchFamily="34" charset="-120"/>
               <a:ea typeface="微軟正黑體" pitchFamily="34" charset="-120"/>
             </a:endParaRPr>
           </a:p>
+        </p:txBody>
+      </p:sp>
+    </p:spTree>
+    <p:extLst>
+      <p:ext uri="{BB962C8B-B14F-4D97-AF65-F5344CB8AC3E}">
+        <p14:creationId xmlns:p14="http://schemas.microsoft.com/office/powerpoint/2010/main" val="3022160909"/>
+      </p:ext>
+    </p:extLst>
+  </p:cSld>
+  <p:clrMapOvr>
+    <a:masterClrMapping/>
+  </p:clrMapOvr>
+</p:sld>
+</file>
+
+<file path=ppt/slides/slide7.xml><?xml version="1.0" encoding="utf-8"?>
+<p:sld xmlns:a="http://schemas.openxmlformats.org/drawingml/2006/main" xmlns:r="http://schemas.openxmlformats.org/officeDocument/2006/relationships" xmlns:p="http://schemas.openxmlformats.org/presentationml/2006/main">
+  <p:cSld>
+    <p:spTree>
+      <p:nvGrpSpPr>
+        <p:cNvPr id="1" name=""/>
+        <p:cNvGrpSpPr/>
+        <p:nvPr/>
+      </p:nvGrpSpPr>
+      <p:grpSpPr>
+        <a:xfrm>
+          <a:off x="0" y="0"/>
+          <a:ext cx="0" cy="0"/>
+          <a:chOff x="0" y="0"/>
+          <a:chExt cx="0" cy="0"/>
+        </a:xfrm>
+      </p:grpSpPr>
+      <p:sp>
+        <p:nvSpPr>
+          <p:cNvPr id="5" name="內容版面配置區 4"/>
+          <p:cNvSpPr>
+            <a:spLocks noGrp="1"/>
+          </p:cNvSpPr>
+          <p:nvPr>
+            <p:ph idx="1"/>
+          </p:nvPr>
+        </p:nvSpPr>
+        <p:spPr>
+          <a:xfrm>
+            <a:off x="0" y="2084851"/>
+            <a:ext cx="12192000" cy="2404863"/>
+          </a:xfrm>
+        </p:spPr>
+        <p:txBody>
+          <a:bodyPr anchor="ctr">
+            <a:normAutofit/>
+          </a:bodyPr>
+          <a:lstStyle/>
           <a:p>
             <a:pPr algn="ctr">
               <a:buNone/>
             </a:pPr>
             <a:r>
-              <a:rPr lang="zh-CN" altLang="en-US" sz="5400" b="1" dirty="0">
+              <a:rPr lang="zh-CN" altLang="en-US" sz="6400" b="1" dirty="0">
                 <a:solidFill>
-                  <a:srgbClr val="660033"/>
+                  <a:srgbClr val="000066"/>
                 </a:solidFill>
                 <a:latin typeface="微軟正黑體" pitchFamily="34" charset="-120"/>
                 <a:ea typeface="微軟正黑體" pitchFamily="34" charset="-120"/>
               </a:rPr>
-              <a:t>不停讚美你</a:t>
-            </a:r>
-            <a:endParaRPr lang="zh-TW" altLang="en-US" sz="5400" b="1" dirty="0">
+              <a:t>袮的復活</a:t>
+            </a:r>
+            <a:endParaRPr lang="en-US" altLang="zh-CN" sz="6400" b="1" dirty="0">
               <a:solidFill>
-                <a:srgbClr val="660033"/>
+                <a:srgbClr val="000066"/>
               </a:solidFill>
               <a:latin typeface="微軟正黑體" pitchFamily="34" charset="-120"/>
               <a:ea typeface="微軟正黑體" pitchFamily="34" charset="-120"/>
             </a:endParaRPr>
           </a:p>
+          <a:p>
+            <a:pPr algn="ctr">
+              <a:buNone/>
+            </a:pPr>
+            <a:r>
+              <a:rPr lang="zh-CN" altLang="en-US" sz="6400" b="1" dirty="0">
+                <a:solidFill>
+                  <a:srgbClr val="000066"/>
+                </a:solidFill>
+                <a:latin typeface="微軟正黑體" pitchFamily="34" charset="-120"/>
+                <a:ea typeface="微軟正黑體" pitchFamily="34" charset="-120"/>
+              </a:rPr>
+              <a:t>能改變一切的咒詛成為祝福</a:t>
+            </a:r>
+            <a:endParaRPr lang="zh-TW" altLang="en-US" sz="6400" b="1" dirty="0">
+              <a:solidFill>
+                <a:srgbClr val="000066"/>
+              </a:solidFill>
+              <a:latin typeface="微軟正黑體" pitchFamily="34" charset="-120"/>
+              <a:ea typeface="微軟正黑體" pitchFamily="34" charset="-120"/>
+            </a:endParaRPr>
+          </a:p>
         </p:txBody>
       </p:sp>
     </p:spTree>
+    <p:extLst>
+      <p:ext uri="{BB962C8B-B14F-4D97-AF65-F5344CB8AC3E}">
+        <p14:creationId xmlns:p14="http://schemas.microsoft.com/office/powerpoint/2010/main" val="360576582"/>
+      </p:ext>
+    </p:extLst>
+  </p:cSld>
+  <p:clrMapOvr>
+    <a:masterClrMapping/>
+  </p:clrMapOvr>
+</p:sld>
+</file>
+
+<file path=ppt/slides/slide8.xml><?xml version="1.0" encoding="utf-8"?>
+<p:sld xmlns:a="http://schemas.openxmlformats.org/drawingml/2006/main" xmlns:r="http://schemas.openxmlformats.org/officeDocument/2006/relationships" xmlns:p="http://schemas.openxmlformats.org/presentationml/2006/main">
+  <p:cSld>
+    <p:spTree>
+      <p:nvGrpSpPr>
+        <p:cNvPr id="1" name=""/>
+        <p:cNvGrpSpPr/>
+        <p:nvPr/>
+      </p:nvGrpSpPr>
+      <p:grpSpPr>
+        <a:xfrm>
+          <a:off x="0" y="0"/>
+          <a:ext cx="0" cy="0"/>
+          <a:chOff x="0" y="0"/>
+          <a:chExt cx="0" cy="0"/>
+        </a:xfrm>
+      </p:grpSpPr>
+      <p:sp>
+        <p:nvSpPr>
+          <p:cNvPr id="5" name="內容版面配置區 4"/>
+          <p:cNvSpPr>
+            <a:spLocks noGrp="1"/>
+          </p:cNvSpPr>
+          <p:nvPr>
+            <p:ph idx="1"/>
+          </p:nvPr>
+        </p:nvSpPr>
+        <p:spPr>
+          <a:xfrm>
+            <a:off x="0" y="2084851"/>
+            <a:ext cx="12192000" cy="2404863"/>
+          </a:xfrm>
+        </p:spPr>
+        <p:txBody>
+          <a:bodyPr anchor="ctr">
+            <a:normAutofit/>
+          </a:bodyPr>
+          <a:lstStyle/>
+          <a:p>
+            <a:pPr algn="ctr">
+              <a:buNone/>
+            </a:pPr>
+            <a:r>
+              <a:rPr lang="zh-CN" altLang="en-US" sz="6400" b="1" dirty="0">
+                <a:solidFill>
+                  <a:srgbClr val="000066"/>
+                </a:solidFill>
+                <a:latin typeface="微軟正黑體" pitchFamily="34" charset="-120"/>
+                <a:ea typeface="微軟正黑體" pitchFamily="34" charset="-120"/>
+              </a:rPr>
+              <a:t>我們要高舉袮聖名</a:t>
+            </a:r>
+            <a:endParaRPr lang="en-US" altLang="zh-CN" sz="6400" b="1" dirty="0">
+              <a:solidFill>
+                <a:srgbClr val="000066"/>
+              </a:solidFill>
+              <a:latin typeface="微軟正黑體" pitchFamily="34" charset="-120"/>
+              <a:ea typeface="微軟正黑體" pitchFamily="34" charset="-120"/>
+            </a:endParaRPr>
+          </a:p>
+          <a:p>
+            <a:pPr algn="ctr">
+              <a:buNone/>
+            </a:pPr>
+            <a:r>
+              <a:rPr lang="zh-CN" altLang="en-US" sz="6400" b="1" dirty="0">
+                <a:solidFill>
+                  <a:srgbClr val="000066"/>
+                </a:solidFill>
+                <a:latin typeface="微軟正黑體" pitchFamily="34" charset="-120"/>
+                <a:ea typeface="微軟正黑體" pitchFamily="34" charset="-120"/>
+              </a:rPr>
+              <a:t>袮配得所有最大的讚美</a:t>
+            </a:r>
+            <a:endParaRPr lang="zh-TW" altLang="en-US" sz="6400" b="1" dirty="0">
+              <a:solidFill>
+                <a:srgbClr val="000066"/>
+              </a:solidFill>
+              <a:latin typeface="微軟正黑體" pitchFamily="34" charset="-120"/>
+              <a:ea typeface="微軟正黑體" pitchFamily="34" charset="-120"/>
+            </a:endParaRPr>
+          </a:p>
+        </p:txBody>
+      </p:sp>
+    </p:spTree>
+    <p:extLst>
+      <p:ext uri="{BB962C8B-B14F-4D97-AF65-F5344CB8AC3E}">
+        <p14:creationId xmlns:p14="http://schemas.microsoft.com/office/powerpoint/2010/main" val="997962438"/>
+      </p:ext>
+    </p:extLst>
+  </p:cSld>
+  <p:clrMapOvr>
+    <a:masterClrMapping/>
+  </p:clrMapOvr>
+</p:sld>
+</file>
+
+<file path=ppt/slides/slide9.xml><?xml version="1.0" encoding="utf-8"?>
+<p:sld xmlns:a="http://schemas.openxmlformats.org/drawingml/2006/main" xmlns:r="http://schemas.openxmlformats.org/officeDocument/2006/relationships" xmlns:p="http://schemas.openxmlformats.org/presentationml/2006/main">
+  <p:cSld>
+    <p:spTree>
+      <p:nvGrpSpPr>
+        <p:cNvPr id="1" name=""/>
+        <p:cNvGrpSpPr/>
+        <p:nvPr/>
+      </p:nvGrpSpPr>
+      <p:grpSpPr>
+        <a:xfrm>
+          <a:off x="0" y="0"/>
+          <a:ext cx="0" cy="0"/>
+          <a:chOff x="0" y="0"/>
+          <a:chExt cx="0" cy="0"/>
+        </a:xfrm>
+      </p:grpSpPr>
+      <p:sp>
+        <p:nvSpPr>
+          <p:cNvPr id="5" name="內容版面配置區 4"/>
+          <p:cNvSpPr>
+            <a:spLocks noGrp="1"/>
+          </p:cNvSpPr>
+          <p:nvPr>
+            <p:ph idx="1"/>
+          </p:nvPr>
+        </p:nvSpPr>
+        <p:spPr>
+          <a:xfrm>
+            <a:off x="0" y="2084851"/>
+            <a:ext cx="12192000" cy="2404863"/>
+          </a:xfrm>
+        </p:spPr>
+        <p:txBody>
+          <a:bodyPr anchor="ctr">
+            <a:normAutofit/>
+          </a:bodyPr>
+          <a:lstStyle/>
+          <a:p>
+            <a:pPr algn="ctr">
+              <a:buNone/>
+            </a:pPr>
+            <a:r>
+              <a:rPr lang="zh-CN" altLang="en-US" sz="6400" b="1" dirty="0">
+                <a:solidFill>
+                  <a:srgbClr val="000066"/>
+                </a:solidFill>
+                <a:latin typeface="微軟正黑體" pitchFamily="34" charset="-120"/>
+                <a:ea typeface="微軟正黑體" pitchFamily="34" charset="-120"/>
+              </a:rPr>
+              <a:t>我們要用全心和全意</a:t>
+            </a:r>
+            <a:endParaRPr lang="en-US" altLang="zh-CN" sz="6400" b="1" dirty="0">
+              <a:solidFill>
+                <a:srgbClr val="000066"/>
+              </a:solidFill>
+              <a:latin typeface="微軟正黑體" pitchFamily="34" charset="-120"/>
+              <a:ea typeface="微軟正黑體" pitchFamily="34" charset="-120"/>
+            </a:endParaRPr>
+          </a:p>
+          <a:p>
+            <a:pPr algn="ctr">
+              <a:buNone/>
+            </a:pPr>
+            <a:r>
+              <a:rPr lang="zh-CN" altLang="en-US" sz="6400" b="1" dirty="0">
+                <a:solidFill>
+                  <a:srgbClr val="000066"/>
+                </a:solidFill>
+                <a:latin typeface="微軟正黑體" pitchFamily="34" charset="-120"/>
+                <a:ea typeface="微軟正黑體" pitchFamily="34" charset="-120"/>
+              </a:rPr>
+              <a:t>來敬拜袮</a:t>
+            </a:r>
+            <a:endParaRPr lang="zh-TW" altLang="en-US" sz="6400" b="1" dirty="0">
+              <a:solidFill>
+                <a:srgbClr val="000066"/>
+              </a:solidFill>
+              <a:latin typeface="微軟正黑體" pitchFamily="34" charset="-120"/>
+              <a:ea typeface="微軟正黑體" pitchFamily="34" charset="-120"/>
+            </a:endParaRPr>
+          </a:p>
+        </p:txBody>
+      </p:sp>
+    </p:spTree>
+    <p:extLst>
+      <p:ext uri="{BB962C8B-B14F-4D97-AF65-F5344CB8AC3E}">
+        <p14:creationId xmlns:p14="http://schemas.microsoft.com/office/powerpoint/2010/main" val="5544903"/>
+      </p:ext>
+    </p:extLst>
   </p:cSld>
   <p:clrMapOvr>
     <a:masterClrMapping/>

--- a/喜樂泉源(崇拜版).pptx
+++ b/喜樂泉源(崇拜版).pptx
@@ -314,7 +314,7 @@
           <a:p>
             <a:fld id="{BA904DDF-39DD-4960-8B76-805686751F1E}" type="datetimeFigureOut">
               <a:rPr lang="zh-TW" altLang="en-US" smtClean="0"/>
-              <a:t>2021/5/8</a:t>
+              <a:t>2022/8/20</a:t>
             </a:fld>
             <a:endParaRPr lang="zh-TW" altLang="en-US"/>
           </a:p>
@@ -479,7 +479,7 @@
           <a:p>
             <a:fld id="{BA904DDF-39DD-4960-8B76-805686751F1E}" type="datetimeFigureOut">
               <a:rPr lang="zh-TW" altLang="en-US" smtClean="0"/>
-              <a:t>2021/5/8</a:t>
+              <a:t>2022/8/20</a:t>
             </a:fld>
             <a:endParaRPr lang="zh-TW" altLang="en-US"/>
           </a:p>
@@ -654,7 +654,7 @@
           <a:p>
             <a:fld id="{BA904DDF-39DD-4960-8B76-805686751F1E}" type="datetimeFigureOut">
               <a:rPr lang="zh-TW" altLang="en-US" smtClean="0"/>
-              <a:t>2021/5/8</a:t>
+              <a:t>2022/8/20</a:t>
             </a:fld>
             <a:endParaRPr lang="zh-TW" altLang="en-US"/>
           </a:p>
@@ -819,7 +819,7 @@
           <a:p>
             <a:fld id="{BA904DDF-39DD-4960-8B76-805686751F1E}" type="datetimeFigureOut">
               <a:rPr lang="zh-TW" altLang="en-US" smtClean="0"/>
-              <a:t>2021/5/8</a:t>
+              <a:t>2022/8/20</a:t>
             </a:fld>
             <a:endParaRPr lang="zh-TW" altLang="en-US"/>
           </a:p>
@@ -1060,7 +1060,7 @@
           <a:p>
             <a:fld id="{BA904DDF-39DD-4960-8B76-805686751F1E}" type="datetimeFigureOut">
               <a:rPr lang="zh-TW" altLang="en-US" smtClean="0"/>
-              <a:t>2021/5/8</a:t>
+              <a:t>2022/8/20</a:t>
             </a:fld>
             <a:endParaRPr lang="zh-TW" altLang="en-US"/>
           </a:p>
@@ -1343,7 +1343,7 @@
           <a:p>
             <a:fld id="{BA904DDF-39DD-4960-8B76-805686751F1E}" type="datetimeFigureOut">
               <a:rPr lang="zh-TW" altLang="en-US" smtClean="0"/>
-              <a:t>2021/5/8</a:t>
+              <a:t>2022/8/20</a:t>
             </a:fld>
             <a:endParaRPr lang="zh-TW" altLang="en-US"/>
           </a:p>
@@ -1760,7 +1760,7 @@
           <a:p>
             <a:fld id="{BA904DDF-39DD-4960-8B76-805686751F1E}" type="datetimeFigureOut">
               <a:rPr lang="zh-TW" altLang="en-US" smtClean="0"/>
-              <a:t>2021/5/8</a:t>
+              <a:t>2022/8/20</a:t>
             </a:fld>
             <a:endParaRPr lang="zh-TW" altLang="en-US"/>
           </a:p>
@@ -1873,7 +1873,7 @@
           <a:p>
             <a:fld id="{BA904DDF-39DD-4960-8B76-805686751F1E}" type="datetimeFigureOut">
               <a:rPr lang="zh-TW" altLang="en-US" smtClean="0"/>
-              <a:t>2021/5/8</a:t>
+              <a:t>2022/8/20</a:t>
             </a:fld>
             <a:endParaRPr lang="zh-TW" altLang="en-US"/>
           </a:p>
@@ -1963,7 +1963,7 @@
           <a:p>
             <a:fld id="{BA904DDF-39DD-4960-8B76-805686751F1E}" type="datetimeFigureOut">
               <a:rPr lang="zh-TW" altLang="en-US" smtClean="0"/>
-              <a:t>2021/5/8</a:t>
+              <a:t>2022/8/20</a:t>
             </a:fld>
             <a:endParaRPr lang="zh-TW" altLang="en-US"/>
           </a:p>
@@ -2235,7 +2235,7 @@
           <a:p>
             <a:fld id="{BA904DDF-39DD-4960-8B76-805686751F1E}" type="datetimeFigureOut">
               <a:rPr lang="zh-TW" altLang="en-US" smtClean="0"/>
-              <a:t>2021/5/8</a:t>
+              <a:t>2022/8/20</a:t>
             </a:fld>
             <a:endParaRPr lang="zh-TW" altLang="en-US"/>
           </a:p>
@@ -2487,7 +2487,7 @@
           <a:p>
             <a:fld id="{BA904DDF-39DD-4960-8B76-805686751F1E}" type="datetimeFigureOut">
               <a:rPr lang="zh-TW" altLang="en-US" smtClean="0"/>
-              <a:t>2021/5/8</a:t>
+              <a:t>2022/8/20</a:t>
             </a:fld>
             <a:endParaRPr lang="zh-TW" altLang="en-US"/>
           </a:p>
@@ -2700,7 +2700,7 @@
           <a:p>
             <a:fld id="{BA904DDF-39DD-4960-8B76-805686751F1E}" type="datetimeFigureOut">
               <a:rPr lang="zh-TW" altLang="en-US" smtClean="0"/>
-              <a:t>2021/5/8</a:t>
+              <a:t>2022/8/20</a:t>
             </a:fld>
             <a:endParaRPr lang="zh-TW" altLang="en-US"/>
           </a:p>
@@ -3107,24 +3107,7 @@
                 <a:latin typeface="微軟正黑體" pitchFamily="34" charset="-120"/>
                 <a:ea typeface="微軟正黑體" pitchFamily="34" charset="-120"/>
               </a:rPr>
-              <a:t>喜</a:t>
-            </a:r>
-            <a:r>
-              <a:rPr lang="zh-CN" altLang="en-US" sz="7200" b="1" i="1" dirty="0">
-                <a:solidFill>
-                  <a:srgbClr val="000066"/>
-                </a:solidFill>
-                <a:effectLst>
-                  <a:outerShdw blurRad="38100" dist="38100" dir="2700000" algn="tl">
-                    <a:srgbClr val="000000">
-                      <a:alpha val="43137"/>
-                    </a:srgbClr>
-                  </a:outerShdw>
-                </a:effectLst>
-                <a:latin typeface="微軟正黑體" pitchFamily="34" charset="-120"/>
-                <a:ea typeface="微軟正黑體" pitchFamily="34" charset="-120"/>
-              </a:rPr>
-              <a:t>樂泉源</a:t>
+              <a:t>喜樂泉源</a:t>
             </a:r>
             <a:endParaRPr lang="zh-TW" altLang="en-US" sz="7200" b="1" i="1" dirty="0">
               <a:solidFill>
@@ -3240,6 +3223,78 @@
           </a:p>
         </p:txBody>
       </p:sp>
+      <p:sp>
+        <p:nvSpPr>
+          <p:cNvPr id="3" name="TextBox 2"/>
+          <p:cNvSpPr txBox="1"/>
+          <p:nvPr/>
+        </p:nvSpPr>
+        <p:spPr>
+          <a:xfrm>
+            <a:off x="0" y="5229200"/>
+            <a:ext cx="12192000" cy="646331"/>
+          </a:xfrm>
+          <a:prstGeom prst="rect">
+            <a:avLst/>
+          </a:prstGeom>
+          <a:noFill/>
+        </p:spPr>
+        <p:txBody>
+          <a:bodyPr wrap="square" rtlCol="0">
+            <a:spAutoFit/>
+          </a:bodyPr>
+          <a:lstStyle/>
+          <a:p>
+            <a:pPr algn="ctr"/>
+            <a:r>
+              <a:rPr lang="en-US" sz="3600" b="1" dirty="0" smtClean="0">
+                <a:solidFill>
+                  <a:srgbClr val="000066"/>
+                </a:solidFill>
+                <a:latin typeface="Microsoft JhengHei" panose="020B0604030504040204" pitchFamily="34" charset="-120"/>
+                <a:ea typeface="Microsoft JhengHei" panose="020B0604030504040204" pitchFamily="34" charset="-120"/>
+              </a:rPr>
+              <a:t>( </a:t>
+            </a:r>
+            <a:r>
+              <a:rPr lang="zh-CN" altLang="en-US" sz="3600" b="1" dirty="0" smtClean="0">
+                <a:solidFill>
+                  <a:srgbClr val="000066"/>
+                </a:solidFill>
+                <a:latin typeface="Microsoft JhengHei" panose="020B0604030504040204" pitchFamily="34" charset="-120"/>
+                <a:ea typeface="Microsoft JhengHei" panose="020B0604030504040204" pitchFamily="34" charset="-120"/>
+              </a:rPr>
+              <a:t>副</a:t>
+            </a:r>
+            <a:r>
+              <a:rPr lang="en-US" sz="3600" b="1" dirty="0" smtClean="0">
+                <a:solidFill>
+                  <a:srgbClr val="000066"/>
+                </a:solidFill>
+                <a:latin typeface="Microsoft JhengHei" panose="020B0604030504040204" pitchFamily="34" charset="-120"/>
+                <a:ea typeface="Microsoft JhengHei" panose="020B0604030504040204" pitchFamily="34" charset="-120"/>
+              </a:rPr>
+              <a:t> </a:t>
+            </a:r>
+            <a:r>
+              <a:rPr lang="en-US" sz="3600" b="1" dirty="0" smtClean="0">
+                <a:solidFill>
+                  <a:srgbClr val="000066"/>
+                </a:solidFill>
+                <a:latin typeface="Microsoft JhengHei" panose="020B0604030504040204" pitchFamily="34" charset="-120"/>
+                <a:ea typeface="Microsoft JhengHei" panose="020B0604030504040204" pitchFamily="34" charset="-120"/>
+              </a:rPr>
+              <a:t>)</a:t>
+            </a:r>
+            <a:endParaRPr lang="vi-VN" sz="3600" b="1" dirty="0">
+              <a:solidFill>
+                <a:srgbClr val="000066"/>
+              </a:solidFill>
+              <a:ea typeface="Microsoft JhengHei" panose="020B0604030504040204" pitchFamily="34" charset="-120"/>
+            </a:endParaRPr>
+          </a:p>
+        </p:txBody>
+      </p:sp>
     </p:spTree>
     <p:extLst>
       <p:ext uri="{BB962C8B-B14F-4D97-AF65-F5344CB8AC3E}">
@@ -3337,6 +3392,78 @@
           </a:p>
         </p:txBody>
       </p:sp>
+      <p:sp>
+        <p:nvSpPr>
+          <p:cNvPr id="3" name="TextBox 2"/>
+          <p:cNvSpPr txBox="1"/>
+          <p:nvPr/>
+        </p:nvSpPr>
+        <p:spPr>
+          <a:xfrm>
+            <a:off x="0" y="5229200"/>
+            <a:ext cx="12192000" cy="646331"/>
+          </a:xfrm>
+          <a:prstGeom prst="rect">
+            <a:avLst/>
+          </a:prstGeom>
+          <a:noFill/>
+        </p:spPr>
+        <p:txBody>
+          <a:bodyPr wrap="square" rtlCol="0">
+            <a:spAutoFit/>
+          </a:bodyPr>
+          <a:lstStyle/>
+          <a:p>
+            <a:pPr algn="ctr"/>
+            <a:r>
+              <a:rPr lang="en-US" sz="3600" b="1" dirty="0" smtClean="0">
+                <a:solidFill>
+                  <a:srgbClr val="000066"/>
+                </a:solidFill>
+                <a:latin typeface="Microsoft JhengHei" panose="020B0604030504040204" pitchFamily="34" charset="-120"/>
+                <a:ea typeface="Microsoft JhengHei" panose="020B0604030504040204" pitchFamily="34" charset="-120"/>
+              </a:rPr>
+              <a:t>( </a:t>
+            </a:r>
+            <a:r>
+              <a:rPr lang="zh-CN" altLang="en-US" sz="3600" b="1" dirty="0" smtClean="0">
+                <a:solidFill>
+                  <a:srgbClr val="000066"/>
+                </a:solidFill>
+                <a:latin typeface="Microsoft JhengHei" panose="020B0604030504040204" pitchFamily="34" charset="-120"/>
+                <a:ea typeface="Microsoft JhengHei" panose="020B0604030504040204" pitchFamily="34" charset="-120"/>
+              </a:rPr>
+              <a:t>副</a:t>
+            </a:r>
+            <a:r>
+              <a:rPr lang="en-US" sz="3600" b="1" dirty="0" smtClean="0">
+                <a:solidFill>
+                  <a:srgbClr val="000066"/>
+                </a:solidFill>
+                <a:latin typeface="Microsoft JhengHei" panose="020B0604030504040204" pitchFamily="34" charset="-120"/>
+                <a:ea typeface="Microsoft JhengHei" panose="020B0604030504040204" pitchFamily="34" charset="-120"/>
+              </a:rPr>
+              <a:t> </a:t>
+            </a:r>
+            <a:r>
+              <a:rPr lang="en-US" sz="3600" b="1" dirty="0" smtClean="0">
+                <a:solidFill>
+                  <a:srgbClr val="000066"/>
+                </a:solidFill>
+                <a:latin typeface="Microsoft JhengHei" panose="020B0604030504040204" pitchFamily="34" charset="-120"/>
+                <a:ea typeface="Microsoft JhengHei" panose="020B0604030504040204" pitchFamily="34" charset="-120"/>
+              </a:rPr>
+              <a:t>)</a:t>
+            </a:r>
+            <a:endParaRPr lang="vi-VN" sz="3600" b="1" dirty="0">
+              <a:solidFill>
+                <a:srgbClr val="000066"/>
+              </a:solidFill>
+              <a:ea typeface="Microsoft JhengHei" panose="020B0604030504040204" pitchFamily="34" charset="-120"/>
+            </a:endParaRPr>
+          </a:p>
+        </p:txBody>
+      </p:sp>
     </p:spTree>
     <p:extLst>
       <p:ext uri="{BB962C8B-B14F-4D97-AF65-F5344CB8AC3E}">
@@ -3434,6 +3561,68 @@
           </a:p>
         </p:txBody>
       </p:sp>
+      <p:sp>
+        <p:nvSpPr>
+          <p:cNvPr id="3" name="TextBox 2"/>
+          <p:cNvSpPr txBox="1"/>
+          <p:nvPr/>
+        </p:nvSpPr>
+        <p:spPr>
+          <a:xfrm>
+            <a:off x="0" y="5229200"/>
+            <a:ext cx="12192000" cy="646331"/>
+          </a:xfrm>
+          <a:prstGeom prst="rect">
+            <a:avLst/>
+          </a:prstGeom>
+          <a:noFill/>
+        </p:spPr>
+        <p:txBody>
+          <a:bodyPr wrap="square" rtlCol="0">
+            <a:spAutoFit/>
+          </a:bodyPr>
+          <a:lstStyle/>
+          <a:p>
+            <a:pPr algn="ctr"/>
+            <a:r>
+              <a:rPr lang="en-US" sz="3600" b="1" dirty="0" smtClean="0">
+                <a:solidFill>
+                  <a:srgbClr val="000066"/>
+                </a:solidFill>
+                <a:latin typeface="Microsoft JhengHei" panose="020B0604030504040204" pitchFamily="34" charset="-120"/>
+                <a:ea typeface="Microsoft JhengHei" panose="020B0604030504040204" pitchFamily="34" charset="-120"/>
+              </a:rPr>
+              <a:t>( </a:t>
+            </a:r>
+            <a:r>
+              <a:rPr lang="zh-CN" altLang="en-US" sz="3600" b="1" dirty="0" smtClean="0">
+                <a:solidFill>
+                  <a:srgbClr val="000066"/>
+                </a:solidFill>
+                <a:latin typeface="Microsoft JhengHei" panose="020B0604030504040204" pitchFamily="34" charset="-120"/>
+                <a:ea typeface="Microsoft JhengHei" panose="020B0604030504040204" pitchFamily="34" charset="-120"/>
+              </a:rPr>
+              <a:t>正</a:t>
+            </a:r>
+            <a:r>
+              <a:rPr lang="en-US" sz="3600" b="1" dirty="0" smtClean="0">
+                <a:solidFill>
+                  <a:srgbClr val="000066"/>
+                </a:solidFill>
+                <a:latin typeface="Microsoft JhengHei" panose="020B0604030504040204" pitchFamily="34" charset="-120"/>
+                <a:ea typeface="Microsoft JhengHei" panose="020B0604030504040204" pitchFamily="34" charset="-120"/>
+              </a:rPr>
+              <a:t> )</a:t>
+            </a:r>
+            <a:endParaRPr lang="vi-VN" sz="3600" b="1" dirty="0">
+              <a:solidFill>
+                <a:srgbClr val="000066"/>
+              </a:solidFill>
+              <a:ea typeface="Microsoft JhengHei" panose="020B0604030504040204" pitchFamily="34" charset="-120"/>
+            </a:endParaRPr>
+          </a:p>
+        </p:txBody>
+      </p:sp>
     </p:spTree>
     <p:extLst>
       <p:ext uri="{BB962C8B-B14F-4D97-AF65-F5344CB8AC3E}">
@@ -3531,6 +3720,68 @@
           </a:p>
         </p:txBody>
       </p:sp>
+      <p:sp>
+        <p:nvSpPr>
+          <p:cNvPr id="3" name="TextBox 2"/>
+          <p:cNvSpPr txBox="1"/>
+          <p:nvPr/>
+        </p:nvSpPr>
+        <p:spPr>
+          <a:xfrm>
+            <a:off x="0" y="5229200"/>
+            <a:ext cx="12192000" cy="646331"/>
+          </a:xfrm>
+          <a:prstGeom prst="rect">
+            <a:avLst/>
+          </a:prstGeom>
+          <a:noFill/>
+        </p:spPr>
+        <p:txBody>
+          <a:bodyPr wrap="square" rtlCol="0">
+            <a:spAutoFit/>
+          </a:bodyPr>
+          <a:lstStyle/>
+          <a:p>
+            <a:pPr algn="ctr"/>
+            <a:r>
+              <a:rPr lang="en-US" sz="3600" b="1" dirty="0" smtClean="0">
+                <a:solidFill>
+                  <a:srgbClr val="000066"/>
+                </a:solidFill>
+                <a:latin typeface="Microsoft JhengHei" panose="020B0604030504040204" pitchFamily="34" charset="-120"/>
+                <a:ea typeface="Microsoft JhengHei" panose="020B0604030504040204" pitchFamily="34" charset="-120"/>
+              </a:rPr>
+              <a:t>( </a:t>
+            </a:r>
+            <a:r>
+              <a:rPr lang="zh-CN" altLang="en-US" sz="3600" b="1" dirty="0" smtClean="0">
+                <a:solidFill>
+                  <a:srgbClr val="000066"/>
+                </a:solidFill>
+                <a:latin typeface="Microsoft JhengHei" panose="020B0604030504040204" pitchFamily="34" charset="-120"/>
+                <a:ea typeface="Microsoft JhengHei" panose="020B0604030504040204" pitchFamily="34" charset="-120"/>
+              </a:rPr>
+              <a:t>正</a:t>
+            </a:r>
+            <a:r>
+              <a:rPr lang="en-US" sz="3600" b="1" dirty="0" smtClean="0">
+                <a:solidFill>
+                  <a:srgbClr val="000066"/>
+                </a:solidFill>
+                <a:latin typeface="Microsoft JhengHei" panose="020B0604030504040204" pitchFamily="34" charset="-120"/>
+                <a:ea typeface="Microsoft JhengHei" panose="020B0604030504040204" pitchFamily="34" charset="-120"/>
+              </a:rPr>
+              <a:t> )</a:t>
+            </a:r>
+            <a:endParaRPr lang="vi-VN" sz="3600" b="1" dirty="0">
+              <a:solidFill>
+                <a:srgbClr val="000066"/>
+              </a:solidFill>
+              <a:ea typeface="Microsoft JhengHei" panose="020B0604030504040204" pitchFamily="34" charset="-120"/>
+            </a:endParaRPr>
+          </a:p>
+        </p:txBody>
+      </p:sp>
     </p:spTree>
     <p:extLst>
       <p:ext uri="{BB962C8B-B14F-4D97-AF65-F5344CB8AC3E}">
@@ -3628,6 +3879,68 @@
           </a:p>
         </p:txBody>
       </p:sp>
+      <p:sp>
+        <p:nvSpPr>
+          <p:cNvPr id="3" name="TextBox 2"/>
+          <p:cNvSpPr txBox="1"/>
+          <p:nvPr/>
+        </p:nvSpPr>
+        <p:spPr>
+          <a:xfrm>
+            <a:off x="0" y="5229200"/>
+            <a:ext cx="12192000" cy="646331"/>
+          </a:xfrm>
+          <a:prstGeom prst="rect">
+            <a:avLst/>
+          </a:prstGeom>
+          <a:noFill/>
+        </p:spPr>
+        <p:txBody>
+          <a:bodyPr wrap="square" rtlCol="0">
+            <a:spAutoFit/>
+          </a:bodyPr>
+          <a:lstStyle/>
+          <a:p>
+            <a:pPr algn="ctr"/>
+            <a:r>
+              <a:rPr lang="en-US" sz="3600" b="1" dirty="0" smtClean="0">
+                <a:solidFill>
+                  <a:srgbClr val="000066"/>
+                </a:solidFill>
+                <a:latin typeface="Microsoft JhengHei" panose="020B0604030504040204" pitchFamily="34" charset="-120"/>
+                <a:ea typeface="Microsoft JhengHei" panose="020B0604030504040204" pitchFamily="34" charset="-120"/>
+              </a:rPr>
+              <a:t>( </a:t>
+            </a:r>
+            <a:r>
+              <a:rPr lang="zh-CN" altLang="en-US" sz="3600" b="1" dirty="0" smtClean="0">
+                <a:solidFill>
+                  <a:srgbClr val="000066"/>
+                </a:solidFill>
+                <a:latin typeface="Microsoft JhengHei" panose="020B0604030504040204" pitchFamily="34" charset="-120"/>
+                <a:ea typeface="Microsoft JhengHei" panose="020B0604030504040204" pitchFamily="34" charset="-120"/>
+              </a:rPr>
+              <a:t>正</a:t>
+            </a:r>
+            <a:r>
+              <a:rPr lang="en-US" sz="3600" b="1" dirty="0" smtClean="0">
+                <a:solidFill>
+                  <a:srgbClr val="000066"/>
+                </a:solidFill>
+                <a:latin typeface="Microsoft JhengHei" panose="020B0604030504040204" pitchFamily="34" charset="-120"/>
+                <a:ea typeface="Microsoft JhengHei" panose="020B0604030504040204" pitchFamily="34" charset="-120"/>
+              </a:rPr>
+              <a:t> )</a:t>
+            </a:r>
+            <a:endParaRPr lang="vi-VN" sz="3600" b="1" dirty="0">
+              <a:solidFill>
+                <a:srgbClr val="000066"/>
+              </a:solidFill>
+              <a:ea typeface="Microsoft JhengHei" panose="020B0604030504040204" pitchFamily="34" charset="-120"/>
+            </a:endParaRPr>
+          </a:p>
+        </p:txBody>
+      </p:sp>
     </p:spTree>
     <p:extLst>
       <p:ext uri="{BB962C8B-B14F-4D97-AF65-F5344CB8AC3E}">
@@ -3725,6 +4038,68 @@
           </a:p>
         </p:txBody>
       </p:sp>
+      <p:sp>
+        <p:nvSpPr>
+          <p:cNvPr id="3" name="TextBox 2"/>
+          <p:cNvSpPr txBox="1"/>
+          <p:nvPr/>
+        </p:nvSpPr>
+        <p:spPr>
+          <a:xfrm>
+            <a:off x="0" y="5229200"/>
+            <a:ext cx="12192000" cy="646331"/>
+          </a:xfrm>
+          <a:prstGeom prst="rect">
+            <a:avLst/>
+          </a:prstGeom>
+          <a:noFill/>
+        </p:spPr>
+        <p:txBody>
+          <a:bodyPr wrap="square" rtlCol="0">
+            <a:spAutoFit/>
+          </a:bodyPr>
+          <a:lstStyle/>
+          <a:p>
+            <a:pPr algn="ctr"/>
+            <a:r>
+              <a:rPr lang="en-US" sz="3600" b="1" dirty="0" smtClean="0">
+                <a:solidFill>
+                  <a:srgbClr val="000066"/>
+                </a:solidFill>
+                <a:latin typeface="Microsoft JhengHei" panose="020B0604030504040204" pitchFamily="34" charset="-120"/>
+                <a:ea typeface="Microsoft JhengHei" panose="020B0604030504040204" pitchFamily="34" charset="-120"/>
+              </a:rPr>
+              <a:t>( </a:t>
+            </a:r>
+            <a:r>
+              <a:rPr lang="zh-CN" altLang="en-US" sz="3600" b="1" dirty="0" smtClean="0">
+                <a:solidFill>
+                  <a:srgbClr val="000066"/>
+                </a:solidFill>
+                <a:latin typeface="Microsoft JhengHei" panose="020B0604030504040204" pitchFamily="34" charset="-120"/>
+                <a:ea typeface="Microsoft JhengHei" panose="020B0604030504040204" pitchFamily="34" charset="-120"/>
+              </a:rPr>
+              <a:t>正</a:t>
+            </a:r>
+            <a:r>
+              <a:rPr lang="en-US" sz="3600" b="1" dirty="0" smtClean="0">
+                <a:solidFill>
+                  <a:srgbClr val="000066"/>
+                </a:solidFill>
+                <a:latin typeface="Microsoft JhengHei" panose="020B0604030504040204" pitchFamily="34" charset="-120"/>
+                <a:ea typeface="Microsoft JhengHei" panose="020B0604030504040204" pitchFamily="34" charset="-120"/>
+              </a:rPr>
+              <a:t> )</a:t>
+            </a:r>
+            <a:endParaRPr lang="vi-VN" sz="3600" b="1" dirty="0">
+              <a:solidFill>
+                <a:srgbClr val="000066"/>
+              </a:solidFill>
+              <a:ea typeface="Microsoft JhengHei" panose="020B0604030504040204" pitchFamily="34" charset="-120"/>
+            </a:endParaRPr>
+          </a:p>
+        </p:txBody>
+      </p:sp>
     </p:spTree>
     <p:extLst>
       <p:ext uri="{BB962C8B-B14F-4D97-AF65-F5344CB8AC3E}">
@@ -3822,6 +4197,88 @@
           </a:p>
         </p:txBody>
       </p:sp>
+      <p:sp>
+        <p:nvSpPr>
+          <p:cNvPr id="3" name="TextBox 2"/>
+          <p:cNvSpPr txBox="1"/>
+          <p:nvPr/>
+        </p:nvSpPr>
+        <p:spPr>
+          <a:xfrm>
+            <a:off x="0" y="5229200"/>
+            <a:ext cx="12192000" cy="646331"/>
+          </a:xfrm>
+          <a:prstGeom prst="rect">
+            <a:avLst/>
+          </a:prstGeom>
+          <a:noFill/>
+        </p:spPr>
+        <p:txBody>
+          <a:bodyPr wrap="square" rtlCol="0">
+            <a:spAutoFit/>
+          </a:bodyPr>
+          <a:lstStyle/>
+          <a:p>
+            <a:pPr algn="ctr"/>
+            <a:r>
+              <a:rPr lang="en-US" sz="3600" b="1" dirty="0" smtClean="0">
+                <a:solidFill>
+                  <a:srgbClr val="000066"/>
+                </a:solidFill>
+                <a:latin typeface="Microsoft JhengHei" panose="020B0604030504040204" pitchFamily="34" charset="-120"/>
+                <a:ea typeface="Microsoft JhengHei" panose="020B0604030504040204" pitchFamily="34" charset="-120"/>
+              </a:rPr>
+              <a:t>( </a:t>
+            </a:r>
+            <a:r>
+              <a:rPr lang="zh-CN" altLang="en-US" sz="3600" b="1" dirty="0" smtClean="0">
+                <a:solidFill>
+                  <a:srgbClr val="000066"/>
+                </a:solidFill>
+                <a:latin typeface="Microsoft JhengHei" panose="020B0604030504040204" pitchFamily="34" charset="-120"/>
+                <a:ea typeface="Microsoft JhengHei" panose="020B0604030504040204" pitchFamily="34" charset="-120"/>
+              </a:rPr>
+              <a:t>前</a:t>
+            </a:r>
+            <a:r>
+              <a:rPr lang="zh-CN" altLang="en-US" sz="3600" b="1" dirty="0">
+                <a:solidFill>
+                  <a:srgbClr val="000066"/>
+                </a:solidFill>
+                <a:latin typeface="Microsoft JhengHei" panose="020B0604030504040204" pitchFamily="34" charset="-120"/>
+                <a:ea typeface="Microsoft JhengHei" panose="020B0604030504040204" pitchFamily="34" charset="-120"/>
+              </a:rPr>
+              <a:t>副</a:t>
+            </a:r>
+            <a:r>
+              <a:rPr lang="en-US" sz="3600" b="1" dirty="0" smtClean="0">
+                <a:solidFill>
+                  <a:srgbClr val="000066"/>
+                </a:solidFill>
+                <a:latin typeface="Microsoft JhengHei" panose="020B0604030504040204" pitchFamily="34" charset="-120"/>
+                <a:ea typeface="Microsoft JhengHei" panose="020B0604030504040204" pitchFamily="34" charset="-120"/>
+              </a:rPr>
+              <a:t> </a:t>
+            </a:r>
+            <a:r>
+              <a:rPr lang="en-US" sz="3600" b="1" dirty="0" smtClean="0">
+                <a:solidFill>
+                  <a:srgbClr val="000066"/>
+                </a:solidFill>
+                <a:latin typeface="Microsoft JhengHei" panose="020B0604030504040204" pitchFamily="34" charset="-120"/>
+                <a:ea typeface="Microsoft JhengHei" panose="020B0604030504040204" pitchFamily="34" charset="-120"/>
+              </a:rPr>
+              <a:t>)</a:t>
+            </a:r>
+            <a:endParaRPr lang="vi-VN" sz="3600" b="1" dirty="0">
+              <a:solidFill>
+                <a:srgbClr val="000066"/>
+              </a:solidFill>
+              <a:ea typeface="Microsoft JhengHei" panose="020B0604030504040204" pitchFamily="34" charset="-120"/>
+            </a:endParaRPr>
+          </a:p>
+        </p:txBody>
+      </p:sp>
     </p:spTree>
     <p:extLst>
       <p:ext uri="{BB962C8B-B14F-4D97-AF65-F5344CB8AC3E}">
@@ -3919,6 +4376,88 @@
           </a:p>
         </p:txBody>
       </p:sp>
+      <p:sp>
+        <p:nvSpPr>
+          <p:cNvPr id="3" name="TextBox 2"/>
+          <p:cNvSpPr txBox="1"/>
+          <p:nvPr/>
+        </p:nvSpPr>
+        <p:spPr>
+          <a:xfrm>
+            <a:off x="0" y="5229200"/>
+            <a:ext cx="12192000" cy="646331"/>
+          </a:xfrm>
+          <a:prstGeom prst="rect">
+            <a:avLst/>
+          </a:prstGeom>
+          <a:noFill/>
+        </p:spPr>
+        <p:txBody>
+          <a:bodyPr wrap="square" rtlCol="0">
+            <a:spAutoFit/>
+          </a:bodyPr>
+          <a:lstStyle/>
+          <a:p>
+            <a:pPr algn="ctr"/>
+            <a:r>
+              <a:rPr lang="en-US" sz="3600" b="1" dirty="0" smtClean="0">
+                <a:solidFill>
+                  <a:srgbClr val="000066"/>
+                </a:solidFill>
+                <a:latin typeface="Microsoft JhengHei" panose="020B0604030504040204" pitchFamily="34" charset="-120"/>
+                <a:ea typeface="Microsoft JhengHei" panose="020B0604030504040204" pitchFamily="34" charset="-120"/>
+              </a:rPr>
+              <a:t>( </a:t>
+            </a:r>
+            <a:r>
+              <a:rPr lang="zh-CN" altLang="en-US" sz="3600" b="1" dirty="0" smtClean="0">
+                <a:solidFill>
+                  <a:srgbClr val="000066"/>
+                </a:solidFill>
+                <a:latin typeface="Microsoft JhengHei" panose="020B0604030504040204" pitchFamily="34" charset="-120"/>
+                <a:ea typeface="Microsoft JhengHei" panose="020B0604030504040204" pitchFamily="34" charset="-120"/>
+              </a:rPr>
+              <a:t>前</a:t>
+            </a:r>
+            <a:r>
+              <a:rPr lang="zh-CN" altLang="en-US" sz="3600" b="1" dirty="0">
+                <a:solidFill>
+                  <a:srgbClr val="000066"/>
+                </a:solidFill>
+                <a:latin typeface="Microsoft JhengHei" panose="020B0604030504040204" pitchFamily="34" charset="-120"/>
+                <a:ea typeface="Microsoft JhengHei" panose="020B0604030504040204" pitchFamily="34" charset="-120"/>
+              </a:rPr>
+              <a:t>副</a:t>
+            </a:r>
+            <a:r>
+              <a:rPr lang="en-US" sz="3600" b="1" dirty="0" smtClean="0">
+                <a:solidFill>
+                  <a:srgbClr val="000066"/>
+                </a:solidFill>
+                <a:latin typeface="Microsoft JhengHei" panose="020B0604030504040204" pitchFamily="34" charset="-120"/>
+                <a:ea typeface="Microsoft JhengHei" panose="020B0604030504040204" pitchFamily="34" charset="-120"/>
+              </a:rPr>
+              <a:t> </a:t>
+            </a:r>
+            <a:r>
+              <a:rPr lang="en-US" sz="3600" b="1" dirty="0" smtClean="0">
+                <a:solidFill>
+                  <a:srgbClr val="000066"/>
+                </a:solidFill>
+                <a:latin typeface="Microsoft JhengHei" panose="020B0604030504040204" pitchFamily="34" charset="-120"/>
+                <a:ea typeface="Microsoft JhengHei" panose="020B0604030504040204" pitchFamily="34" charset="-120"/>
+              </a:rPr>
+              <a:t>)</a:t>
+            </a:r>
+            <a:endParaRPr lang="vi-VN" sz="3600" b="1" dirty="0">
+              <a:solidFill>
+                <a:srgbClr val="000066"/>
+              </a:solidFill>
+              <a:ea typeface="Microsoft JhengHei" panose="020B0604030504040204" pitchFamily="34" charset="-120"/>
+            </a:endParaRPr>
+          </a:p>
+        </p:txBody>
+      </p:sp>
     </p:spTree>
     <p:extLst>
       <p:ext uri="{BB962C8B-B14F-4D97-AF65-F5344CB8AC3E}">
@@ -4016,6 +4555,78 @@
           </a:p>
         </p:txBody>
       </p:sp>
+      <p:sp>
+        <p:nvSpPr>
+          <p:cNvPr id="3" name="TextBox 2"/>
+          <p:cNvSpPr txBox="1"/>
+          <p:nvPr/>
+        </p:nvSpPr>
+        <p:spPr>
+          <a:xfrm>
+            <a:off x="0" y="5229200"/>
+            <a:ext cx="12192000" cy="646331"/>
+          </a:xfrm>
+          <a:prstGeom prst="rect">
+            <a:avLst/>
+          </a:prstGeom>
+          <a:noFill/>
+        </p:spPr>
+        <p:txBody>
+          <a:bodyPr wrap="square" rtlCol="0">
+            <a:spAutoFit/>
+          </a:bodyPr>
+          <a:lstStyle/>
+          <a:p>
+            <a:pPr algn="ctr"/>
+            <a:r>
+              <a:rPr lang="en-US" sz="3600" b="1" dirty="0" smtClean="0">
+                <a:solidFill>
+                  <a:srgbClr val="000066"/>
+                </a:solidFill>
+                <a:latin typeface="Microsoft JhengHei" panose="020B0604030504040204" pitchFamily="34" charset="-120"/>
+                <a:ea typeface="Microsoft JhengHei" panose="020B0604030504040204" pitchFamily="34" charset="-120"/>
+              </a:rPr>
+              <a:t>( </a:t>
+            </a:r>
+            <a:r>
+              <a:rPr lang="zh-CN" altLang="en-US" sz="3600" b="1" dirty="0" smtClean="0">
+                <a:solidFill>
+                  <a:srgbClr val="000066"/>
+                </a:solidFill>
+                <a:latin typeface="Microsoft JhengHei" panose="020B0604030504040204" pitchFamily="34" charset="-120"/>
+                <a:ea typeface="Microsoft JhengHei" panose="020B0604030504040204" pitchFamily="34" charset="-120"/>
+              </a:rPr>
+              <a:t>副</a:t>
+            </a:r>
+            <a:r>
+              <a:rPr lang="en-US" sz="3600" b="1" dirty="0" smtClean="0">
+                <a:solidFill>
+                  <a:srgbClr val="000066"/>
+                </a:solidFill>
+                <a:latin typeface="Microsoft JhengHei" panose="020B0604030504040204" pitchFamily="34" charset="-120"/>
+                <a:ea typeface="Microsoft JhengHei" panose="020B0604030504040204" pitchFamily="34" charset="-120"/>
+              </a:rPr>
+              <a:t> </a:t>
+            </a:r>
+            <a:r>
+              <a:rPr lang="en-US" sz="3600" b="1" dirty="0" smtClean="0">
+                <a:solidFill>
+                  <a:srgbClr val="000066"/>
+                </a:solidFill>
+                <a:latin typeface="Microsoft JhengHei" panose="020B0604030504040204" pitchFamily="34" charset="-120"/>
+                <a:ea typeface="Microsoft JhengHei" panose="020B0604030504040204" pitchFamily="34" charset="-120"/>
+              </a:rPr>
+              <a:t>)</a:t>
+            </a:r>
+            <a:endParaRPr lang="vi-VN" sz="3600" b="1" dirty="0">
+              <a:solidFill>
+                <a:srgbClr val="000066"/>
+              </a:solidFill>
+              <a:ea typeface="Microsoft JhengHei" panose="020B0604030504040204" pitchFamily="34" charset="-120"/>
+            </a:endParaRPr>
+          </a:p>
+        </p:txBody>
+      </p:sp>
     </p:spTree>
     <p:extLst>
       <p:ext uri="{BB962C8B-B14F-4D97-AF65-F5344CB8AC3E}">
@@ -4109,6 +4720,78 @@
               </a:solidFill>
               <a:latin typeface="微軟正黑體" pitchFamily="34" charset="-120"/>
               <a:ea typeface="微軟正黑體" pitchFamily="34" charset="-120"/>
+            </a:endParaRPr>
+          </a:p>
+        </p:txBody>
+      </p:sp>
+      <p:sp>
+        <p:nvSpPr>
+          <p:cNvPr id="3" name="TextBox 2"/>
+          <p:cNvSpPr txBox="1"/>
+          <p:nvPr/>
+        </p:nvSpPr>
+        <p:spPr>
+          <a:xfrm>
+            <a:off x="0" y="5229200"/>
+            <a:ext cx="12192000" cy="646331"/>
+          </a:xfrm>
+          <a:prstGeom prst="rect">
+            <a:avLst/>
+          </a:prstGeom>
+          <a:noFill/>
+        </p:spPr>
+        <p:txBody>
+          <a:bodyPr wrap="square" rtlCol="0">
+            <a:spAutoFit/>
+          </a:bodyPr>
+          <a:lstStyle/>
+          <a:p>
+            <a:pPr algn="ctr"/>
+            <a:r>
+              <a:rPr lang="en-US" sz="3600" b="1" dirty="0" smtClean="0">
+                <a:solidFill>
+                  <a:srgbClr val="000066"/>
+                </a:solidFill>
+                <a:latin typeface="Microsoft JhengHei" panose="020B0604030504040204" pitchFamily="34" charset="-120"/>
+                <a:ea typeface="Microsoft JhengHei" panose="020B0604030504040204" pitchFamily="34" charset="-120"/>
+              </a:rPr>
+              <a:t>( </a:t>
+            </a:r>
+            <a:r>
+              <a:rPr lang="zh-CN" altLang="en-US" sz="3600" b="1" dirty="0" smtClean="0">
+                <a:solidFill>
+                  <a:srgbClr val="000066"/>
+                </a:solidFill>
+                <a:latin typeface="Microsoft JhengHei" panose="020B0604030504040204" pitchFamily="34" charset="-120"/>
+                <a:ea typeface="Microsoft JhengHei" panose="020B0604030504040204" pitchFamily="34" charset="-120"/>
+              </a:rPr>
+              <a:t>副</a:t>
+            </a:r>
+            <a:r>
+              <a:rPr lang="en-US" sz="3600" b="1" dirty="0" smtClean="0">
+                <a:solidFill>
+                  <a:srgbClr val="000066"/>
+                </a:solidFill>
+                <a:latin typeface="Microsoft JhengHei" panose="020B0604030504040204" pitchFamily="34" charset="-120"/>
+                <a:ea typeface="Microsoft JhengHei" panose="020B0604030504040204" pitchFamily="34" charset="-120"/>
+              </a:rPr>
+              <a:t> </a:t>
+            </a:r>
+            <a:r>
+              <a:rPr lang="en-US" sz="3600" b="1" dirty="0" smtClean="0">
+                <a:solidFill>
+                  <a:srgbClr val="000066"/>
+                </a:solidFill>
+                <a:latin typeface="Microsoft JhengHei" panose="020B0604030504040204" pitchFamily="34" charset="-120"/>
+                <a:ea typeface="Microsoft JhengHei" panose="020B0604030504040204" pitchFamily="34" charset="-120"/>
+              </a:rPr>
+              <a:t>)</a:t>
+            </a:r>
+            <a:endParaRPr lang="vi-VN" sz="3600" b="1" dirty="0">
+              <a:solidFill>
+                <a:srgbClr val="000066"/>
+              </a:solidFill>
+              <a:ea typeface="Microsoft JhengHei" panose="020B0604030504040204" pitchFamily="34" charset="-120"/>
             </a:endParaRPr>
           </a:p>
         </p:txBody>

--- a/喜樂泉源(崇拜版).pptx
+++ b/喜樂泉源(崇拜版).pptx
@@ -314,7 +314,7 @@
           <a:p>
             <a:fld id="{BA904DDF-39DD-4960-8B76-805686751F1E}" type="datetimeFigureOut">
               <a:rPr lang="zh-TW" altLang="en-US" smtClean="0"/>
-              <a:t>2022/8/20</a:t>
+              <a:t>2023/5/6</a:t>
             </a:fld>
             <a:endParaRPr lang="zh-TW" altLang="en-US"/>
           </a:p>
@@ -479,7 +479,7 @@
           <a:p>
             <a:fld id="{BA904DDF-39DD-4960-8B76-805686751F1E}" type="datetimeFigureOut">
               <a:rPr lang="zh-TW" altLang="en-US" smtClean="0"/>
-              <a:t>2022/8/20</a:t>
+              <a:t>2023/5/6</a:t>
             </a:fld>
             <a:endParaRPr lang="zh-TW" altLang="en-US"/>
           </a:p>
@@ -654,7 +654,7 @@
           <a:p>
             <a:fld id="{BA904DDF-39DD-4960-8B76-805686751F1E}" type="datetimeFigureOut">
               <a:rPr lang="zh-TW" altLang="en-US" smtClean="0"/>
-              <a:t>2022/8/20</a:t>
+              <a:t>2023/5/6</a:t>
             </a:fld>
             <a:endParaRPr lang="zh-TW" altLang="en-US"/>
           </a:p>
@@ -819,7 +819,7 @@
           <a:p>
             <a:fld id="{BA904DDF-39DD-4960-8B76-805686751F1E}" type="datetimeFigureOut">
               <a:rPr lang="zh-TW" altLang="en-US" smtClean="0"/>
-              <a:t>2022/8/20</a:t>
+              <a:t>2023/5/6</a:t>
             </a:fld>
             <a:endParaRPr lang="zh-TW" altLang="en-US"/>
           </a:p>
@@ -1060,7 +1060,7 @@
           <a:p>
             <a:fld id="{BA904DDF-39DD-4960-8B76-805686751F1E}" type="datetimeFigureOut">
               <a:rPr lang="zh-TW" altLang="en-US" smtClean="0"/>
-              <a:t>2022/8/20</a:t>
+              <a:t>2023/5/6</a:t>
             </a:fld>
             <a:endParaRPr lang="zh-TW" altLang="en-US"/>
           </a:p>
@@ -1343,7 +1343,7 @@
           <a:p>
             <a:fld id="{BA904DDF-39DD-4960-8B76-805686751F1E}" type="datetimeFigureOut">
               <a:rPr lang="zh-TW" altLang="en-US" smtClean="0"/>
-              <a:t>2022/8/20</a:t>
+              <a:t>2023/5/6</a:t>
             </a:fld>
             <a:endParaRPr lang="zh-TW" altLang="en-US"/>
           </a:p>
@@ -1760,7 +1760,7 @@
           <a:p>
             <a:fld id="{BA904DDF-39DD-4960-8B76-805686751F1E}" type="datetimeFigureOut">
               <a:rPr lang="zh-TW" altLang="en-US" smtClean="0"/>
-              <a:t>2022/8/20</a:t>
+              <a:t>2023/5/6</a:t>
             </a:fld>
             <a:endParaRPr lang="zh-TW" altLang="en-US"/>
           </a:p>
@@ -1873,7 +1873,7 @@
           <a:p>
             <a:fld id="{BA904DDF-39DD-4960-8B76-805686751F1E}" type="datetimeFigureOut">
               <a:rPr lang="zh-TW" altLang="en-US" smtClean="0"/>
-              <a:t>2022/8/20</a:t>
+              <a:t>2023/5/6</a:t>
             </a:fld>
             <a:endParaRPr lang="zh-TW" altLang="en-US"/>
           </a:p>
@@ -1963,7 +1963,7 @@
           <a:p>
             <a:fld id="{BA904DDF-39DD-4960-8B76-805686751F1E}" type="datetimeFigureOut">
               <a:rPr lang="zh-TW" altLang="en-US" smtClean="0"/>
-              <a:t>2022/8/20</a:t>
+              <a:t>2023/5/6</a:t>
             </a:fld>
             <a:endParaRPr lang="zh-TW" altLang="en-US"/>
           </a:p>
@@ -2235,7 +2235,7 @@
           <a:p>
             <a:fld id="{BA904DDF-39DD-4960-8B76-805686751F1E}" type="datetimeFigureOut">
               <a:rPr lang="zh-TW" altLang="en-US" smtClean="0"/>
-              <a:t>2022/8/20</a:t>
+              <a:t>2023/5/6</a:t>
             </a:fld>
             <a:endParaRPr lang="zh-TW" altLang="en-US"/>
           </a:p>
@@ -2487,7 +2487,7 @@
           <a:p>
             <a:fld id="{BA904DDF-39DD-4960-8B76-805686751F1E}" type="datetimeFigureOut">
               <a:rPr lang="zh-TW" altLang="en-US" smtClean="0"/>
-              <a:t>2022/8/20</a:t>
+              <a:t>2023/5/6</a:t>
             </a:fld>
             <a:endParaRPr lang="zh-TW" altLang="en-US"/>
           </a:p>
@@ -2700,7 +2700,7 @@
           <a:p>
             <a:fld id="{BA904DDF-39DD-4960-8B76-805686751F1E}" type="datetimeFigureOut">
               <a:rPr lang="zh-TW" altLang="en-US" smtClean="0"/>
-              <a:t>2022/8/20</a:t>
+              <a:t>2023/5/6</a:t>
             </a:fld>
             <a:endParaRPr lang="zh-TW" altLang="en-US"/>
           </a:p>
@@ -3189,7 +3189,27 @@
                 <a:latin typeface="微軟正黑體" pitchFamily="34" charset="-120"/>
                 <a:ea typeface="微軟正黑體" pitchFamily="34" charset="-120"/>
               </a:rPr>
-              <a:t>我們要歡迎袮來臨</a:t>
+              <a:t>我們要歡</a:t>
+            </a:r>
+            <a:r>
+              <a:rPr lang="zh-CN" altLang="en-US" sz="6400" b="1" dirty="0">
+                <a:solidFill>
+                  <a:srgbClr val="000066"/>
+                </a:solidFill>
+                <a:latin typeface="微軟正黑體" pitchFamily="34" charset="-120"/>
+                <a:ea typeface="微軟正黑體" pitchFamily="34" charset="-120"/>
+              </a:rPr>
+              <a:t>迎祢來</a:t>
+            </a:r>
+            <a:r>
+              <a:rPr lang="zh-CN" altLang="en-US" sz="6400" b="1" dirty="0">
+                <a:solidFill>
+                  <a:srgbClr val="000066"/>
+                </a:solidFill>
+                <a:latin typeface="微軟正黑體" pitchFamily="34" charset="-120"/>
+                <a:ea typeface="微軟正黑體" pitchFamily="34" charset="-120"/>
+              </a:rPr>
+              <a:t>臨</a:t>
             </a:r>
             <a:endParaRPr lang="en-US" altLang="zh-CN" sz="6400" b="1" dirty="0">
               <a:solidFill>
@@ -3211,7 +3231,17 @@
                 <a:latin typeface="微軟正黑體" pitchFamily="34" charset="-120"/>
                 <a:ea typeface="微軟正黑體" pitchFamily="34" charset="-120"/>
               </a:rPr>
-              <a:t>願袮來設立寶座在這裡</a:t>
+              <a:t>願祢來</a:t>
+            </a:r>
+            <a:r>
+              <a:rPr lang="zh-CN" altLang="en-US" sz="6400" b="1" dirty="0">
+                <a:solidFill>
+                  <a:srgbClr val="000066"/>
+                </a:solidFill>
+                <a:latin typeface="微軟正黑體" pitchFamily="34" charset="-120"/>
+                <a:ea typeface="微軟正黑體" pitchFamily="34" charset="-120"/>
+              </a:rPr>
+              <a:t>設立寶座在這裡</a:t>
             </a:r>
             <a:endParaRPr lang="zh-TW" altLang="en-US" sz="6400" b="1" dirty="0">
               <a:solidFill>
@@ -3274,17 +3304,7 @@
                 <a:latin typeface="Microsoft JhengHei" panose="020B0604030504040204" pitchFamily="34" charset="-120"/>
                 <a:ea typeface="Microsoft JhengHei" panose="020B0604030504040204" pitchFamily="34" charset="-120"/>
               </a:rPr>
-              <a:t> </a:t>
-            </a:r>
-            <a:r>
-              <a:rPr lang="en-US" sz="3600" b="1" dirty="0" smtClean="0">
-                <a:solidFill>
-                  <a:srgbClr val="000066"/>
-                </a:solidFill>
-                <a:latin typeface="Microsoft JhengHei" panose="020B0604030504040204" pitchFamily="34" charset="-120"/>
-                <a:ea typeface="Microsoft JhengHei" panose="020B0604030504040204" pitchFamily="34" charset="-120"/>
-              </a:rPr>
-              <a:t>)</a:t>
+              <a:t> )</a:t>
             </a:r>
             <a:endParaRPr lang="vi-VN" sz="3600" b="1" dirty="0">
               <a:solidFill>
@@ -3380,7 +3400,17 @@
                 <a:latin typeface="微軟正黑體" pitchFamily="34" charset="-120"/>
                 <a:ea typeface="微軟正黑體" pitchFamily="34" charset="-120"/>
               </a:rPr>
-              <a:t>不停讚美袮</a:t>
+              <a:t>不停讚</a:t>
+            </a:r>
+            <a:r>
+              <a:rPr lang="zh-CN" altLang="en-US" sz="6400" b="1" dirty="0">
+                <a:solidFill>
+                  <a:srgbClr val="000066"/>
+                </a:solidFill>
+                <a:latin typeface="微軟正黑體" pitchFamily="34" charset="-120"/>
+                <a:ea typeface="微軟正黑體" pitchFamily="34" charset="-120"/>
+              </a:rPr>
+              <a:t>美祢</a:t>
             </a:r>
             <a:endParaRPr lang="zh-TW" altLang="en-US" sz="6400" b="1" dirty="0">
               <a:solidFill>
@@ -3443,17 +3473,7 @@
                 <a:latin typeface="Microsoft JhengHei" panose="020B0604030504040204" pitchFamily="34" charset="-120"/>
                 <a:ea typeface="Microsoft JhengHei" panose="020B0604030504040204" pitchFamily="34" charset="-120"/>
               </a:rPr>
-              <a:t> </a:t>
-            </a:r>
-            <a:r>
-              <a:rPr lang="en-US" sz="3600" b="1" dirty="0" smtClean="0">
-                <a:solidFill>
-                  <a:srgbClr val="000066"/>
-                </a:solidFill>
-                <a:latin typeface="Microsoft JhengHei" panose="020B0604030504040204" pitchFamily="34" charset="-120"/>
-                <a:ea typeface="Microsoft JhengHei" panose="020B0604030504040204" pitchFamily="34" charset="-120"/>
-              </a:rPr>
-              <a:t>)</a:t>
+              <a:t> )</a:t>
             </a:r>
             <a:endParaRPr lang="vi-VN" sz="3600" b="1" dirty="0">
               <a:solidFill>
@@ -3527,7 +3547,17 @@
                 <a:latin typeface="微軟正黑體" pitchFamily="34" charset="-120"/>
                 <a:ea typeface="微軟正黑體" pitchFamily="34" charset="-120"/>
               </a:rPr>
-              <a:t>袮是我喜樂泉源</a:t>
+              <a:t>祢是</a:t>
+            </a:r>
+            <a:r>
+              <a:rPr lang="zh-CN" altLang="en-US" sz="6400" b="1" dirty="0">
+                <a:solidFill>
+                  <a:srgbClr val="000066"/>
+                </a:solidFill>
+                <a:latin typeface="微軟正黑體" pitchFamily="34" charset="-120"/>
+                <a:ea typeface="微軟正黑體" pitchFamily="34" charset="-120"/>
+              </a:rPr>
+              <a:t>我喜樂泉源</a:t>
             </a:r>
             <a:endParaRPr lang="en-US" altLang="zh-CN" sz="6400" b="1" dirty="0">
               <a:solidFill>
@@ -3549,7 +3579,17 @@
                 <a:latin typeface="微軟正黑體" pitchFamily="34" charset="-120"/>
                 <a:ea typeface="微軟正黑體" pitchFamily="34" charset="-120"/>
               </a:rPr>
-              <a:t>袮使我歡欣跳躍</a:t>
+              <a:t>祢使</a:t>
+            </a:r>
+            <a:r>
+              <a:rPr lang="zh-CN" altLang="en-US" sz="6400" b="1" dirty="0">
+                <a:solidFill>
+                  <a:srgbClr val="000066"/>
+                </a:solidFill>
+                <a:latin typeface="微軟正黑體" pitchFamily="34" charset="-120"/>
+                <a:ea typeface="微軟正黑體" pitchFamily="34" charset="-120"/>
+              </a:rPr>
+              <a:t>我歡欣跳躍</a:t>
             </a:r>
             <a:endParaRPr lang="zh-TW" altLang="en-US" sz="6400" b="1" dirty="0">
               <a:solidFill>
@@ -3686,7 +3726,17 @@
                 <a:latin typeface="微軟正黑體" pitchFamily="34" charset="-120"/>
                 <a:ea typeface="微軟正黑體" pitchFamily="34" charset="-120"/>
               </a:rPr>
-              <a:t>袮使我自由飛翔</a:t>
+              <a:t>祢使</a:t>
+            </a:r>
+            <a:r>
+              <a:rPr lang="zh-CN" altLang="en-US" sz="6400" b="1" dirty="0">
+                <a:solidFill>
+                  <a:srgbClr val="000066"/>
+                </a:solidFill>
+                <a:latin typeface="微軟正黑體" pitchFamily="34" charset="-120"/>
+                <a:ea typeface="微軟正黑體" pitchFamily="34" charset="-120"/>
+              </a:rPr>
+              <a:t>我自由飛翔</a:t>
             </a:r>
             <a:endParaRPr lang="en-US" altLang="zh-CN" sz="6400" b="1" dirty="0">
               <a:solidFill>
@@ -3845,7 +3895,17 @@
                 <a:latin typeface="微軟正黑體" pitchFamily="34" charset="-120"/>
                 <a:ea typeface="微軟正黑體" pitchFamily="34" charset="-120"/>
               </a:rPr>
-              <a:t>袮是我永生盼望</a:t>
+              <a:t>祢是</a:t>
+            </a:r>
+            <a:r>
+              <a:rPr lang="zh-CN" altLang="en-US" sz="6400" b="1" dirty="0">
+                <a:solidFill>
+                  <a:srgbClr val="000066"/>
+                </a:solidFill>
+                <a:latin typeface="微軟正黑體" pitchFamily="34" charset="-120"/>
+                <a:ea typeface="微軟正黑體" pitchFamily="34" charset="-120"/>
+              </a:rPr>
+              <a:t>我永生盼望</a:t>
             </a:r>
             <a:endParaRPr lang="en-US" altLang="zh-CN" sz="6400" b="1" dirty="0">
               <a:solidFill>
@@ -3867,7 +3927,17 @@
                 <a:latin typeface="微軟正黑體" pitchFamily="34" charset="-120"/>
                 <a:ea typeface="微軟正黑體" pitchFamily="34" charset="-120"/>
               </a:rPr>
-              <a:t>袮愛有無比力量</a:t>
+              <a:t>祢愛</a:t>
+            </a:r>
+            <a:r>
+              <a:rPr lang="zh-CN" altLang="en-US" sz="6400" b="1" dirty="0">
+                <a:solidFill>
+                  <a:srgbClr val="000066"/>
+                </a:solidFill>
+                <a:latin typeface="微軟正黑體" pitchFamily="34" charset="-120"/>
+                <a:ea typeface="微軟正黑體" pitchFamily="34" charset="-120"/>
+              </a:rPr>
+              <a:t>有無比力量</a:t>
             </a:r>
             <a:endParaRPr lang="zh-TW" altLang="en-US" sz="6400" b="1" dirty="0">
               <a:solidFill>
@@ -4026,7 +4096,17 @@
                 <a:latin typeface="微軟正黑體" pitchFamily="34" charset="-120"/>
                 <a:ea typeface="微軟正黑體" pitchFamily="34" charset="-120"/>
               </a:rPr>
-              <a:t>袮應許不會改變</a:t>
+              <a:t>祢應</a:t>
+            </a:r>
+            <a:r>
+              <a:rPr lang="zh-CN" altLang="en-US" sz="6400" b="1" dirty="0">
+                <a:solidFill>
+                  <a:srgbClr val="000066"/>
+                </a:solidFill>
+                <a:latin typeface="微軟正黑體" pitchFamily="34" charset="-120"/>
+                <a:ea typeface="微軟正黑體" pitchFamily="34" charset="-120"/>
+              </a:rPr>
+              <a:t>許不會改變</a:t>
             </a:r>
             <a:endParaRPr lang="zh-TW" altLang="en-US" sz="6400" b="1" dirty="0">
               <a:solidFill>
@@ -4163,7 +4243,17 @@
                 <a:latin typeface="微軟正黑體" pitchFamily="34" charset="-120"/>
                 <a:ea typeface="微軟正黑體" pitchFamily="34" charset="-120"/>
               </a:rPr>
-              <a:t>袮的寶血</a:t>
+              <a:t>祢的</a:t>
+            </a:r>
+            <a:r>
+              <a:rPr lang="zh-CN" altLang="en-US" sz="6400" b="1" dirty="0">
+                <a:solidFill>
+                  <a:srgbClr val="000066"/>
+                </a:solidFill>
+                <a:latin typeface="微軟正黑體" pitchFamily="34" charset="-120"/>
+                <a:ea typeface="微軟正黑體" pitchFamily="34" charset="-120"/>
+              </a:rPr>
+              <a:t>寶血</a:t>
             </a:r>
             <a:endParaRPr lang="en-US" altLang="zh-CN" sz="6400" b="1" dirty="0">
               <a:solidFill>
@@ -4258,17 +4348,7 @@
                 <a:latin typeface="Microsoft JhengHei" panose="020B0604030504040204" pitchFamily="34" charset="-120"/>
                 <a:ea typeface="Microsoft JhengHei" panose="020B0604030504040204" pitchFamily="34" charset="-120"/>
               </a:rPr>
-              <a:t> </a:t>
-            </a:r>
-            <a:r>
-              <a:rPr lang="en-US" sz="3600" b="1" dirty="0" smtClean="0">
-                <a:solidFill>
-                  <a:srgbClr val="000066"/>
-                </a:solidFill>
-                <a:latin typeface="Microsoft JhengHei" panose="020B0604030504040204" pitchFamily="34" charset="-120"/>
-                <a:ea typeface="Microsoft JhengHei" panose="020B0604030504040204" pitchFamily="34" charset="-120"/>
-              </a:rPr>
-              <a:t>)</a:t>
+              <a:t> )</a:t>
             </a:r>
             <a:endParaRPr lang="vi-VN" sz="3600" b="1" dirty="0">
               <a:solidFill>
@@ -4342,7 +4422,17 @@
                 <a:latin typeface="微軟正黑體" pitchFamily="34" charset="-120"/>
                 <a:ea typeface="微軟正黑體" pitchFamily="34" charset="-120"/>
               </a:rPr>
-              <a:t>袮的復活</a:t>
+              <a:t>祢的</a:t>
+            </a:r>
+            <a:r>
+              <a:rPr lang="zh-CN" altLang="en-US" sz="6400" b="1" dirty="0">
+                <a:solidFill>
+                  <a:srgbClr val="000066"/>
+                </a:solidFill>
+                <a:latin typeface="微軟正黑體" pitchFamily="34" charset="-120"/>
+                <a:ea typeface="微軟正黑體" pitchFamily="34" charset="-120"/>
+              </a:rPr>
+              <a:t>復活</a:t>
             </a:r>
             <a:endParaRPr lang="en-US" altLang="zh-CN" sz="6400" b="1" dirty="0">
               <a:solidFill>
@@ -4437,17 +4527,7 @@
                 <a:latin typeface="Microsoft JhengHei" panose="020B0604030504040204" pitchFamily="34" charset="-120"/>
                 <a:ea typeface="Microsoft JhengHei" panose="020B0604030504040204" pitchFamily="34" charset="-120"/>
               </a:rPr>
-              <a:t> </a:t>
-            </a:r>
-            <a:r>
-              <a:rPr lang="en-US" sz="3600" b="1" dirty="0" smtClean="0">
-                <a:solidFill>
-                  <a:srgbClr val="000066"/>
-                </a:solidFill>
-                <a:latin typeface="Microsoft JhengHei" panose="020B0604030504040204" pitchFamily="34" charset="-120"/>
-                <a:ea typeface="Microsoft JhengHei" panose="020B0604030504040204" pitchFamily="34" charset="-120"/>
-              </a:rPr>
-              <a:t>)</a:t>
+              <a:t> )</a:t>
             </a:r>
             <a:endParaRPr lang="vi-VN" sz="3600" b="1" dirty="0">
               <a:solidFill>
@@ -4521,7 +4601,27 @@
                 <a:latin typeface="微軟正黑體" pitchFamily="34" charset="-120"/>
                 <a:ea typeface="微軟正黑體" pitchFamily="34" charset="-120"/>
               </a:rPr>
-              <a:t>我們要高舉袮聖名</a:t>
+              <a:t>我們要高</a:t>
+            </a:r>
+            <a:r>
+              <a:rPr lang="zh-CN" altLang="en-US" sz="6400" b="1" dirty="0">
+                <a:solidFill>
+                  <a:srgbClr val="000066"/>
+                </a:solidFill>
+                <a:latin typeface="微軟正黑體" pitchFamily="34" charset="-120"/>
+                <a:ea typeface="微軟正黑體" pitchFamily="34" charset="-120"/>
+              </a:rPr>
+              <a:t>舉祢聖</a:t>
+            </a:r>
+            <a:r>
+              <a:rPr lang="zh-CN" altLang="en-US" sz="6400" b="1" dirty="0">
+                <a:solidFill>
+                  <a:srgbClr val="000066"/>
+                </a:solidFill>
+                <a:latin typeface="微軟正黑體" pitchFamily="34" charset="-120"/>
+                <a:ea typeface="微軟正黑體" pitchFamily="34" charset="-120"/>
+              </a:rPr>
+              <a:t>名</a:t>
             </a:r>
             <a:endParaRPr lang="en-US" altLang="zh-CN" sz="6400" b="1" dirty="0">
               <a:solidFill>
@@ -4543,7 +4643,17 @@
                 <a:latin typeface="微軟正黑體" pitchFamily="34" charset="-120"/>
                 <a:ea typeface="微軟正黑體" pitchFamily="34" charset="-120"/>
               </a:rPr>
-              <a:t>袮配得所有最大的讚美</a:t>
+              <a:t>祢配</a:t>
+            </a:r>
+            <a:r>
+              <a:rPr lang="zh-CN" altLang="en-US" sz="6400" b="1" dirty="0">
+                <a:solidFill>
+                  <a:srgbClr val="000066"/>
+                </a:solidFill>
+                <a:latin typeface="微軟正黑體" pitchFamily="34" charset="-120"/>
+                <a:ea typeface="微軟正黑體" pitchFamily="34" charset="-120"/>
+              </a:rPr>
+              <a:t>得所有最大的讚美</a:t>
             </a:r>
             <a:endParaRPr lang="zh-TW" altLang="en-US" sz="6400" b="1" dirty="0">
               <a:solidFill>
@@ -4606,17 +4716,7 @@
                 <a:latin typeface="Microsoft JhengHei" panose="020B0604030504040204" pitchFamily="34" charset="-120"/>
                 <a:ea typeface="Microsoft JhengHei" panose="020B0604030504040204" pitchFamily="34" charset="-120"/>
               </a:rPr>
-              <a:t> </a:t>
-            </a:r>
-            <a:r>
-              <a:rPr lang="en-US" sz="3600" b="1" dirty="0" smtClean="0">
-                <a:solidFill>
-                  <a:srgbClr val="000066"/>
-                </a:solidFill>
-                <a:latin typeface="Microsoft JhengHei" panose="020B0604030504040204" pitchFamily="34" charset="-120"/>
-                <a:ea typeface="Microsoft JhengHei" panose="020B0604030504040204" pitchFamily="34" charset="-120"/>
-              </a:rPr>
-              <a:t>)</a:t>
+              <a:t> )</a:t>
             </a:r>
             <a:endParaRPr lang="vi-VN" sz="3600" b="1" dirty="0">
               <a:solidFill>
@@ -4712,7 +4812,17 @@
                 <a:latin typeface="微軟正黑體" pitchFamily="34" charset="-120"/>
                 <a:ea typeface="微軟正黑體" pitchFamily="34" charset="-120"/>
               </a:rPr>
-              <a:t>來敬拜袮</a:t>
+              <a:t>來敬</a:t>
+            </a:r>
+            <a:r>
+              <a:rPr lang="zh-CN" altLang="en-US" sz="6400" b="1" dirty="0">
+                <a:solidFill>
+                  <a:srgbClr val="000066"/>
+                </a:solidFill>
+                <a:latin typeface="微軟正黑體" pitchFamily="34" charset="-120"/>
+                <a:ea typeface="微軟正黑體" pitchFamily="34" charset="-120"/>
+              </a:rPr>
+              <a:t>拜祢</a:t>
             </a:r>
             <a:endParaRPr lang="zh-TW" altLang="en-US" sz="6400" b="1" dirty="0">
               <a:solidFill>
@@ -4775,17 +4885,7 @@
                 <a:latin typeface="Microsoft JhengHei" panose="020B0604030504040204" pitchFamily="34" charset="-120"/>
                 <a:ea typeface="Microsoft JhengHei" panose="020B0604030504040204" pitchFamily="34" charset="-120"/>
               </a:rPr>
-              <a:t> </a:t>
-            </a:r>
-            <a:r>
-              <a:rPr lang="en-US" sz="3600" b="1" dirty="0" smtClean="0">
-                <a:solidFill>
-                  <a:srgbClr val="000066"/>
-                </a:solidFill>
-                <a:latin typeface="Microsoft JhengHei" panose="020B0604030504040204" pitchFamily="34" charset="-120"/>
-                <a:ea typeface="Microsoft JhengHei" panose="020B0604030504040204" pitchFamily="34" charset="-120"/>
-              </a:rPr>
-              <a:t>)</a:t>
+              <a:t> )</a:t>
             </a:r>
             <a:endParaRPr lang="vi-VN" sz="3600" b="1" dirty="0">
               <a:solidFill>

--- a/喜樂泉源(崇拜版).pptx
+++ b/喜樂泉源(崇拜版).pptx
@@ -171,10 +171,9 @@
           <a:lstStyle/>
           <a:p>
             <a:r>
-              <a:rPr lang="zh-TW" altLang="en-US" smtClean="0"/>
+              <a:rPr lang="zh-TW" altLang="en-US"/>
               <a:t>按一下以編輯母片標題樣式</a:t>
             </a:r>
-            <a:endParaRPr lang="zh-TW" altLang="en-US"/>
           </a:p>
         </p:txBody>
       </p:sp>
@@ -290,10 +289,9 @@
           </a:lstStyle>
           <a:p>
             <a:r>
-              <a:rPr lang="zh-TW" altLang="en-US" smtClean="0"/>
+              <a:rPr lang="zh-TW" altLang="en-US"/>
               <a:t>按一下以編輯母片副標題樣式</a:t>
             </a:r>
-            <a:endParaRPr lang="zh-TW" altLang="en-US"/>
           </a:p>
         </p:txBody>
       </p:sp>
@@ -314,7 +312,7 @@
           <a:p>
             <a:fld id="{BA904DDF-39DD-4960-8B76-805686751F1E}" type="datetimeFigureOut">
               <a:rPr lang="zh-TW" altLang="en-US" smtClean="0"/>
-              <a:t>2023/5/6</a:t>
+              <a:t>2024/2/24</a:t>
             </a:fld>
             <a:endParaRPr lang="zh-TW" altLang="en-US"/>
           </a:p>
@@ -403,10 +401,9 @@
           <a:lstStyle/>
           <a:p>
             <a:r>
-              <a:rPr lang="zh-TW" altLang="en-US" smtClean="0"/>
+              <a:rPr lang="zh-TW" altLang="en-US"/>
               <a:t>按一下以編輯母片標題樣式</a:t>
             </a:r>
-            <a:endParaRPr lang="zh-TW" altLang="en-US"/>
           </a:p>
         </p:txBody>
       </p:sp>
@@ -427,38 +424,37 @@
           <a:p>
             <a:pPr lvl="0"/>
             <a:r>
-              <a:rPr lang="zh-TW" altLang="en-US" smtClean="0"/>
+              <a:rPr lang="zh-TW" altLang="en-US"/>
               <a:t>按一下以編輯母片文字樣式</a:t>
             </a:r>
           </a:p>
           <a:p>
             <a:pPr lvl="1"/>
             <a:r>
-              <a:rPr lang="zh-TW" altLang="en-US" smtClean="0"/>
+              <a:rPr lang="zh-TW" altLang="en-US"/>
               <a:t>第二層</a:t>
             </a:r>
           </a:p>
           <a:p>
             <a:pPr lvl="2"/>
             <a:r>
-              <a:rPr lang="zh-TW" altLang="en-US" smtClean="0"/>
+              <a:rPr lang="zh-TW" altLang="en-US"/>
               <a:t>第三層</a:t>
             </a:r>
           </a:p>
           <a:p>
             <a:pPr lvl="3"/>
             <a:r>
-              <a:rPr lang="zh-TW" altLang="en-US" smtClean="0"/>
+              <a:rPr lang="zh-TW" altLang="en-US"/>
               <a:t>第四層</a:t>
             </a:r>
           </a:p>
           <a:p>
             <a:pPr lvl="4"/>
             <a:r>
-              <a:rPr lang="zh-TW" altLang="en-US" smtClean="0"/>
+              <a:rPr lang="zh-TW" altLang="en-US"/>
               <a:t>第五層</a:t>
             </a:r>
-            <a:endParaRPr lang="zh-TW" altLang="en-US"/>
           </a:p>
         </p:txBody>
       </p:sp>
@@ -479,7 +475,7 @@
           <a:p>
             <a:fld id="{BA904DDF-39DD-4960-8B76-805686751F1E}" type="datetimeFigureOut">
               <a:rPr lang="zh-TW" altLang="en-US" smtClean="0"/>
-              <a:t>2023/5/6</a:t>
+              <a:t>2024/2/24</a:t>
             </a:fld>
             <a:endParaRPr lang="zh-TW" altLang="en-US"/>
           </a:p>
@@ -573,10 +569,9 @@
           <a:lstStyle/>
           <a:p>
             <a:r>
-              <a:rPr lang="zh-TW" altLang="en-US" smtClean="0"/>
+              <a:rPr lang="zh-TW" altLang="en-US"/>
               <a:t>按一下以編輯母片標題樣式</a:t>
             </a:r>
-            <a:endParaRPr lang="zh-TW" altLang="en-US"/>
           </a:p>
         </p:txBody>
       </p:sp>
@@ -602,38 +597,37 @@
           <a:p>
             <a:pPr lvl="0"/>
             <a:r>
-              <a:rPr lang="zh-TW" altLang="en-US" smtClean="0"/>
+              <a:rPr lang="zh-TW" altLang="en-US"/>
               <a:t>按一下以編輯母片文字樣式</a:t>
             </a:r>
           </a:p>
           <a:p>
             <a:pPr lvl="1"/>
             <a:r>
-              <a:rPr lang="zh-TW" altLang="en-US" smtClean="0"/>
+              <a:rPr lang="zh-TW" altLang="en-US"/>
               <a:t>第二層</a:t>
             </a:r>
           </a:p>
           <a:p>
             <a:pPr lvl="2"/>
             <a:r>
-              <a:rPr lang="zh-TW" altLang="en-US" smtClean="0"/>
+              <a:rPr lang="zh-TW" altLang="en-US"/>
               <a:t>第三層</a:t>
             </a:r>
           </a:p>
           <a:p>
             <a:pPr lvl="3"/>
             <a:r>
-              <a:rPr lang="zh-TW" altLang="en-US" smtClean="0"/>
+              <a:rPr lang="zh-TW" altLang="en-US"/>
               <a:t>第四層</a:t>
             </a:r>
           </a:p>
           <a:p>
             <a:pPr lvl="4"/>
             <a:r>
-              <a:rPr lang="zh-TW" altLang="en-US" smtClean="0"/>
+              <a:rPr lang="zh-TW" altLang="en-US"/>
               <a:t>第五層</a:t>
             </a:r>
-            <a:endParaRPr lang="zh-TW" altLang="en-US"/>
           </a:p>
         </p:txBody>
       </p:sp>
@@ -654,7 +648,7 @@
           <a:p>
             <a:fld id="{BA904DDF-39DD-4960-8B76-805686751F1E}" type="datetimeFigureOut">
               <a:rPr lang="zh-TW" altLang="en-US" smtClean="0"/>
-              <a:t>2023/5/6</a:t>
+              <a:t>2024/2/24</a:t>
             </a:fld>
             <a:endParaRPr lang="zh-TW" altLang="en-US"/>
           </a:p>
@@ -743,10 +737,9 @@
           <a:lstStyle/>
           <a:p>
             <a:r>
-              <a:rPr lang="zh-TW" altLang="en-US" smtClean="0"/>
+              <a:rPr lang="zh-TW" altLang="en-US"/>
               <a:t>按一下以編輯母片標題樣式</a:t>
             </a:r>
-            <a:endParaRPr lang="zh-TW" altLang="en-US"/>
           </a:p>
         </p:txBody>
       </p:sp>
@@ -767,38 +760,37 @@
           <a:p>
             <a:pPr lvl="0"/>
             <a:r>
-              <a:rPr lang="zh-TW" altLang="en-US" smtClean="0"/>
+              <a:rPr lang="zh-TW" altLang="en-US"/>
               <a:t>按一下以編輯母片文字樣式</a:t>
             </a:r>
           </a:p>
           <a:p>
             <a:pPr lvl="1"/>
             <a:r>
-              <a:rPr lang="zh-TW" altLang="en-US" smtClean="0"/>
+              <a:rPr lang="zh-TW" altLang="en-US"/>
               <a:t>第二層</a:t>
             </a:r>
           </a:p>
           <a:p>
             <a:pPr lvl="2"/>
             <a:r>
-              <a:rPr lang="zh-TW" altLang="en-US" smtClean="0"/>
+              <a:rPr lang="zh-TW" altLang="en-US"/>
               <a:t>第三層</a:t>
             </a:r>
           </a:p>
           <a:p>
             <a:pPr lvl="3"/>
             <a:r>
-              <a:rPr lang="zh-TW" altLang="en-US" smtClean="0"/>
+              <a:rPr lang="zh-TW" altLang="en-US"/>
               <a:t>第四層</a:t>
             </a:r>
           </a:p>
           <a:p>
             <a:pPr lvl="4"/>
             <a:r>
-              <a:rPr lang="zh-TW" altLang="en-US" smtClean="0"/>
+              <a:rPr lang="zh-TW" altLang="en-US"/>
               <a:t>第五層</a:t>
             </a:r>
-            <a:endParaRPr lang="zh-TW" altLang="en-US"/>
           </a:p>
         </p:txBody>
       </p:sp>
@@ -819,7 +811,7 @@
           <a:p>
             <a:fld id="{BA904DDF-39DD-4960-8B76-805686751F1E}" type="datetimeFigureOut">
               <a:rPr lang="zh-TW" altLang="en-US" smtClean="0"/>
-              <a:t>2023/5/6</a:t>
+              <a:t>2024/2/24</a:t>
             </a:fld>
             <a:endParaRPr lang="zh-TW" altLang="en-US"/>
           </a:p>
@@ -917,10 +909,9 @@
           </a:lstStyle>
           <a:p>
             <a:r>
-              <a:rPr lang="zh-TW" altLang="en-US" smtClean="0"/>
+              <a:rPr lang="zh-TW" altLang="en-US"/>
               <a:t>按一下以編輯母片標題樣式</a:t>
             </a:r>
-            <a:endParaRPr lang="zh-TW" altLang="en-US"/>
           </a:p>
         </p:txBody>
       </p:sp>
@@ -1037,7 +1028,7 @@
           <a:p>
             <a:pPr lvl="0"/>
             <a:r>
-              <a:rPr lang="zh-TW" altLang="en-US" smtClean="0"/>
+              <a:rPr lang="zh-TW" altLang="en-US"/>
               <a:t>按一下以編輯母片文字樣式</a:t>
             </a:r>
           </a:p>
@@ -1060,7 +1051,7 @@
           <a:p>
             <a:fld id="{BA904DDF-39DD-4960-8B76-805686751F1E}" type="datetimeFigureOut">
               <a:rPr lang="zh-TW" altLang="en-US" smtClean="0"/>
-              <a:t>2023/5/6</a:t>
+              <a:t>2024/2/24</a:t>
             </a:fld>
             <a:endParaRPr lang="zh-TW" altLang="en-US"/>
           </a:p>
@@ -1149,10 +1140,9 @@
           <a:lstStyle/>
           <a:p>
             <a:r>
-              <a:rPr lang="zh-TW" altLang="en-US" smtClean="0"/>
+              <a:rPr lang="zh-TW" altLang="en-US"/>
               <a:t>按一下以編輯母片標題樣式</a:t>
             </a:r>
-            <a:endParaRPr lang="zh-TW" altLang="en-US"/>
           </a:p>
         </p:txBody>
       </p:sp>
@@ -1206,38 +1196,37 @@
           <a:p>
             <a:pPr lvl="0"/>
             <a:r>
-              <a:rPr lang="zh-TW" altLang="en-US" smtClean="0"/>
+              <a:rPr lang="zh-TW" altLang="en-US"/>
               <a:t>按一下以編輯母片文字樣式</a:t>
             </a:r>
           </a:p>
           <a:p>
             <a:pPr lvl="1"/>
             <a:r>
-              <a:rPr lang="zh-TW" altLang="en-US" smtClean="0"/>
+              <a:rPr lang="zh-TW" altLang="en-US"/>
               <a:t>第二層</a:t>
             </a:r>
           </a:p>
           <a:p>
             <a:pPr lvl="2"/>
             <a:r>
-              <a:rPr lang="zh-TW" altLang="en-US" smtClean="0"/>
+              <a:rPr lang="zh-TW" altLang="en-US"/>
               <a:t>第三層</a:t>
             </a:r>
           </a:p>
           <a:p>
             <a:pPr lvl="3"/>
             <a:r>
-              <a:rPr lang="zh-TW" altLang="en-US" smtClean="0"/>
+              <a:rPr lang="zh-TW" altLang="en-US"/>
               <a:t>第四層</a:t>
             </a:r>
           </a:p>
           <a:p>
             <a:pPr lvl="4"/>
             <a:r>
-              <a:rPr lang="zh-TW" altLang="en-US" smtClean="0"/>
+              <a:rPr lang="zh-TW" altLang="en-US"/>
               <a:t>第五層</a:t>
             </a:r>
-            <a:endParaRPr lang="zh-TW" altLang="en-US"/>
           </a:p>
         </p:txBody>
       </p:sp>
@@ -1291,38 +1280,37 @@
           <a:p>
             <a:pPr lvl="0"/>
             <a:r>
-              <a:rPr lang="zh-TW" altLang="en-US" smtClean="0"/>
+              <a:rPr lang="zh-TW" altLang="en-US"/>
               <a:t>按一下以編輯母片文字樣式</a:t>
             </a:r>
           </a:p>
           <a:p>
             <a:pPr lvl="1"/>
             <a:r>
-              <a:rPr lang="zh-TW" altLang="en-US" smtClean="0"/>
+              <a:rPr lang="zh-TW" altLang="en-US"/>
               <a:t>第二層</a:t>
             </a:r>
           </a:p>
           <a:p>
             <a:pPr lvl="2"/>
             <a:r>
-              <a:rPr lang="zh-TW" altLang="en-US" smtClean="0"/>
+              <a:rPr lang="zh-TW" altLang="en-US"/>
               <a:t>第三層</a:t>
             </a:r>
           </a:p>
           <a:p>
             <a:pPr lvl="3"/>
             <a:r>
-              <a:rPr lang="zh-TW" altLang="en-US" smtClean="0"/>
+              <a:rPr lang="zh-TW" altLang="en-US"/>
               <a:t>第四層</a:t>
             </a:r>
           </a:p>
           <a:p>
             <a:pPr lvl="4"/>
             <a:r>
-              <a:rPr lang="zh-TW" altLang="en-US" smtClean="0"/>
+              <a:rPr lang="zh-TW" altLang="en-US"/>
               <a:t>第五層</a:t>
             </a:r>
-            <a:endParaRPr lang="zh-TW" altLang="en-US"/>
           </a:p>
         </p:txBody>
       </p:sp>
@@ -1343,7 +1331,7 @@
           <a:p>
             <a:fld id="{BA904DDF-39DD-4960-8B76-805686751F1E}" type="datetimeFigureOut">
               <a:rPr lang="zh-TW" altLang="en-US" smtClean="0"/>
-              <a:t>2023/5/6</a:t>
+              <a:t>2024/2/24</a:t>
             </a:fld>
             <a:endParaRPr lang="zh-TW" altLang="en-US"/>
           </a:p>
@@ -1436,10 +1424,9 @@
           </a:lstStyle>
           <a:p>
             <a:r>
-              <a:rPr lang="zh-TW" altLang="en-US" smtClean="0"/>
+              <a:rPr lang="zh-TW" altLang="en-US"/>
               <a:t>按一下以編輯母片標題樣式</a:t>
             </a:r>
-            <a:endParaRPr lang="zh-TW" altLang="en-US"/>
           </a:p>
         </p:txBody>
       </p:sp>
@@ -1502,7 +1489,7 @@
           <a:p>
             <a:pPr lvl="0"/>
             <a:r>
-              <a:rPr lang="zh-TW" altLang="en-US" smtClean="0"/>
+              <a:rPr lang="zh-TW" altLang="en-US"/>
               <a:t>按一下以編輯母片文字樣式</a:t>
             </a:r>
           </a:p>
@@ -1558,38 +1545,37 @@
           <a:p>
             <a:pPr lvl="0"/>
             <a:r>
-              <a:rPr lang="zh-TW" altLang="en-US" smtClean="0"/>
+              <a:rPr lang="zh-TW" altLang="en-US"/>
               <a:t>按一下以編輯母片文字樣式</a:t>
             </a:r>
           </a:p>
           <a:p>
             <a:pPr lvl="1"/>
             <a:r>
-              <a:rPr lang="zh-TW" altLang="en-US" smtClean="0"/>
+              <a:rPr lang="zh-TW" altLang="en-US"/>
               <a:t>第二層</a:t>
             </a:r>
           </a:p>
           <a:p>
             <a:pPr lvl="2"/>
             <a:r>
-              <a:rPr lang="zh-TW" altLang="en-US" smtClean="0"/>
+              <a:rPr lang="zh-TW" altLang="en-US"/>
               <a:t>第三層</a:t>
             </a:r>
           </a:p>
           <a:p>
             <a:pPr lvl="3"/>
             <a:r>
-              <a:rPr lang="zh-TW" altLang="en-US" smtClean="0"/>
+              <a:rPr lang="zh-TW" altLang="en-US"/>
               <a:t>第四層</a:t>
             </a:r>
           </a:p>
           <a:p>
             <a:pPr lvl="4"/>
             <a:r>
-              <a:rPr lang="zh-TW" altLang="en-US" smtClean="0"/>
+              <a:rPr lang="zh-TW" altLang="en-US"/>
               <a:t>第五層</a:t>
             </a:r>
-            <a:endParaRPr lang="zh-TW" altLang="en-US"/>
           </a:p>
         </p:txBody>
       </p:sp>
@@ -1652,7 +1638,7 @@
           <a:p>
             <a:pPr lvl="0"/>
             <a:r>
-              <a:rPr lang="zh-TW" altLang="en-US" smtClean="0"/>
+              <a:rPr lang="zh-TW" altLang="en-US"/>
               <a:t>按一下以編輯母片文字樣式</a:t>
             </a:r>
           </a:p>
@@ -1708,38 +1694,37 @@
           <a:p>
             <a:pPr lvl="0"/>
             <a:r>
-              <a:rPr lang="zh-TW" altLang="en-US" smtClean="0"/>
+              <a:rPr lang="zh-TW" altLang="en-US"/>
               <a:t>按一下以編輯母片文字樣式</a:t>
             </a:r>
           </a:p>
           <a:p>
             <a:pPr lvl="1"/>
             <a:r>
-              <a:rPr lang="zh-TW" altLang="en-US" smtClean="0"/>
+              <a:rPr lang="zh-TW" altLang="en-US"/>
               <a:t>第二層</a:t>
             </a:r>
           </a:p>
           <a:p>
             <a:pPr lvl="2"/>
             <a:r>
-              <a:rPr lang="zh-TW" altLang="en-US" smtClean="0"/>
+              <a:rPr lang="zh-TW" altLang="en-US"/>
               <a:t>第三層</a:t>
             </a:r>
           </a:p>
           <a:p>
             <a:pPr lvl="3"/>
             <a:r>
-              <a:rPr lang="zh-TW" altLang="en-US" smtClean="0"/>
+              <a:rPr lang="zh-TW" altLang="en-US"/>
               <a:t>第四層</a:t>
             </a:r>
           </a:p>
           <a:p>
             <a:pPr lvl="4"/>
             <a:r>
-              <a:rPr lang="zh-TW" altLang="en-US" smtClean="0"/>
+              <a:rPr lang="zh-TW" altLang="en-US"/>
               <a:t>第五層</a:t>
             </a:r>
-            <a:endParaRPr lang="zh-TW" altLang="en-US"/>
           </a:p>
         </p:txBody>
       </p:sp>
@@ -1760,7 +1745,7 @@
           <a:p>
             <a:fld id="{BA904DDF-39DD-4960-8B76-805686751F1E}" type="datetimeFigureOut">
               <a:rPr lang="zh-TW" altLang="en-US" smtClean="0"/>
-              <a:t>2023/5/6</a:t>
+              <a:t>2024/2/24</a:t>
             </a:fld>
             <a:endParaRPr lang="zh-TW" altLang="en-US"/>
           </a:p>
@@ -1849,10 +1834,9 @@
           <a:lstStyle/>
           <a:p>
             <a:r>
-              <a:rPr lang="zh-TW" altLang="en-US" smtClean="0"/>
+              <a:rPr lang="zh-TW" altLang="en-US"/>
               <a:t>按一下以編輯母片標題樣式</a:t>
             </a:r>
-            <a:endParaRPr lang="zh-TW" altLang="en-US"/>
           </a:p>
         </p:txBody>
       </p:sp>
@@ -1873,7 +1857,7 @@
           <a:p>
             <a:fld id="{BA904DDF-39DD-4960-8B76-805686751F1E}" type="datetimeFigureOut">
               <a:rPr lang="zh-TW" altLang="en-US" smtClean="0"/>
-              <a:t>2023/5/6</a:t>
+              <a:t>2024/2/24</a:t>
             </a:fld>
             <a:endParaRPr lang="zh-TW" altLang="en-US"/>
           </a:p>
@@ -1963,7 +1947,7 @@
           <a:p>
             <a:fld id="{BA904DDF-39DD-4960-8B76-805686751F1E}" type="datetimeFigureOut">
               <a:rPr lang="zh-TW" altLang="en-US" smtClean="0"/>
-              <a:t>2023/5/6</a:t>
+              <a:t>2024/2/24</a:t>
             </a:fld>
             <a:endParaRPr lang="zh-TW" altLang="en-US"/>
           </a:p>
@@ -2061,10 +2045,9 @@
           </a:lstStyle>
           <a:p>
             <a:r>
-              <a:rPr lang="zh-TW" altLang="en-US" smtClean="0"/>
+              <a:rPr lang="zh-TW" altLang="en-US"/>
               <a:t>按一下以編輯母片標題樣式</a:t>
             </a:r>
-            <a:endParaRPr lang="zh-TW" altLang="en-US"/>
           </a:p>
         </p:txBody>
       </p:sp>
@@ -2118,38 +2101,37 @@
           <a:p>
             <a:pPr lvl="0"/>
             <a:r>
-              <a:rPr lang="zh-TW" altLang="en-US" smtClean="0"/>
+              <a:rPr lang="zh-TW" altLang="en-US"/>
               <a:t>按一下以編輯母片文字樣式</a:t>
             </a:r>
           </a:p>
           <a:p>
             <a:pPr lvl="1"/>
             <a:r>
-              <a:rPr lang="zh-TW" altLang="en-US" smtClean="0"/>
+              <a:rPr lang="zh-TW" altLang="en-US"/>
               <a:t>第二層</a:t>
             </a:r>
           </a:p>
           <a:p>
             <a:pPr lvl="2"/>
             <a:r>
-              <a:rPr lang="zh-TW" altLang="en-US" smtClean="0"/>
+              <a:rPr lang="zh-TW" altLang="en-US"/>
               <a:t>第三層</a:t>
             </a:r>
           </a:p>
           <a:p>
             <a:pPr lvl="3"/>
             <a:r>
-              <a:rPr lang="zh-TW" altLang="en-US" smtClean="0"/>
+              <a:rPr lang="zh-TW" altLang="en-US"/>
               <a:t>第四層</a:t>
             </a:r>
           </a:p>
           <a:p>
             <a:pPr lvl="4"/>
             <a:r>
-              <a:rPr lang="zh-TW" altLang="en-US" smtClean="0"/>
+              <a:rPr lang="zh-TW" altLang="en-US"/>
               <a:t>第五層</a:t>
             </a:r>
-            <a:endParaRPr lang="zh-TW" altLang="en-US"/>
           </a:p>
         </p:txBody>
       </p:sp>
@@ -2212,7 +2194,7 @@
           <a:p>
             <a:pPr lvl="0"/>
             <a:r>
-              <a:rPr lang="zh-TW" altLang="en-US" smtClean="0"/>
+              <a:rPr lang="zh-TW" altLang="en-US"/>
               <a:t>按一下以編輯母片文字樣式</a:t>
             </a:r>
           </a:p>
@@ -2235,7 +2217,7 @@
           <a:p>
             <a:fld id="{BA904DDF-39DD-4960-8B76-805686751F1E}" type="datetimeFigureOut">
               <a:rPr lang="zh-TW" altLang="en-US" smtClean="0"/>
-              <a:t>2023/5/6</a:t>
+              <a:t>2024/2/24</a:t>
             </a:fld>
             <a:endParaRPr lang="zh-TW" altLang="en-US"/>
           </a:p>
@@ -2333,10 +2315,9 @@
           </a:lstStyle>
           <a:p>
             <a:r>
-              <a:rPr lang="zh-TW" altLang="en-US" smtClean="0"/>
+              <a:rPr lang="zh-TW" altLang="en-US"/>
               <a:t>按一下以編輯母片標題樣式</a:t>
             </a:r>
-            <a:endParaRPr lang="zh-TW" altLang="en-US"/>
           </a:p>
         </p:txBody>
       </p:sp>
@@ -2398,10 +2379,9 @@
           </a:lstStyle>
           <a:p>
             <a:r>
-              <a:rPr lang="zh-TW" altLang="en-US" smtClean="0"/>
+              <a:rPr lang="zh-TW" altLang="en-US"/>
               <a:t>按一下圖示以新增圖片</a:t>
             </a:r>
-            <a:endParaRPr lang="zh-TW" altLang="en-US"/>
           </a:p>
         </p:txBody>
       </p:sp>
@@ -2464,7 +2444,7 @@
           <a:p>
             <a:pPr lvl="0"/>
             <a:r>
-              <a:rPr lang="zh-TW" altLang="en-US" smtClean="0"/>
+              <a:rPr lang="zh-TW" altLang="en-US"/>
               <a:t>按一下以編輯母片文字樣式</a:t>
             </a:r>
           </a:p>
@@ -2487,7 +2467,7 @@
           <a:p>
             <a:fld id="{BA904DDF-39DD-4960-8B76-805686751F1E}" type="datetimeFigureOut">
               <a:rPr lang="zh-TW" altLang="en-US" smtClean="0"/>
-              <a:t>2023/5/6</a:t>
+              <a:t>2024/2/24</a:t>
             </a:fld>
             <a:endParaRPr lang="zh-TW" altLang="en-US"/>
           </a:p>
@@ -2596,10 +2576,9 @@
           <a:lstStyle/>
           <a:p>
             <a:r>
-              <a:rPr lang="zh-TW" altLang="en-US" smtClean="0"/>
+              <a:rPr lang="zh-TW" altLang="en-US"/>
               <a:t>按一下以編輯母片標題樣式</a:t>
             </a:r>
-            <a:endParaRPr lang="zh-TW" altLang="en-US"/>
           </a:p>
         </p:txBody>
       </p:sp>
@@ -2630,38 +2609,37 @@
           <a:p>
             <a:pPr lvl="0"/>
             <a:r>
-              <a:rPr lang="zh-TW" altLang="en-US" smtClean="0"/>
+              <a:rPr lang="zh-TW" altLang="en-US"/>
               <a:t>按一下以編輯母片文字樣式</a:t>
             </a:r>
           </a:p>
           <a:p>
             <a:pPr lvl="1"/>
             <a:r>
-              <a:rPr lang="zh-TW" altLang="en-US" smtClean="0"/>
+              <a:rPr lang="zh-TW" altLang="en-US"/>
               <a:t>第二層</a:t>
             </a:r>
           </a:p>
           <a:p>
             <a:pPr lvl="2"/>
             <a:r>
-              <a:rPr lang="zh-TW" altLang="en-US" smtClean="0"/>
+              <a:rPr lang="zh-TW" altLang="en-US"/>
               <a:t>第三層</a:t>
             </a:r>
           </a:p>
           <a:p>
             <a:pPr lvl="3"/>
             <a:r>
-              <a:rPr lang="zh-TW" altLang="en-US" smtClean="0"/>
+              <a:rPr lang="zh-TW" altLang="en-US"/>
               <a:t>第四層</a:t>
             </a:r>
           </a:p>
           <a:p>
             <a:pPr lvl="4"/>
             <a:r>
-              <a:rPr lang="zh-TW" altLang="en-US" smtClean="0"/>
+              <a:rPr lang="zh-TW" altLang="en-US"/>
               <a:t>第五層</a:t>
             </a:r>
-            <a:endParaRPr lang="zh-TW" altLang="en-US"/>
           </a:p>
         </p:txBody>
       </p:sp>
@@ -2700,7 +2678,7 @@
           <a:p>
             <a:fld id="{BA904DDF-39DD-4960-8B76-805686751F1E}" type="datetimeFigureOut">
               <a:rPr lang="zh-TW" altLang="en-US" smtClean="0"/>
-              <a:t>2023/5/6</a:t>
+              <a:t>2024/2/24</a:t>
             </a:fld>
             <a:endParaRPr lang="zh-TW" altLang="en-US"/>
           </a:p>
@@ -3189,27 +3167,7 @@
                 <a:latin typeface="微軟正黑體" pitchFamily="34" charset="-120"/>
                 <a:ea typeface="微軟正黑體" pitchFamily="34" charset="-120"/>
               </a:rPr>
-              <a:t>我們要歡</a:t>
-            </a:r>
-            <a:r>
-              <a:rPr lang="zh-CN" altLang="en-US" sz="6400" b="1" dirty="0">
-                <a:solidFill>
-                  <a:srgbClr val="000066"/>
-                </a:solidFill>
-                <a:latin typeface="微軟正黑體" pitchFamily="34" charset="-120"/>
-                <a:ea typeface="微軟正黑體" pitchFamily="34" charset="-120"/>
-              </a:rPr>
-              <a:t>迎祢來</a:t>
-            </a:r>
-            <a:r>
-              <a:rPr lang="zh-CN" altLang="en-US" sz="6400" b="1" dirty="0">
-                <a:solidFill>
-                  <a:srgbClr val="000066"/>
-                </a:solidFill>
-                <a:latin typeface="微軟正黑體" pitchFamily="34" charset="-120"/>
-                <a:ea typeface="微軟正黑體" pitchFamily="34" charset="-120"/>
-              </a:rPr>
-              <a:t>臨</a:t>
+              <a:t>我們要歡迎祢來臨</a:t>
             </a:r>
             <a:endParaRPr lang="en-US" altLang="zh-CN" sz="6400" b="1" dirty="0">
               <a:solidFill>
@@ -3231,17 +3189,7 @@
                 <a:latin typeface="微軟正黑體" pitchFamily="34" charset="-120"/>
                 <a:ea typeface="微軟正黑體" pitchFamily="34" charset="-120"/>
               </a:rPr>
-              <a:t>願祢來</a:t>
-            </a:r>
-            <a:r>
-              <a:rPr lang="zh-CN" altLang="en-US" sz="6400" b="1" dirty="0">
-                <a:solidFill>
-                  <a:srgbClr val="000066"/>
-                </a:solidFill>
-                <a:latin typeface="微軟正黑體" pitchFamily="34" charset="-120"/>
-                <a:ea typeface="微軟正黑體" pitchFamily="34" charset="-120"/>
-              </a:rPr>
-              <a:t>設立寶座在這裡</a:t>
+              <a:t>願祢來設立寶座在這裡</a:t>
             </a:r>
             <a:endParaRPr lang="zh-TW" altLang="en-US" sz="6400" b="1" dirty="0">
               <a:solidFill>
@@ -3277,7 +3225,7 @@
           <a:p>
             <a:pPr algn="ctr"/>
             <a:r>
-              <a:rPr lang="en-US" sz="3600" b="1" dirty="0" smtClean="0">
+              <a:rPr lang="en-US" sz="3600" b="1" dirty="0">
                 <a:solidFill>
                   <a:srgbClr val="000066"/>
                 </a:solidFill>
@@ -3287,17 +3235,17 @@
               <a:t>( </a:t>
             </a:r>
             <a:r>
-              <a:rPr lang="zh-CN" altLang="en-US" sz="3600" b="1" dirty="0" smtClean="0">
+              <a:rPr lang="zh-CN" altLang="en-US" sz="3600" b="1" dirty="0">
                 <a:solidFill>
                   <a:srgbClr val="000066"/>
                 </a:solidFill>
                 <a:latin typeface="Microsoft JhengHei" panose="020B0604030504040204" pitchFamily="34" charset="-120"/>
                 <a:ea typeface="Microsoft JhengHei" panose="020B0604030504040204" pitchFamily="34" charset="-120"/>
               </a:rPr>
-              <a:t>副</a:t>
-            </a:r>
-            <a:r>
-              <a:rPr lang="en-US" sz="3600" b="1" dirty="0" smtClean="0">
+              <a:t>副歌</a:t>
+            </a:r>
+            <a:r>
+              <a:rPr lang="en-US" sz="3600" b="1" dirty="0">
                 <a:solidFill>
                   <a:srgbClr val="000066"/>
                 </a:solidFill>
@@ -3400,17 +3348,7 @@
                 <a:latin typeface="微軟正黑體" pitchFamily="34" charset="-120"/>
                 <a:ea typeface="微軟正黑體" pitchFamily="34" charset="-120"/>
               </a:rPr>
-              <a:t>不停讚</a:t>
-            </a:r>
-            <a:r>
-              <a:rPr lang="zh-CN" altLang="en-US" sz="6400" b="1" dirty="0">
-                <a:solidFill>
-                  <a:srgbClr val="000066"/>
-                </a:solidFill>
-                <a:latin typeface="微軟正黑體" pitchFamily="34" charset="-120"/>
-                <a:ea typeface="微軟正黑體" pitchFamily="34" charset="-120"/>
-              </a:rPr>
-              <a:t>美祢</a:t>
+              <a:t>不停讚美祢</a:t>
             </a:r>
             <a:endParaRPr lang="zh-TW" altLang="en-US" sz="6400" b="1" dirty="0">
               <a:solidFill>
@@ -3446,7 +3384,7 @@
           <a:p>
             <a:pPr algn="ctr"/>
             <a:r>
-              <a:rPr lang="en-US" sz="3600" b="1" dirty="0" smtClean="0">
+              <a:rPr lang="en-US" sz="3600" b="1" dirty="0">
                 <a:solidFill>
                   <a:srgbClr val="000066"/>
                 </a:solidFill>
@@ -3456,17 +3394,17 @@
               <a:t>( </a:t>
             </a:r>
             <a:r>
-              <a:rPr lang="zh-CN" altLang="en-US" sz="3600" b="1" dirty="0" smtClean="0">
+              <a:rPr lang="zh-CN" altLang="en-US" sz="3600" b="1" dirty="0">
                 <a:solidFill>
                   <a:srgbClr val="000066"/>
                 </a:solidFill>
                 <a:latin typeface="Microsoft JhengHei" panose="020B0604030504040204" pitchFamily="34" charset="-120"/>
                 <a:ea typeface="Microsoft JhengHei" panose="020B0604030504040204" pitchFamily="34" charset="-120"/>
               </a:rPr>
-              <a:t>副</a:t>
-            </a:r>
-            <a:r>
-              <a:rPr lang="en-US" sz="3600" b="1" dirty="0" smtClean="0">
+              <a:t>副歌</a:t>
+            </a:r>
+            <a:r>
+              <a:rPr lang="en-US" sz="3600" b="1" dirty="0">
                 <a:solidFill>
                   <a:srgbClr val="000066"/>
                 </a:solidFill>
@@ -3547,17 +3485,7 @@
                 <a:latin typeface="微軟正黑體" pitchFamily="34" charset="-120"/>
                 <a:ea typeface="微軟正黑體" pitchFamily="34" charset="-120"/>
               </a:rPr>
-              <a:t>祢是</a:t>
-            </a:r>
-            <a:r>
-              <a:rPr lang="zh-CN" altLang="en-US" sz="6400" b="1" dirty="0">
-                <a:solidFill>
-                  <a:srgbClr val="000066"/>
-                </a:solidFill>
-                <a:latin typeface="微軟正黑體" pitchFamily="34" charset="-120"/>
-                <a:ea typeface="微軟正黑體" pitchFamily="34" charset="-120"/>
-              </a:rPr>
-              <a:t>我喜樂泉源</a:t>
+              <a:t>祢是我喜樂泉源</a:t>
             </a:r>
             <a:endParaRPr lang="en-US" altLang="zh-CN" sz="6400" b="1" dirty="0">
               <a:solidFill>
@@ -3579,17 +3507,7 @@
                 <a:latin typeface="微軟正黑體" pitchFamily="34" charset="-120"/>
                 <a:ea typeface="微軟正黑體" pitchFamily="34" charset="-120"/>
               </a:rPr>
-              <a:t>祢使</a:t>
-            </a:r>
-            <a:r>
-              <a:rPr lang="zh-CN" altLang="en-US" sz="6400" b="1" dirty="0">
-                <a:solidFill>
-                  <a:srgbClr val="000066"/>
-                </a:solidFill>
-                <a:latin typeface="微軟正黑體" pitchFamily="34" charset="-120"/>
-                <a:ea typeface="微軟正黑體" pitchFamily="34" charset="-120"/>
-              </a:rPr>
-              <a:t>我歡欣跳躍</a:t>
+              <a:t>祢使我歡欣跳躍</a:t>
             </a:r>
             <a:endParaRPr lang="zh-TW" altLang="en-US" sz="6400" b="1" dirty="0">
               <a:solidFill>
@@ -3625,7 +3543,7 @@
           <a:p>
             <a:pPr algn="ctr"/>
             <a:r>
-              <a:rPr lang="en-US" sz="3600" b="1" dirty="0" smtClean="0">
+              <a:rPr lang="en-US" sz="3600" b="1" dirty="0">
                 <a:solidFill>
                   <a:srgbClr val="000066"/>
                 </a:solidFill>
@@ -3635,17 +3553,17 @@
               <a:t>( </a:t>
             </a:r>
             <a:r>
-              <a:rPr lang="zh-CN" altLang="en-US" sz="3600" b="1" dirty="0" smtClean="0">
+              <a:rPr lang="zh-CN" altLang="en-US" sz="3600" b="1" dirty="0">
                 <a:solidFill>
                   <a:srgbClr val="000066"/>
                 </a:solidFill>
                 <a:latin typeface="Microsoft JhengHei" panose="020B0604030504040204" pitchFamily="34" charset="-120"/>
                 <a:ea typeface="Microsoft JhengHei" panose="020B0604030504040204" pitchFamily="34" charset="-120"/>
               </a:rPr>
-              <a:t>正</a:t>
-            </a:r>
-            <a:r>
-              <a:rPr lang="en-US" sz="3600" b="1" dirty="0" smtClean="0">
+              <a:t>正歌</a:t>
+            </a:r>
+            <a:r>
+              <a:rPr lang="en-US" sz="3600" b="1" dirty="0">
                 <a:solidFill>
                   <a:srgbClr val="000066"/>
                 </a:solidFill>
@@ -3726,17 +3644,7 @@
                 <a:latin typeface="微軟正黑體" pitchFamily="34" charset="-120"/>
                 <a:ea typeface="微軟正黑體" pitchFamily="34" charset="-120"/>
               </a:rPr>
-              <a:t>祢使</a:t>
-            </a:r>
-            <a:r>
-              <a:rPr lang="zh-CN" altLang="en-US" sz="6400" b="1" dirty="0">
-                <a:solidFill>
-                  <a:srgbClr val="000066"/>
-                </a:solidFill>
-                <a:latin typeface="微軟正黑體" pitchFamily="34" charset="-120"/>
-                <a:ea typeface="微軟正黑體" pitchFamily="34" charset="-120"/>
-              </a:rPr>
-              <a:t>我自由飛翔</a:t>
+              <a:t>祢使我自由飛翔</a:t>
             </a:r>
             <a:endParaRPr lang="en-US" altLang="zh-CN" sz="6400" b="1" dirty="0">
               <a:solidFill>
@@ -3794,7 +3702,7 @@
           <a:p>
             <a:pPr algn="ctr"/>
             <a:r>
-              <a:rPr lang="en-US" sz="3600" b="1" dirty="0" smtClean="0">
+              <a:rPr lang="en-US" sz="3600" b="1" dirty="0">
                 <a:solidFill>
                   <a:srgbClr val="000066"/>
                 </a:solidFill>
@@ -3804,17 +3712,17 @@
               <a:t>( </a:t>
             </a:r>
             <a:r>
-              <a:rPr lang="zh-CN" altLang="en-US" sz="3600" b="1" dirty="0" smtClean="0">
+              <a:rPr lang="zh-CN" altLang="en-US" sz="3600" b="1" dirty="0">
                 <a:solidFill>
                   <a:srgbClr val="000066"/>
                 </a:solidFill>
                 <a:latin typeface="Microsoft JhengHei" panose="020B0604030504040204" pitchFamily="34" charset="-120"/>
                 <a:ea typeface="Microsoft JhengHei" panose="020B0604030504040204" pitchFamily="34" charset="-120"/>
               </a:rPr>
-              <a:t>正</a:t>
-            </a:r>
-            <a:r>
-              <a:rPr lang="en-US" sz="3600" b="1" dirty="0" smtClean="0">
+              <a:t>正歌</a:t>
+            </a:r>
+            <a:r>
+              <a:rPr lang="en-US" sz="3600" b="1" dirty="0">
                 <a:solidFill>
                   <a:srgbClr val="000066"/>
                 </a:solidFill>
@@ -3895,17 +3803,7 @@
                 <a:latin typeface="微軟正黑體" pitchFamily="34" charset="-120"/>
                 <a:ea typeface="微軟正黑體" pitchFamily="34" charset="-120"/>
               </a:rPr>
-              <a:t>祢是</a:t>
-            </a:r>
-            <a:r>
-              <a:rPr lang="zh-CN" altLang="en-US" sz="6400" b="1" dirty="0">
-                <a:solidFill>
-                  <a:srgbClr val="000066"/>
-                </a:solidFill>
-                <a:latin typeface="微軟正黑體" pitchFamily="34" charset="-120"/>
-                <a:ea typeface="微軟正黑體" pitchFamily="34" charset="-120"/>
-              </a:rPr>
-              <a:t>我永生盼望</a:t>
+              <a:t>祢是我永生盼望</a:t>
             </a:r>
             <a:endParaRPr lang="en-US" altLang="zh-CN" sz="6400" b="1" dirty="0">
               <a:solidFill>
@@ -3927,17 +3825,7 @@
                 <a:latin typeface="微軟正黑體" pitchFamily="34" charset="-120"/>
                 <a:ea typeface="微軟正黑體" pitchFamily="34" charset="-120"/>
               </a:rPr>
-              <a:t>祢愛</a:t>
-            </a:r>
-            <a:r>
-              <a:rPr lang="zh-CN" altLang="en-US" sz="6400" b="1" dirty="0">
-                <a:solidFill>
-                  <a:srgbClr val="000066"/>
-                </a:solidFill>
-                <a:latin typeface="微軟正黑體" pitchFamily="34" charset="-120"/>
-                <a:ea typeface="微軟正黑體" pitchFamily="34" charset="-120"/>
-              </a:rPr>
-              <a:t>有無比力量</a:t>
+              <a:t>祢愛有無比力量</a:t>
             </a:r>
             <a:endParaRPr lang="zh-TW" altLang="en-US" sz="6400" b="1" dirty="0">
               <a:solidFill>
@@ -3973,7 +3861,7 @@
           <a:p>
             <a:pPr algn="ctr"/>
             <a:r>
-              <a:rPr lang="en-US" sz="3600" b="1" dirty="0" smtClean="0">
+              <a:rPr lang="en-US" sz="3600" b="1" dirty="0">
                 <a:solidFill>
                   <a:srgbClr val="000066"/>
                 </a:solidFill>
@@ -3983,17 +3871,17 @@
               <a:t>( </a:t>
             </a:r>
             <a:r>
-              <a:rPr lang="zh-CN" altLang="en-US" sz="3600" b="1" dirty="0" smtClean="0">
+              <a:rPr lang="zh-CN" altLang="en-US" sz="3600" b="1" dirty="0">
                 <a:solidFill>
                   <a:srgbClr val="000066"/>
                 </a:solidFill>
                 <a:latin typeface="Microsoft JhengHei" panose="020B0604030504040204" pitchFamily="34" charset="-120"/>
                 <a:ea typeface="Microsoft JhengHei" panose="020B0604030504040204" pitchFamily="34" charset="-120"/>
               </a:rPr>
-              <a:t>正</a:t>
-            </a:r>
-            <a:r>
-              <a:rPr lang="en-US" sz="3600" b="1" dirty="0" smtClean="0">
+              <a:t>正歌</a:t>
+            </a:r>
+            <a:r>
+              <a:rPr lang="en-US" sz="3600" b="1" dirty="0">
                 <a:solidFill>
                   <a:srgbClr val="000066"/>
                 </a:solidFill>
@@ -4096,17 +3984,7 @@
                 <a:latin typeface="微軟正黑體" pitchFamily="34" charset="-120"/>
                 <a:ea typeface="微軟正黑體" pitchFamily="34" charset="-120"/>
               </a:rPr>
-              <a:t>祢應</a:t>
-            </a:r>
-            <a:r>
-              <a:rPr lang="zh-CN" altLang="en-US" sz="6400" b="1" dirty="0">
-                <a:solidFill>
-                  <a:srgbClr val="000066"/>
-                </a:solidFill>
-                <a:latin typeface="微軟正黑體" pitchFamily="34" charset="-120"/>
-                <a:ea typeface="微軟正黑體" pitchFamily="34" charset="-120"/>
-              </a:rPr>
-              <a:t>許不會改變</a:t>
+              <a:t>祢應許不會改變</a:t>
             </a:r>
             <a:endParaRPr lang="zh-TW" altLang="en-US" sz="6400" b="1" dirty="0">
               <a:solidFill>
@@ -4142,7 +4020,7 @@
           <a:p>
             <a:pPr algn="ctr"/>
             <a:r>
-              <a:rPr lang="en-US" sz="3600" b="1" dirty="0" smtClean="0">
+              <a:rPr lang="en-US" sz="3600" b="1" dirty="0">
                 <a:solidFill>
                   <a:srgbClr val="000066"/>
                 </a:solidFill>
@@ -4152,17 +4030,17 @@
               <a:t>( </a:t>
             </a:r>
             <a:r>
-              <a:rPr lang="zh-CN" altLang="en-US" sz="3600" b="1" dirty="0" smtClean="0">
+              <a:rPr lang="zh-CN" altLang="en-US" sz="3600" b="1" dirty="0">
                 <a:solidFill>
                   <a:srgbClr val="000066"/>
                 </a:solidFill>
                 <a:latin typeface="Microsoft JhengHei" panose="020B0604030504040204" pitchFamily="34" charset="-120"/>
                 <a:ea typeface="Microsoft JhengHei" panose="020B0604030504040204" pitchFamily="34" charset="-120"/>
               </a:rPr>
-              <a:t>正</a:t>
-            </a:r>
-            <a:r>
-              <a:rPr lang="en-US" sz="3600" b="1" dirty="0" smtClean="0">
+              <a:t>正歌</a:t>
+            </a:r>
+            <a:r>
+              <a:rPr lang="en-US" sz="3600" b="1" dirty="0">
                 <a:solidFill>
                   <a:srgbClr val="000066"/>
                 </a:solidFill>
@@ -4243,17 +4121,7 @@
                 <a:latin typeface="微軟正黑體" pitchFamily="34" charset="-120"/>
                 <a:ea typeface="微軟正黑體" pitchFamily="34" charset="-120"/>
               </a:rPr>
-              <a:t>祢的</a:t>
-            </a:r>
-            <a:r>
-              <a:rPr lang="zh-CN" altLang="en-US" sz="6400" b="1" dirty="0">
-                <a:solidFill>
-                  <a:srgbClr val="000066"/>
-                </a:solidFill>
-                <a:latin typeface="微軟正黑體" pitchFamily="34" charset="-120"/>
-                <a:ea typeface="微軟正黑體" pitchFamily="34" charset="-120"/>
-              </a:rPr>
-              <a:t>寶血</a:t>
+              <a:t>祢的寶血</a:t>
             </a:r>
             <a:endParaRPr lang="en-US" altLang="zh-CN" sz="6400" b="1" dirty="0">
               <a:solidFill>
@@ -4311,7 +4179,7 @@
           <a:p>
             <a:pPr algn="ctr"/>
             <a:r>
-              <a:rPr lang="en-US" sz="3600" b="1" dirty="0" smtClean="0">
+              <a:rPr lang="en-US" sz="3600" b="1" dirty="0">
                 <a:solidFill>
                   <a:srgbClr val="000066"/>
                 </a:solidFill>
@@ -4321,27 +4189,17 @@
               <a:t>( </a:t>
             </a:r>
             <a:r>
-              <a:rPr lang="zh-CN" altLang="en-US" sz="3600" b="1" dirty="0" smtClean="0">
+              <a:rPr lang="zh-CN" altLang="en-US" sz="3600" b="1" dirty="0">
                 <a:solidFill>
                   <a:srgbClr val="000066"/>
                 </a:solidFill>
                 <a:latin typeface="Microsoft JhengHei" panose="020B0604030504040204" pitchFamily="34" charset="-120"/>
                 <a:ea typeface="Microsoft JhengHei" panose="020B0604030504040204" pitchFamily="34" charset="-120"/>
               </a:rPr>
-              <a:t>前</a:t>
-            </a:r>
-            <a:r>
-              <a:rPr lang="zh-CN" altLang="en-US" sz="3600" b="1" dirty="0">
-                <a:solidFill>
-                  <a:srgbClr val="000066"/>
-                </a:solidFill>
-                <a:latin typeface="Microsoft JhengHei" panose="020B0604030504040204" pitchFamily="34" charset="-120"/>
-                <a:ea typeface="Microsoft JhengHei" panose="020B0604030504040204" pitchFamily="34" charset="-120"/>
-              </a:rPr>
-              <a:t>副</a:t>
-            </a:r>
-            <a:r>
-              <a:rPr lang="en-US" sz="3600" b="1" dirty="0" smtClean="0">
+              <a:t>前副歌</a:t>
+            </a:r>
+            <a:r>
+              <a:rPr lang="en-US" sz="3600" b="1" dirty="0">
                 <a:solidFill>
                   <a:srgbClr val="000066"/>
                 </a:solidFill>
@@ -4422,17 +4280,7 @@
                 <a:latin typeface="微軟正黑體" pitchFamily="34" charset="-120"/>
                 <a:ea typeface="微軟正黑體" pitchFamily="34" charset="-120"/>
               </a:rPr>
-              <a:t>祢的</a:t>
-            </a:r>
-            <a:r>
-              <a:rPr lang="zh-CN" altLang="en-US" sz="6400" b="1" dirty="0">
-                <a:solidFill>
-                  <a:srgbClr val="000066"/>
-                </a:solidFill>
-                <a:latin typeface="微軟正黑體" pitchFamily="34" charset="-120"/>
-                <a:ea typeface="微軟正黑體" pitchFamily="34" charset="-120"/>
-              </a:rPr>
-              <a:t>復活</a:t>
+              <a:t>祢的復活</a:t>
             </a:r>
             <a:endParaRPr lang="en-US" altLang="zh-CN" sz="6400" b="1" dirty="0">
               <a:solidFill>
@@ -4490,7 +4338,7 @@
           <a:p>
             <a:pPr algn="ctr"/>
             <a:r>
-              <a:rPr lang="en-US" sz="3600" b="1" dirty="0" smtClean="0">
+              <a:rPr lang="en-US" sz="3600" b="1" dirty="0">
                 <a:solidFill>
                   <a:srgbClr val="000066"/>
                 </a:solidFill>
@@ -4500,27 +4348,17 @@
               <a:t>( </a:t>
             </a:r>
             <a:r>
-              <a:rPr lang="zh-CN" altLang="en-US" sz="3600" b="1" dirty="0" smtClean="0">
+              <a:rPr lang="zh-CN" altLang="en-US" sz="3600" b="1" dirty="0">
                 <a:solidFill>
                   <a:srgbClr val="000066"/>
                 </a:solidFill>
                 <a:latin typeface="Microsoft JhengHei" panose="020B0604030504040204" pitchFamily="34" charset="-120"/>
                 <a:ea typeface="Microsoft JhengHei" panose="020B0604030504040204" pitchFamily="34" charset="-120"/>
               </a:rPr>
-              <a:t>前</a:t>
-            </a:r>
-            <a:r>
-              <a:rPr lang="zh-CN" altLang="en-US" sz="3600" b="1" dirty="0">
-                <a:solidFill>
-                  <a:srgbClr val="000066"/>
-                </a:solidFill>
-                <a:latin typeface="Microsoft JhengHei" panose="020B0604030504040204" pitchFamily="34" charset="-120"/>
-                <a:ea typeface="Microsoft JhengHei" panose="020B0604030504040204" pitchFamily="34" charset="-120"/>
-              </a:rPr>
-              <a:t>副</a:t>
-            </a:r>
-            <a:r>
-              <a:rPr lang="en-US" sz="3600" b="1" dirty="0" smtClean="0">
+              <a:t>前副歌</a:t>
+            </a:r>
+            <a:r>
+              <a:rPr lang="en-US" sz="3600" b="1" dirty="0">
                 <a:solidFill>
                   <a:srgbClr val="000066"/>
                 </a:solidFill>
@@ -4601,27 +4439,7 @@
                 <a:latin typeface="微軟正黑體" pitchFamily="34" charset="-120"/>
                 <a:ea typeface="微軟正黑體" pitchFamily="34" charset="-120"/>
               </a:rPr>
-              <a:t>我們要高</a:t>
-            </a:r>
-            <a:r>
-              <a:rPr lang="zh-CN" altLang="en-US" sz="6400" b="1" dirty="0">
-                <a:solidFill>
-                  <a:srgbClr val="000066"/>
-                </a:solidFill>
-                <a:latin typeface="微軟正黑體" pitchFamily="34" charset="-120"/>
-                <a:ea typeface="微軟正黑體" pitchFamily="34" charset="-120"/>
-              </a:rPr>
-              <a:t>舉祢聖</a:t>
-            </a:r>
-            <a:r>
-              <a:rPr lang="zh-CN" altLang="en-US" sz="6400" b="1" dirty="0">
-                <a:solidFill>
-                  <a:srgbClr val="000066"/>
-                </a:solidFill>
-                <a:latin typeface="微軟正黑體" pitchFamily="34" charset="-120"/>
-                <a:ea typeface="微軟正黑體" pitchFamily="34" charset="-120"/>
-              </a:rPr>
-              <a:t>名</a:t>
+              <a:t>我們要高舉祢聖名</a:t>
             </a:r>
             <a:endParaRPr lang="en-US" altLang="zh-CN" sz="6400" b="1" dirty="0">
               <a:solidFill>
@@ -4643,17 +4461,7 @@
                 <a:latin typeface="微軟正黑體" pitchFamily="34" charset="-120"/>
                 <a:ea typeface="微軟正黑體" pitchFamily="34" charset="-120"/>
               </a:rPr>
-              <a:t>祢配</a:t>
-            </a:r>
-            <a:r>
-              <a:rPr lang="zh-CN" altLang="en-US" sz="6400" b="1" dirty="0">
-                <a:solidFill>
-                  <a:srgbClr val="000066"/>
-                </a:solidFill>
-                <a:latin typeface="微軟正黑體" pitchFamily="34" charset="-120"/>
-                <a:ea typeface="微軟正黑體" pitchFamily="34" charset="-120"/>
-              </a:rPr>
-              <a:t>得所有最大的讚美</a:t>
+              <a:t>祢配得所有最大的讚美</a:t>
             </a:r>
             <a:endParaRPr lang="zh-TW" altLang="en-US" sz="6400" b="1" dirty="0">
               <a:solidFill>
@@ -4689,7 +4497,7 @@
           <a:p>
             <a:pPr algn="ctr"/>
             <a:r>
-              <a:rPr lang="en-US" sz="3600" b="1" dirty="0" smtClean="0">
+              <a:rPr lang="en-US" sz="3600" b="1" dirty="0">
                 <a:solidFill>
                   <a:srgbClr val="000066"/>
                 </a:solidFill>
@@ -4699,17 +4507,17 @@
               <a:t>( </a:t>
             </a:r>
             <a:r>
-              <a:rPr lang="zh-CN" altLang="en-US" sz="3600" b="1" dirty="0" smtClean="0">
+              <a:rPr lang="zh-CN" altLang="en-US" sz="3600" b="1" dirty="0">
                 <a:solidFill>
                   <a:srgbClr val="000066"/>
                 </a:solidFill>
                 <a:latin typeface="Microsoft JhengHei" panose="020B0604030504040204" pitchFamily="34" charset="-120"/>
                 <a:ea typeface="Microsoft JhengHei" panose="020B0604030504040204" pitchFamily="34" charset="-120"/>
               </a:rPr>
-              <a:t>副</a:t>
-            </a:r>
-            <a:r>
-              <a:rPr lang="en-US" sz="3600" b="1" dirty="0" smtClean="0">
+              <a:t>副歌</a:t>
+            </a:r>
+            <a:r>
+              <a:rPr lang="en-US" sz="3600" b="1" dirty="0">
                 <a:solidFill>
                   <a:srgbClr val="000066"/>
                 </a:solidFill>
@@ -4812,17 +4620,7 @@
                 <a:latin typeface="微軟正黑體" pitchFamily="34" charset="-120"/>
                 <a:ea typeface="微軟正黑體" pitchFamily="34" charset="-120"/>
               </a:rPr>
-              <a:t>來敬</a:t>
-            </a:r>
-            <a:r>
-              <a:rPr lang="zh-CN" altLang="en-US" sz="6400" b="1" dirty="0">
-                <a:solidFill>
-                  <a:srgbClr val="000066"/>
-                </a:solidFill>
-                <a:latin typeface="微軟正黑體" pitchFamily="34" charset="-120"/>
-                <a:ea typeface="微軟正黑體" pitchFamily="34" charset="-120"/>
-              </a:rPr>
-              <a:t>拜祢</a:t>
+              <a:t>來敬拜祢</a:t>
             </a:r>
             <a:endParaRPr lang="zh-TW" altLang="en-US" sz="6400" b="1" dirty="0">
               <a:solidFill>
@@ -4858,7 +4656,7 @@
           <a:p>
             <a:pPr algn="ctr"/>
             <a:r>
-              <a:rPr lang="en-US" sz="3600" b="1" dirty="0" smtClean="0">
+              <a:rPr lang="en-US" sz="3600" b="1" dirty="0">
                 <a:solidFill>
                   <a:srgbClr val="000066"/>
                 </a:solidFill>
@@ -4868,17 +4666,17 @@
               <a:t>( </a:t>
             </a:r>
             <a:r>
-              <a:rPr lang="zh-CN" altLang="en-US" sz="3600" b="1" dirty="0" smtClean="0">
+              <a:rPr lang="zh-CN" altLang="en-US" sz="3600" b="1" dirty="0">
                 <a:solidFill>
                   <a:srgbClr val="000066"/>
                 </a:solidFill>
                 <a:latin typeface="Microsoft JhengHei" panose="020B0604030504040204" pitchFamily="34" charset="-120"/>
                 <a:ea typeface="Microsoft JhengHei" panose="020B0604030504040204" pitchFamily="34" charset="-120"/>
               </a:rPr>
-              <a:t>副</a:t>
-            </a:r>
-            <a:r>
-              <a:rPr lang="en-US" sz="3600" b="1" dirty="0" smtClean="0">
+              <a:t>副歌</a:t>
+            </a:r>
+            <a:r>
+              <a:rPr lang="en-US" sz="3600" b="1" dirty="0">
                 <a:solidFill>
                   <a:srgbClr val="000066"/>
                 </a:solidFill>
